--- a/documentatie/scrum presentaties/sprint 4.pptx
+++ b/documentatie/scrum presentaties/sprint 4.pptx
@@ -7,12 +7,14 @@
   <p:sldIdLst>
     <p:sldId id="256" r:id="rId2"/>
     <p:sldId id="257" r:id="rId3"/>
-    <p:sldId id="258" r:id="rId4"/>
-    <p:sldId id="259" r:id="rId5"/>
-    <p:sldId id="260" r:id="rId6"/>
-    <p:sldId id="261" r:id="rId7"/>
-    <p:sldId id="262" r:id="rId8"/>
-    <p:sldId id="263" r:id="rId9"/>
+    <p:sldId id="264" r:id="rId4"/>
+    <p:sldId id="258" r:id="rId5"/>
+    <p:sldId id="259" r:id="rId6"/>
+    <p:sldId id="260" r:id="rId7"/>
+    <p:sldId id="261" r:id="rId8"/>
+    <p:sldId id="265" r:id="rId9"/>
+    <p:sldId id="262" r:id="rId10"/>
+    <p:sldId id="263" r:id="rId11"/>
   </p:sldIdLst>
   <p:sldSz cx="12192000" cy="6858000"/>
   <p:notesSz cx="6858000" cy="9144000"/>
@@ -111,6 +113,11 @@
       </a:defRPr>
     </a:lvl9pPr>
   </p:defaultTextStyle>
+  <p:extLst>
+    <p:ext uri="{EFAFB233-063F-42B5-8137-9DF3F51BA10A}">
+      <p15:sldGuideLst xmlns:p15="http://schemas.microsoft.com/office/powerpoint/2012/main"/>
+    </p:ext>
+  </p:extLst>
 </p:presentation>
 </file>
 
@@ -859,7 +866,7 @@
           <a:p>
             <a:fld id="{64FC25CC-EE5A-4361-84C3-61943080B292}" type="datetimeFigureOut">
               <a:rPr lang="nl-NL" smtClean="0"/>
-              <a:t>18-11-2025</a:t>
+              <a:t>21-11-2025</a:t>
             </a:fld>
             <a:endParaRPr lang="nl-NL"/>
           </a:p>
@@ -1110,7 +1117,7 @@
           <a:p>
             <a:fld id="{64FC25CC-EE5A-4361-84C3-61943080B292}" type="datetimeFigureOut">
               <a:rPr lang="nl-NL" smtClean="0"/>
-              <a:t>18-11-2025</a:t>
+              <a:t>21-11-2025</a:t>
             </a:fld>
             <a:endParaRPr lang="nl-NL"/>
           </a:p>
@@ -1424,7 +1431,7 @@
           <a:p>
             <a:fld id="{64FC25CC-EE5A-4361-84C3-61943080B292}" type="datetimeFigureOut">
               <a:rPr lang="nl-NL" smtClean="0"/>
-              <a:t>18-11-2025</a:t>
+              <a:t>21-11-2025</a:t>
             </a:fld>
             <a:endParaRPr lang="nl-NL"/>
           </a:p>
@@ -1757,7 +1764,7 @@
           <a:p>
             <a:fld id="{64FC25CC-EE5A-4361-84C3-61943080B292}" type="datetimeFigureOut">
               <a:rPr lang="nl-NL" smtClean="0"/>
-              <a:t>18-11-2025</a:t>
+              <a:t>21-11-2025</a:t>
             </a:fld>
             <a:endParaRPr lang="nl-NL"/>
           </a:p>
@@ -2071,7 +2078,7 @@
           <a:p>
             <a:fld id="{64FC25CC-EE5A-4361-84C3-61943080B292}" type="datetimeFigureOut">
               <a:rPr lang="nl-NL" smtClean="0"/>
-              <a:t>18-11-2025</a:t>
+              <a:t>21-11-2025</a:t>
             </a:fld>
             <a:endParaRPr lang="nl-NL"/>
           </a:p>
@@ -2464,7 +2471,7 @@
           <a:p>
             <a:fld id="{64FC25CC-EE5A-4361-84C3-61943080B292}" type="datetimeFigureOut">
               <a:rPr lang="nl-NL" smtClean="0"/>
-              <a:t>18-11-2025</a:t>
+              <a:t>21-11-2025</a:t>
             </a:fld>
             <a:endParaRPr lang="nl-NL"/>
           </a:p>
@@ -2634,7 +2641,7 @@
           <a:p>
             <a:fld id="{64FC25CC-EE5A-4361-84C3-61943080B292}" type="datetimeFigureOut">
               <a:rPr lang="nl-NL" smtClean="0"/>
-              <a:t>18-11-2025</a:t>
+              <a:t>21-11-2025</a:t>
             </a:fld>
             <a:endParaRPr lang="nl-NL"/>
           </a:p>
@@ -2814,7 +2821,7 @@
           <a:p>
             <a:fld id="{64FC25CC-EE5A-4361-84C3-61943080B292}" type="datetimeFigureOut">
               <a:rPr lang="nl-NL" smtClean="0"/>
-              <a:t>18-11-2025</a:t>
+              <a:t>21-11-2025</a:t>
             </a:fld>
             <a:endParaRPr lang="nl-NL"/>
           </a:p>
@@ -2984,7 +2991,7 @@
           <a:p>
             <a:fld id="{64FC25CC-EE5A-4361-84C3-61943080B292}" type="datetimeFigureOut">
               <a:rPr lang="nl-NL" smtClean="0"/>
-              <a:t>18-11-2025</a:t>
+              <a:t>21-11-2025</a:t>
             </a:fld>
             <a:endParaRPr lang="nl-NL"/>
           </a:p>
@@ -3231,7 +3238,7 @@
           <a:p>
             <a:fld id="{64FC25CC-EE5A-4361-84C3-61943080B292}" type="datetimeFigureOut">
               <a:rPr lang="nl-NL" smtClean="0"/>
-              <a:t>18-11-2025</a:t>
+              <a:t>21-11-2025</a:t>
             </a:fld>
             <a:endParaRPr lang="nl-NL"/>
           </a:p>
@@ -3463,7 +3470,7 @@
           <a:p>
             <a:fld id="{64FC25CC-EE5A-4361-84C3-61943080B292}" type="datetimeFigureOut">
               <a:rPr lang="nl-NL" smtClean="0"/>
-              <a:t>18-11-2025</a:t>
+              <a:t>21-11-2025</a:t>
             </a:fld>
             <a:endParaRPr lang="nl-NL"/>
           </a:p>
@@ -3837,7 +3844,7 @@
           <a:p>
             <a:fld id="{64FC25CC-EE5A-4361-84C3-61943080B292}" type="datetimeFigureOut">
               <a:rPr lang="nl-NL" smtClean="0"/>
-              <a:t>18-11-2025</a:t>
+              <a:t>21-11-2025</a:t>
             </a:fld>
             <a:endParaRPr lang="nl-NL"/>
           </a:p>
@@ -3960,7 +3967,7 @@
           <a:p>
             <a:fld id="{64FC25CC-EE5A-4361-84C3-61943080B292}" type="datetimeFigureOut">
               <a:rPr lang="nl-NL" smtClean="0"/>
-              <a:t>18-11-2025</a:t>
+              <a:t>21-11-2025</a:t>
             </a:fld>
             <a:endParaRPr lang="nl-NL"/>
           </a:p>
@@ -4055,7 +4062,7 @@
           <a:p>
             <a:fld id="{64FC25CC-EE5A-4361-84C3-61943080B292}" type="datetimeFigureOut">
               <a:rPr lang="nl-NL" smtClean="0"/>
-              <a:t>18-11-2025</a:t>
+              <a:t>21-11-2025</a:t>
             </a:fld>
             <a:endParaRPr lang="nl-NL"/>
           </a:p>
@@ -4310,7 +4317,7 @@
           <a:p>
             <a:fld id="{64FC25CC-EE5A-4361-84C3-61943080B292}" type="datetimeFigureOut">
               <a:rPr lang="nl-NL" smtClean="0"/>
-              <a:t>18-11-2025</a:t>
+              <a:t>21-11-2025</a:t>
             </a:fld>
             <a:endParaRPr lang="nl-NL"/>
           </a:p>
@@ -4615,7 +4622,7 @@
           <a:p>
             <a:fld id="{64FC25CC-EE5A-4361-84C3-61943080B292}" type="datetimeFigureOut">
               <a:rPr lang="nl-NL" smtClean="0"/>
-              <a:t>18-11-2025</a:t>
+              <a:t>21-11-2025</a:t>
             </a:fld>
             <a:endParaRPr lang="nl-NL"/>
           </a:p>
@@ -5317,7 +5324,7 @@
           <a:p>
             <a:fld id="{64FC25CC-EE5A-4361-84C3-61943080B292}" type="datetimeFigureOut">
               <a:rPr lang="nl-NL" smtClean="0"/>
-              <a:t>18-11-2025</a:t>
+              <a:t>21-11-2025</a:t>
             </a:fld>
             <a:endParaRPr lang="nl-NL"/>
           </a:p>
@@ -5948,6 +5955,101 @@
 </p:sld>
 </file>
 
+<file path=ppt/slides/slide10.xml><?xml version="1.0" encoding="utf-8"?>
+<p:sld xmlns:a="http://schemas.openxmlformats.org/drawingml/2006/main" xmlns:r="http://schemas.openxmlformats.org/officeDocument/2006/relationships" xmlns:p="http://schemas.openxmlformats.org/presentationml/2006/main">
+  <p:cSld>
+    <p:spTree>
+      <p:nvGrpSpPr>
+        <p:cNvPr id="1" name=""/>
+        <p:cNvGrpSpPr/>
+        <p:nvPr/>
+      </p:nvGrpSpPr>
+      <p:grpSpPr>
+        <a:xfrm>
+          <a:off x="0" y="0"/>
+          <a:ext cx="0" cy="0"/>
+          <a:chOff x="0" y="0"/>
+          <a:chExt cx="0" cy="0"/>
+        </a:xfrm>
+      </p:grpSpPr>
+      <p:sp>
+        <p:nvSpPr>
+          <p:cNvPr id="2" name="Titel 1">
+            <a:extLst>
+              <a:ext uri="{FF2B5EF4-FFF2-40B4-BE49-F238E27FC236}">
+                <a16:creationId xmlns:a16="http://schemas.microsoft.com/office/drawing/2014/main" id="{11429E17-1B97-C831-7225-46CA6E30D6C1}"/>
+              </a:ext>
+            </a:extLst>
+          </p:cNvPr>
+          <p:cNvSpPr>
+            <a:spLocks noGrp="1"/>
+          </p:cNvSpPr>
+          <p:nvPr>
+            <p:ph type="title"/>
+          </p:nvPr>
+        </p:nvSpPr>
+        <p:spPr/>
+        <p:txBody>
+          <a:bodyPr/>
+          <a:lstStyle/>
+          <a:p>
+            <a:r>
+              <a:rPr lang="nl-NL" dirty="0"/>
+              <a:t>Retrospectieve</a:t>
+            </a:r>
+          </a:p>
+        </p:txBody>
+      </p:sp>
+      <p:sp>
+        <p:nvSpPr>
+          <p:cNvPr id="3" name="Tijdelijke aanduiding voor inhoud 2">
+            <a:extLst>
+              <a:ext uri="{FF2B5EF4-FFF2-40B4-BE49-F238E27FC236}">
+                <a16:creationId xmlns:a16="http://schemas.microsoft.com/office/drawing/2014/main" id="{642C2D7A-ABAA-CE8B-7D60-1D743C7E7AD8}"/>
+              </a:ext>
+            </a:extLst>
+          </p:cNvPr>
+          <p:cNvSpPr>
+            <a:spLocks noGrp="1"/>
+          </p:cNvSpPr>
+          <p:nvPr>
+            <p:ph idx="1"/>
+          </p:nvPr>
+        </p:nvSpPr>
+        <p:spPr/>
+        <p:txBody>
+          <a:bodyPr/>
+          <a:lstStyle/>
+          <a:p>
+            <a:r>
+              <a:rPr lang="nl-NL" dirty="0"/>
+              <a:t>50% presentatie</a:t>
+            </a:r>
+          </a:p>
+          <a:p>
+            <a:r>
+              <a:rPr lang="nl-NL" dirty="0"/>
+              <a:t>Spullen afwezig</a:t>
+            </a:r>
+          </a:p>
+          <a:p>
+            <a:endParaRPr lang="nl-NL" dirty="0"/>
+          </a:p>
+        </p:txBody>
+      </p:sp>
+    </p:spTree>
+    <p:extLst>
+      <p:ext uri="{BB962C8B-B14F-4D97-AF65-F5344CB8AC3E}">
+        <p14:creationId xmlns:p14="http://schemas.microsoft.com/office/powerpoint/2010/main" val="112861411"/>
+      </p:ext>
+    </p:extLst>
+  </p:cSld>
+  <p:clrMapOvr>
+    <a:masterClrMapping/>
+  </p:clrMapOvr>
+</p:sld>
+</file>
+
 <file path=ppt/slides/slide2.xml><?xml version="1.0" encoding="utf-8"?>
 <p:sld xmlns:a="http://schemas.openxmlformats.org/drawingml/2006/main" xmlns:r="http://schemas.openxmlformats.org/officeDocument/2006/relationships" xmlns:p="http://schemas.openxmlformats.org/presentationml/2006/main">
   <p:cSld>
@@ -6015,6 +6117,12 @@
           <a:lstStyle/>
           <a:p>
             <a:r>
+              <a:rPr lang="nl-NL" dirty="0"/>
+              <a:t>Vorige sprint</a:t>
+            </a:r>
+          </a:p>
+          <a:p>
+            <a:r>
               <a:rPr lang="nl-NL" dirty="0" err="1"/>
               <a:t>Raspberry</a:t>
             </a:r>
@@ -6039,6 +6147,12 @@
             <a:r>
               <a:rPr lang="nl-NL" dirty="0"/>
               <a:t>Onderzoek behuizing</a:t>
+            </a:r>
+          </a:p>
+          <a:p>
+            <a:r>
+              <a:rPr lang="nl-NL" dirty="0"/>
+              <a:t>Risico analyse</a:t>
             </a:r>
           </a:p>
           <a:p>
@@ -6094,6 +6208,646 @@
           <p:cNvPr id="2" name="Titel 1">
             <a:extLst>
               <a:ext uri="{FF2B5EF4-FFF2-40B4-BE49-F238E27FC236}">
+                <a16:creationId xmlns:a16="http://schemas.microsoft.com/office/drawing/2014/main" id="{AA7F08F1-291D-AC96-8489-EDFD42975938}"/>
+              </a:ext>
+            </a:extLst>
+          </p:cNvPr>
+          <p:cNvSpPr>
+            <a:spLocks noGrp="1"/>
+          </p:cNvSpPr>
+          <p:nvPr>
+            <p:ph type="title"/>
+          </p:nvPr>
+        </p:nvSpPr>
+        <p:spPr/>
+        <p:txBody>
+          <a:bodyPr/>
+          <a:lstStyle/>
+          <a:p>
+            <a:r>
+              <a:rPr lang="nl-NL" dirty="0"/>
+              <a:t>Vorige sprint</a:t>
+            </a:r>
+          </a:p>
+        </p:txBody>
+      </p:sp>
+      <p:sp>
+        <p:nvSpPr>
+          <p:cNvPr id="3" name="Tijdelijke aanduiding voor inhoud 2">
+            <a:extLst>
+              <a:ext uri="{FF2B5EF4-FFF2-40B4-BE49-F238E27FC236}">
+                <a16:creationId xmlns:a16="http://schemas.microsoft.com/office/drawing/2014/main" id="{289BB8FA-1D33-AD43-DDC5-9934A0ACE670}"/>
+              </a:ext>
+            </a:extLst>
+          </p:cNvPr>
+          <p:cNvSpPr>
+            <a:spLocks noGrp="1"/>
+          </p:cNvSpPr>
+          <p:nvPr>
+            <p:ph idx="1"/>
+          </p:nvPr>
+        </p:nvSpPr>
+        <p:spPr/>
+        <p:txBody>
+          <a:bodyPr/>
+          <a:lstStyle/>
+          <a:p>
+            <a:r>
+              <a:rPr lang="nl-NL" dirty="0"/>
+              <a:t>Sensoren zijn </a:t>
+            </a:r>
+            <a:r>
+              <a:rPr lang="nl-NL" dirty="0" err="1"/>
+              <a:t>opgehaalt</a:t>
+            </a:r>
+            <a:endParaRPr lang="nl-NL" dirty="0"/>
+          </a:p>
+        </p:txBody>
+      </p:sp>
+      <p:graphicFrame>
+        <p:nvGraphicFramePr>
+          <p:cNvPr id="6" name="Tabel 5">
+            <a:extLst>
+              <a:ext uri="{FF2B5EF4-FFF2-40B4-BE49-F238E27FC236}">
+                <a16:creationId xmlns:a16="http://schemas.microsoft.com/office/drawing/2014/main" id="{3C2709FD-A52E-A87A-F65A-90DD9C898CDD}"/>
+              </a:ext>
+            </a:extLst>
+          </p:cNvPr>
+          <p:cNvGraphicFramePr>
+            <a:graphicFrameLocks noGrp="1"/>
+          </p:cNvGraphicFramePr>
+          <p:nvPr>
+            <p:extLst>
+              <p:ext uri="{D42A27DB-BD31-4B8C-83A1-F6EECF244321}">
+                <p14:modId xmlns:p14="http://schemas.microsoft.com/office/powerpoint/2010/main" val="804694571"/>
+              </p:ext>
+            </p:extLst>
+          </p:nvPr>
+        </p:nvGraphicFramePr>
+        <p:xfrm>
+          <a:off x="3853682" y="1158240"/>
+          <a:ext cx="8128000" cy="5090160"/>
+        </p:xfrm>
+        <a:graphic>
+          <a:graphicData uri="http://schemas.openxmlformats.org/drawingml/2006/table">
+            <a:tbl>
+              <a:tblPr firstRow="1" bandRow="1">
+                <a:tableStyleId>{5C22544A-7EE6-4342-B048-85BDC9FD1C3A}</a:tableStyleId>
+              </a:tblPr>
+              <a:tblGrid>
+                <a:gridCol w="4064000">
+                  <a:extLst>
+                    <a:ext uri="{9D8B030D-6E8A-4147-A177-3AD203B41FA5}">
+                      <a16:colId xmlns:a16="http://schemas.microsoft.com/office/drawing/2014/main" val="3650302100"/>
+                    </a:ext>
+                  </a:extLst>
+                </a:gridCol>
+                <a:gridCol w="4064000">
+                  <a:extLst>
+                    <a:ext uri="{9D8B030D-6E8A-4147-A177-3AD203B41FA5}">
+                      <a16:colId xmlns:a16="http://schemas.microsoft.com/office/drawing/2014/main" val="2063980556"/>
+                    </a:ext>
+                  </a:extLst>
+                </a:gridCol>
+              </a:tblGrid>
+              <a:tr h="362918">
+                <a:tc>
+                  <a:txBody>
+                    <a:bodyPr/>
+                    <a:lstStyle/>
+                    <a:p>
+                      <a:r>
+                        <a:rPr lang="en-US" dirty="0"/>
+                        <a:t>User story</a:t>
+                      </a:r>
+                      <a:endParaRPr lang="nl-NL" dirty="0"/>
+                    </a:p>
+                  </a:txBody>
+                  <a:tcPr/>
+                </a:tc>
+                <a:tc>
+                  <a:txBody>
+                    <a:bodyPr/>
+                    <a:lstStyle/>
+                    <a:p>
+                      <a:r>
+                        <a:rPr lang="en-US" dirty="0" err="1"/>
+                        <a:t>taak</a:t>
+                      </a:r>
+                      <a:endParaRPr lang="nl-NL" dirty="0"/>
+                    </a:p>
+                  </a:txBody>
+                  <a:tcPr/>
+                </a:tc>
+                <a:extLst>
+                  <a:ext uri="{0D108BD9-81ED-4DB2-BD59-A6C34878D82A}">
+                    <a16:rowId xmlns:a16="http://schemas.microsoft.com/office/drawing/2014/main" val="3754314233"/>
+                  </a:ext>
+                </a:extLst>
+              </a:tr>
+              <a:tr h="370840">
+                <a:tc>
+                  <a:txBody>
+                    <a:bodyPr/>
+                    <a:lstStyle/>
+                    <a:p>
+                      <a:r>
+                        <a:rPr lang="nl-NL" sz="1400" b="0" kern="1200" dirty="0">
+                          <a:solidFill>
+                            <a:schemeClr val="dk1"/>
+                          </a:solidFill>
+                          <a:effectLst/>
+                          <a:latin typeface="Arial" panose="020B0604020202020204" pitchFamily="34" charset="0"/>
+                          <a:ea typeface="+mn-ea"/>
+                          <a:cs typeface="Arial" panose="020B0604020202020204" pitchFamily="34" charset="0"/>
+                        </a:rPr>
+                        <a:t>1.1 Ik wil dat er een sensor is die de windsnelheid meet zodat ik de data van de windsnelheid kan krijgen.</a:t>
+                      </a:r>
+                      <a:endParaRPr lang="nl-NL" sz="1400" b="0" dirty="0">
+                        <a:latin typeface="Arial" panose="020B0604020202020204" pitchFamily="34" charset="0"/>
+                        <a:cs typeface="Arial" panose="020B0604020202020204" pitchFamily="34" charset="0"/>
+                      </a:endParaRPr>
+                    </a:p>
+                  </a:txBody>
+                  <a:tcPr/>
+                </a:tc>
+                <a:tc>
+                  <a:txBody>
+                    <a:bodyPr/>
+                    <a:lstStyle/>
+                    <a:p>
+                      <a:pPr marL="0" marR="0" lvl="0" indent="0" algn="l" defTabSz="457200" rtl="0" eaLnBrk="1" fontAlgn="auto" latinLnBrk="0" hangingPunct="1">
+                        <a:lnSpc>
+                          <a:spcPct val="100000"/>
+                        </a:lnSpc>
+                        <a:spcBef>
+                          <a:spcPts val="0"/>
+                        </a:spcBef>
+                        <a:spcAft>
+                          <a:spcPts val="0"/>
+                        </a:spcAft>
+                        <a:buClrTx/>
+                        <a:buSzTx/>
+                        <a:buFontTx/>
+                        <a:buNone/>
+                        <a:tabLst/>
+                        <a:defRPr/>
+                      </a:pPr>
+                      <a:r>
+                        <a:rPr lang="nl-NL" sz="1400" b="0" kern="1200" dirty="0">
+                          <a:solidFill>
+                            <a:schemeClr val="dk1"/>
+                          </a:solidFill>
+                          <a:effectLst/>
+                          <a:latin typeface="Arial" panose="020B0604020202020204" pitchFamily="34" charset="0"/>
+                          <a:ea typeface="+mn-ea"/>
+                          <a:cs typeface="Arial" panose="020B0604020202020204" pitchFamily="34" charset="0"/>
+                        </a:rPr>
+                        <a:t>1.1.4 Kalibreer de windsnelheid sensor.</a:t>
+                      </a:r>
+                    </a:p>
+                    <a:p>
+                      <a:endParaRPr lang="nl-NL" sz="1400" b="0" dirty="0">
+                        <a:latin typeface="Arial" panose="020B0604020202020204" pitchFamily="34" charset="0"/>
+                        <a:cs typeface="Arial" panose="020B0604020202020204" pitchFamily="34" charset="0"/>
+                      </a:endParaRPr>
+                    </a:p>
+                  </a:txBody>
+                  <a:tcPr/>
+                </a:tc>
+                <a:extLst>
+                  <a:ext uri="{0D108BD9-81ED-4DB2-BD59-A6C34878D82A}">
+                    <a16:rowId xmlns:a16="http://schemas.microsoft.com/office/drawing/2014/main" val="524302914"/>
+                  </a:ext>
+                </a:extLst>
+              </a:tr>
+              <a:tr h="370840">
+                <a:tc>
+                  <a:txBody>
+                    <a:bodyPr/>
+                    <a:lstStyle/>
+                    <a:p>
+                      <a:pPr marL="0" marR="0">
+                        <a:lnSpc>
+                          <a:spcPct val="107000"/>
+                        </a:lnSpc>
+                        <a:spcAft>
+                          <a:spcPts val="800"/>
+                        </a:spcAft>
+                        <a:buNone/>
+                      </a:pPr>
+                      <a:r>
+                        <a:rPr lang="nl-NL" sz="1400" b="0" kern="100" dirty="0">
+                          <a:effectLst/>
+                          <a:latin typeface="Arial" panose="020B0604020202020204" pitchFamily="34" charset="0"/>
+                          <a:ea typeface="Aptos" panose="020B0004020202020204" pitchFamily="34" charset="0"/>
+                          <a:cs typeface="Arial" panose="020B0604020202020204" pitchFamily="34" charset="0"/>
+                        </a:rPr>
+                        <a:t>1.2 Ik wil dat de windsnelheid gemeten word vanuit het weerstation.</a:t>
+                      </a:r>
+                    </a:p>
+                  </a:txBody>
+                  <a:tcPr marL="68580" marR="68580" marT="0" marB="0"/>
+                </a:tc>
+                <a:tc>
+                  <a:txBody>
+                    <a:bodyPr/>
+                    <a:lstStyle/>
+                    <a:p>
+                      <a:pPr marL="0" marR="0" lvl="0" indent="0" algn="l" defTabSz="457200" rtl="0" eaLnBrk="1" fontAlgn="auto" latinLnBrk="0" hangingPunct="1">
+                        <a:lnSpc>
+                          <a:spcPct val="100000"/>
+                        </a:lnSpc>
+                        <a:spcBef>
+                          <a:spcPts val="0"/>
+                        </a:spcBef>
+                        <a:spcAft>
+                          <a:spcPts val="0"/>
+                        </a:spcAft>
+                        <a:buClrTx/>
+                        <a:buSzTx/>
+                        <a:buFontTx/>
+                        <a:buNone/>
+                        <a:tabLst/>
+                        <a:defRPr/>
+                      </a:pPr>
+                      <a:r>
+                        <a:rPr lang="nl-NL" sz="1400" b="0" kern="1200" dirty="0">
+                          <a:solidFill>
+                            <a:schemeClr val="dk1"/>
+                          </a:solidFill>
+                          <a:effectLst/>
+                          <a:latin typeface="Arial" panose="020B0604020202020204" pitchFamily="34" charset="0"/>
+                          <a:ea typeface="+mn-ea"/>
+                          <a:cs typeface="Arial" panose="020B0604020202020204" pitchFamily="34" charset="0"/>
+                        </a:rPr>
+                        <a:t>1.2.1 Integreer de </a:t>
+                      </a:r>
+                      <a:r>
+                        <a:rPr lang="nl-NL" sz="1400" b="0" kern="1200" dirty="0" err="1">
+                          <a:solidFill>
+                            <a:schemeClr val="dk1"/>
+                          </a:solidFill>
+                          <a:effectLst/>
+                          <a:latin typeface="Arial" panose="020B0604020202020204" pitchFamily="34" charset="0"/>
+                          <a:ea typeface="+mn-ea"/>
+                          <a:cs typeface="Arial" panose="020B0604020202020204" pitchFamily="34" charset="0"/>
+                        </a:rPr>
+                        <a:t>windssnelheids</a:t>
+                      </a:r>
+                      <a:r>
+                        <a:rPr lang="nl-NL" sz="1400" b="0" kern="1200" dirty="0">
+                          <a:solidFill>
+                            <a:schemeClr val="dk1"/>
+                          </a:solidFill>
+                          <a:effectLst/>
+                          <a:latin typeface="Arial" panose="020B0604020202020204" pitchFamily="34" charset="0"/>
+                          <a:ea typeface="+mn-ea"/>
+                          <a:cs typeface="Arial" panose="020B0604020202020204" pitchFamily="34" charset="0"/>
+                        </a:rPr>
+                        <a:t> sensor met de micro controller.</a:t>
+                      </a:r>
+                    </a:p>
+                    <a:p>
+                      <a:pPr marL="0" marR="0" lvl="0" indent="0" algn="l" defTabSz="457200" rtl="0" eaLnBrk="1" fontAlgn="auto" latinLnBrk="0" hangingPunct="1">
+                        <a:lnSpc>
+                          <a:spcPct val="100000"/>
+                        </a:lnSpc>
+                        <a:spcBef>
+                          <a:spcPts val="0"/>
+                        </a:spcBef>
+                        <a:spcAft>
+                          <a:spcPts val="0"/>
+                        </a:spcAft>
+                        <a:buClrTx/>
+                        <a:buSzTx/>
+                        <a:buFontTx/>
+                        <a:buNone/>
+                        <a:tabLst/>
+                        <a:defRPr/>
+                      </a:pPr>
+                      <a:r>
+                        <a:rPr lang="nl-NL" sz="1400" b="0" kern="1200" dirty="0">
+                          <a:solidFill>
+                            <a:schemeClr val="dk1"/>
+                          </a:solidFill>
+                          <a:effectLst/>
+                          <a:latin typeface="Arial" panose="020B0604020202020204" pitchFamily="34" charset="0"/>
+                          <a:ea typeface="+mn-ea"/>
+                          <a:cs typeface="Arial" panose="020B0604020202020204" pitchFamily="34" charset="0"/>
+                        </a:rPr>
+                        <a:t>1.2.2 Maak een elektrisch schema van het weerstation.</a:t>
+                      </a:r>
+                    </a:p>
+                    <a:p>
+                      <a:pPr marL="0" marR="0" lvl="0" indent="0" algn="l" defTabSz="457200" rtl="0" eaLnBrk="1" fontAlgn="auto" latinLnBrk="0" hangingPunct="1">
+                        <a:lnSpc>
+                          <a:spcPct val="100000"/>
+                        </a:lnSpc>
+                        <a:spcBef>
+                          <a:spcPts val="0"/>
+                        </a:spcBef>
+                        <a:spcAft>
+                          <a:spcPts val="0"/>
+                        </a:spcAft>
+                        <a:buClrTx/>
+                        <a:buSzTx/>
+                        <a:buFontTx/>
+                        <a:buNone/>
+                        <a:tabLst/>
+                        <a:defRPr/>
+                      </a:pPr>
+                      <a:r>
+                        <a:rPr lang="nl-NL" sz="1400" b="0" kern="1200" dirty="0">
+                          <a:solidFill>
+                            <a:schemeClr val="dk1"/>
+                          </a:solidFill>
+                          <a:effectLst/>
+                          <a:latin typeface="Arial" panose="020B0604020202020204" pitchFamily="34" charset="0"/>
+                          <a:ea typeface="+mn-ea"/>
+                          <a:cs typeface="Arial" panose="020B0604020202020204" pitchFamily="34" charset="0"/>
+                        </a:rPr>
+                        <a:t>1.2.3 Test de windsnelheid sensor.</a:t>
+                      </a:r>
+                    </a:p>
+                    <a:p>
+                      <a:endParaRPr lang="nl-NL" sz="1400" b="0" dirty="0">
+                        <a:latin typeface="Arial" panose="020B0604020202020204" pitchFamily="34" charset="0"/>
+                        <a:cs typeface="Arial" panose="020B0604020202020204" pitchFamily="34" charset="0"/>
+                      </a:endParaRPr>
+                    </a:p>
+                  </a:txBody>
+                  <a:tcPr/>
+                </a:tc>
+                <a:extLst>
+                  <a:ext uri="{0D108BD9-81ED-4DB2-BD59-A6C34878D82A}">
+                    <a16:rowId xmlns:a16="http://schemas.microsoft.com/office/drawing/2014/main" val="3142317157"/>
+                  </a:ext>
+                </a:extLst>
+              </a:tr>
+              <a:tr h="370840">
+                <a:tc>
+                  <a:txBody>
+                    <a:bodyPr/>
+                    <a:lstStyle/>
+                    <a:p>
+                      <a:r>
+                        <a:rPr lang="nl-NL" sz="1400" b="0" kern="1200" dirty="0">
+                          <a:solidFill>
+                            <a:schemeClr val="dk1"/>
+                          </a:solidFill>
+                          <a:effectLst/>
+                          <a:latin typeface="Arial" panose="020B0604020202020204" pitchFamily="34" charset="0"/>
+                          <a:ea typeface="+mn-ea"/>
+                          <a:cs typeface="Arial" panose="020B0604020202020204" pitchFamily="34" charset="0"/>
+                        </a:rPr>
+                        <a:t>2.1 Ik wil dat er een sensor is die de windrichting meet zodat ik de data van de windrichting kan krijgen.</a:t>
+                      </a:r>
+                      <a:endParaRPr lang="nl-NL" sz="1400" b="0" dirty="0">
+                        <a:latin typeface="Arial" panose="020B0604020202020204" pitchFamily="34" charset="0"/>
+                        <a:cs typeface="Arial" panose="020B0604020202020204" pitchFamily="34" charset="0"/>
+                      </a:endParaRPr>
+                    </a:p>
+                  </a:txBody>
+                  <a:tcPr/>
+                </a:tc>
+                <a:tc>
+                  <a:txBody>
+                    <a:bodyPr/>
+                    <a:lstStyle/>
+                    <a:p>
+                      <a:pPr marL="0" marR="0" lvl="0" indent="0" algn="l" defTabSz="457200" rtl="0" eaLnBrk="1" fontAlgn="auto" latinLnBrk="0" hangingPunct="1">
+                        <a:lnSpc>
+                          <a:spcPct val="100000"/>
+                        </a:lnSpc>
+                        <a:spcBef>
+                          <a:spcPts val="0"/>
+                        </a:spcBef>
+                        <a:spcAft>
+                          <a:spcPts val="0"/>
+                        </a:spcAft>
+                        <a:buClrTx/>
+                        <a:buSzTx/>
+                        <a:buFontTx/>
+                        <a:buNone/>
+                        <a:tabLst/>
+                        <a:defRPr/>
+                      </a:pPr>
+                      <a:r>
+                        <a:rPr lang="nl-NL" sz="1400" b="0" kern="1200" dirty="0">
+                          <a:solidFill>
+                            <a:schemeClr val="dk1"/>
+                          </a:solidFill>
+                          <a:effectLst/>
+                          <a:latin typeface="Arial" panose="020B0604020202020204" pitchFamily="34" charset="0"/>
+                          <a:ea typeface="+mn-ea"/>
+                          <a:cs typeface="Arial" panose="020B0604020202020204" pitchFamily="34" charset="0"/>
+                        </a:rPr>
+                        <a:t>2.1.4 Kalibeer de windrichting sensor</a:t>
+                      </a:r>
+                    </a:p>
+                  </a:txBody>
+                  <a:tcPr/>
+                </a:tc>
+                <a:extLst>
+                  <a:ext uri="{0D108BD9-81ED-4DB2-BD59-A6C34878D82A}">
+                    <a16:rowId xmlns:a16="http://schemas.microsoft.com/office/drawing/2014/main" val="2712046558"/>
+                  </a:ext>
+                </a:extLst>
+              </a:tr>
+              <a:tr h="370840">
+                <a:tc>
+                  <a:txBody>
+                    <a:bodyPr/>
+                    <a:lstStyle/>
+                    <a:p>
+                      <a:r>
+                        <a:rPr lang="nl-NL" sz="1400" b="0" kern="1200" dirty="0">
+                          <a:solidFill>
+                            <a:schemeClr val="dk1"/>
+                          </a:solidFill>
+                          <a:effectLst/>
+                          <a:latin typeface="Arial" panose="020B0604020202020204" pitchFamily="34" charset="0"/>
+                          <a:ea typeface="+mn-ea"/>
+                          <a:cs typeface="Arial" panose="020B0604020202020204" pitchFamily="34" charset="0"/>
+                        </a:rPr>
+                        <a:t>2.2 ik wil dat de windrichting gemeten word vanuit het weerstation.</a:t>
+                      </a:r>
+                      <a:endParaRPr lang="nl-NL" sz="1400" b="0" dirty="0">
+                        <a:latin typeface="Arial" panose="020B0604020202020204" pitchFamily="34" charset="0"/>
+                        <a:cs typeface="Arial" panose="020B0604020202020204" pitchFamily="34" charset="0"/>
+                      </a:endParaRPr>
+                    </a:p>
+                  </a:txBody>
+                  <a:tcPr/>
+                </a:tc>
+                <a:tc>
+                  <a:txBody>
+                    <a:bodyPr/>
+                    <a:lstStyle/>
+                    <a:p>
+                      <a:r>
+                        <a:rPr lang="nl-NL" sz="1400" b="0" kern="1200" dirty="0">
+                          <a:solidFill>
+                            <a:schemeClr val="dk1"/>
+                          </a:solidFill>
+                          <a:effectLst/>
+                          <a:latin typeface="Arial" panose="020B0604020202020204" pitchFamily="34" charset="0"/>
+                          <a:ea typeface="+mn-ea"/>
+                          <a:cs typeface="Arial" panose="020B0604020202020204" pitchFamily="34" charset="0"/>
+                        </a:rPr>
+                        <a:t>2.2.1 Integreer de windrichting sensor met de micro controller.</a:t>
+                      </a:r>
+                    </a:p>
+                    <a:p>
+                      <a:r>
+                        <a:rPr lang="nl-NL" sz="1400" b="0" kern="1200" dirty="0">
+                          <a:solidFill>
+                            <a:schemeClr val="dk1"/>
+                          </a:solidFill>
+                          <a:effectLst/>
+                          <a:latin typeface="Arial" panose="020B0604020202020204" pitchFamily="34" charset="0"/>
+                          <a:ea typeface="+mn-ea"/>
+                          <a:cs typeface="Arial" panose="020B0604020202020204" pitchFamily="34" charset="0"/>
+                        </a:rPr>
+                        <a:t>2.2.2 Maak een elektrisch schema van het weerstation.</a:t>
+                      </a:r>
+                    </a:p>
+                    <a:p>
+                      <a:r>
+                        <a:rPr lang="nl-NL" sz="1400" b="0" kern="1200" dirty="0">
+                          <a:solidFill>
+                            <a:schemeClr val="dk1"/>
+                          </a:solidFill>
+                          <a:effectLst/>
+                          <a:latin typeface="Arial" panose="020B0604020202020204" pitchFamily="34" charset="0"/>
+                          <a:ea typeface="+mn-ea"/>
+                          <a:cs typeface="Arial" panose="020B0604020202020204" pitchFamily="34" charset="0"/>
+                        </a:rPr>
+                        <a:t>2.2.3 Test de windrichting sensor.</a:t>
+                      </a:r>
+                    </a:p>
+                  </a:txBody>
+                  <a:tcPr/>
+                </a:tc>
+                <a:extLst>
+                  <a:ext uri="{0D108BD9-81ED-4DB2-BD59-A6C34878D82A}">
+                    <a16:rowId xmlns:a16="http://schemas.microsoft.com/office/drawing/2014/main" val="3212050742"/>
+                  </a:ext>
+                </a:extLst>
+              </a:tr>
+              <a:tr h="370840">
+                <a:tc>
+                  <a:txBody>
+                    <a:bodyPr/>
+                    <a:lstStyle/>
+                    <a:p>
+                      <a:r>
+                        <a:rPr lang="nl-NL" sz="1400" b="0" kern="1200" dirty="0">
+                          <a:solidFill>
+                            <a:schemeClr val="dk1"/>
+                          </a:solidFill>
+                          <a:effectLst/>
+                          <a:latin typeface="Arial" panose="020B0604020202020204" pitchFamily="34" charset="0"/>
+                          <a:ea typeface="+mn-ea"/>
+                          <a:cs typeface="Arial" panose="020B0604020202020204" pitchFamily="34" charset="0"/>
+                        </a:rPr>
+                        <a:t>4.1 Ik wil dat het weerstation altijd buiten kan blijven zonder dat ik me zorgen hoef te maken dat die kapot gaat.</a:t>
+                      </a:r>
+                      <a:endParaRPr lang="nl-NL" sz="1400" b="0" dirty="0">
+                        <a:latin typeface="Arial" panose="020B0604020202020204" pitchFamily="34" charset="0"/>
+                        <a:cs typeface="Arial" panose="020B0604020202020204" pitchFamily="34" charset="0"/>
+                      </a:endParaRPr>
+                    </a:p>
+                  </a:txBody>
+                  <a:tcPr/>
+                </a:tc>
+                <a:tc>
+                  <a:txBody>
+                    <a:bodyPr/>
+                    <a:lstStyle/>
+                    <a:p>
+                      <a:r>
+                        <a:rPr lang="nl-NL" sz="1400" b="0" kern="1200" dirty="0">
+                          <a:solidFill>
+                            <a:schemeClr val="dk1"/>
+                          </a:solidFill>
+                          <a:effectLst/>
+                          <a:latin typeface="Arial" panose="020B0604020202020204" pitchFamily="34" charset="0"/>
+                          <a:ea typeface="+mn-ea"/>
+                          <a:cs typeface="Arial" panose="020B0604020202020204" pitchFamily="34" charset="0"/>
+                        </a:rPr>
+                        <a:t>4.1.2 Maak een schets van de behuizing</a:t>
+                      </a:r>
+                    </a:p>
+                    <a:p>
+                      <a:r>
+                        <a:rPr lang="nl-NL" sz="1400" b="0" kern="1200" dirty="0">
+                          <a:solidFill>
+                            <a:schemeClr val="dk1"/>
+                          </a:solidFill>
+                          <a:effectLst/>
+                          <a:latin typeface="Arial" panose="020B0604020202020204" pitchFamily="34" charset="0"/>
+                          <a:ea typeface="+mn-ea"/>
+                          <a:cs typeface="Arial" panose="020B0604020202020204" pitchFamily="34" charset="0"/>
+                        </a:rPr>
+                        <a:t>4.1.3 Ontwerp de behuizing.</a:t>
+                      </a:r>
+                    </a:p>
+                    <a:p>
+                      <a:endParaRPr lang="nl-NL" sz="1400" b="0" dirty="0">
+                        <a:latin typeface="Arial" panose="020B0604020202020204" pitchFamily="34" charset="0"/>
+                        <a:cs typeface="Arial" panose="020B0604020202020204" pitchFamily="34" charset="0"/>
+                      </a:endParaRPr>
+                    </a:p>
+                  </a:txBody>
+                  <a:tcPr/>
+                </a:tc>
+                <a:extLst>
+                  <a:ext uri="{0D108BD9-81ED-4DB2-BD59-A6C34878D82A}">
+                    <a16:rowId xmlns:a16="http://schemas.microsoft.com/office/drawing/2014/main" val="2096438652"/>
+                  </a:ext>
+                </a:extLst>
+              </a:tr>
+            </a:tbl>
+          </a:graphicData>
+        </a:graphic>
+      </p:graphicFrame>
+    </p:spTree>
+    <p:extLst>
+      <p:ext uri="{BB962C8B-B14F-4D97-AF65-F5344CB8AC3E}">
+        <p14:creationId xmlns:p14="http://schemas.microsoft.com/office/powerpoint/2010/main" val="131217816"/>
+      </p:ext>
+    </p:extLst>
+  </p:cSld>
+  <p:clrMapOvr>
+    <a:masterClrMapping/>
+  </p:clrMapOvr>
+</p:sld>
+</file>
+
+<file path=ppt/slides/slide4.xml><?xml version="1.0" encoding="utf-8"?>
+<p:sld xmlns:a="http://schemas.openxmlformats.org/drawingml/2006/main" xmlns:r="http://schemas.openxmlformats.org/officeDocument/2006/relationships" xmlns:p="http://schemas.openxmlformats.org/presentationml/2006/main">
+  <p:cSld>
+    <p:spTree>
+      <p:nvGrpSpPr>
+        <p:cNvPr id="1" name=""/>
+        <p:cNvGrpSpPr/>
+        <p:nvPr/>
+      </p:nvGrpSpPr>
+      <p:grpSpPr>
+        <a:xfrm>
+          <a:off x="0" y="0"/>
+          <a:ext cx="0" cy="0"/>
+          <a:chOff x="0" y="0"/>
+          <a:chExt cx="0" cy="0"/>
+        </a:xfrm>
+      </p:grpSpPr>
+      <p:sp>
+        <p:nvSpPr>
+          <p:cNvPr id="2" name="Titel 1">
+            <a:extLst>
+              <a:ext uri="{FF2B5EF4-FFF2-40B4-BE49-F238E27FC236}">
                 <a16:creationId xmlns:a16="http://schemas.microsoft.com/office/drawing/2014/main" id="{EB231C79-E1E7-1584-AA10-92CAA3130315}"/>
               </a:ext>
             </a:extLst>
@@ -6159,7 +6913,7 @@
 </p:sld>
 </file>
 
-<file path=ppt/slides/slide4.xml><?xml version="1.0" encoding="utf-8"?>
+<file path=ppt/slides/slide5.xml><?xml version="1.0" encoding="utf-8"?>
 <p:sld xmlns:a="http://schemas.openxmlformats.org/drawingml/2006/main" xmlns:r="http://schemas.openxmlformats.org/officeDocument/2006/relationships" xmlns:p="http://schemas.openxmlformats.org/presentationml/2006/main">
   <p:cSld>
     <p:spTree>
@@ -6245,7 +6999,7 @@
 </p:sld>
 </file>
 
-<file path=ppt/slides/slide5.xml><?xml version="1.0" encoding="utf-8"?>
+<file path=ppt/slides/slide6.xml><?xml version="1.0" encoding="utf-8"?>
 <p:sld xmlns:a="http://schemas.openxmlformats.org/drawingml/2006/main" xmlns:r="http://schemas.openxmlformats.org/officeDocument/2006/relationships" xmlns:p="http://schemas.openxmlformats.org/presentationml/2006/main">
   <p:cSld>
     <p:spTree>
@@ -6337,7 +7091,7 @@
 </p:sld>
 </file>
 
-<file path=ppt/slides/slide6.xml><?xml version="1.0" encoding="utf-8"?>
+<file path=ppt/slides/slide7.xml><?xml version="1.0" encoding="utf-8"?>
 <p:sld xmlns:a="http://schemas.openxmlformats.org/drawingml/2006/main" xmlns:r="http://schemas.openxmlformats.org/officeDocument/2006/relationships" xmlns:p="http://schemas.openxmlformats.org/presentationml/2006/main">
   <p:cSld>
     <p:bg>
@@ -7240,7 +7994,3257 @@
 </p:sld>
 </file>
 
-<file path=ppt/slides/slide7.xml><?xml version="1.0" encoding="utf-8"?>
+<file path=ppt/slides/slide8.xml><?xml version="1.0" encoding="utf-8"?>
+<p:sld xmlns:a="http://schemas.openxmlformats.org/drawingml/2006/main" xmlns:r="http://schemas.openxmlformats.org/officeDocument/2006/relationships" xmlns:p="http://schemas.openxmlformats.org/presentationml/2006/main">
+  <p:cSld>
+    <p:spTree>
+      <p:nvGrpSpPr>
+        <p:cNvPr id="1" name=""/>
+        <p:cNvGrpSpPr/>
+        <p:nvPr/>
+      </p:nvGrpSpPr>
+      <p:grpSpPr>
+        <a:xfrm>
+          <a:off x="0" y="0"/>
+          <a:ext cx="0" cy="0"/>
+          <a:chOff x="0" y="0"/>
+          <a:chExt cx="0" cy="0"/>
+        </a:xfrm>
+      </p:grpSpPr>
+      <p:sp>
+        <p:nvSpPr>
+          <p:cNvPr id="2" name="Titel 1">
+            <a:extLst>
+              <a:ext uri="{FF2B5EF4-FFF2-40B4-BE49-F238E27FC236}">
+                <a16:creationId xmlns:a16="http://schemas.microsoft.com/office/drawing/2014/main" id="{4CCFA11A-B252-5C99-1AEE-D29A8E714F52}"/>
+              </a:ext>
+            </a:extLst>
+          </p:cNvPr>
+          <p:cNvSpPr>
+            <a:spLocks noGrp="1"/>
+          </p:cNvSpPr>
+          <p:nvPr>
+            <p:ph type="title"/>
+          </p:nvPr>
+        </p:nvSpPr>
+        <p:spPr>
+          <a:xfrm>
+            <a:off x="677334" y="609600"/>
+            <a:ext cx="8596668" cy="1111043"/>
+          </a:xfrm>
+        </p:spPr>
+        <p:txBody>
+          <a:bodyPr>
+            <a:normAutofit fontScale="90000"/>
+          </a:bodyPr>
+          <a:lstStyle/>
+          <a:p>
+            <a:r>
+              <a:rPr lang="nl-NL" sz="4000" dirty="0"/>
+              <a:t>Risico analyse  </a:t>
+            </a:r>
+            <a:br>
+              <a:rPr lang="nl-NL" dirty="0"/>
+            </a:br>
+            <a:r>
+              <a:rPr lang="nl-NL" sz="1600" dirty="0">
+                <a:solidFill>
+                  <a:schemeClr val="tx1">
+                    <a:lumMod val="95000"/>
+                    <a:lumOff val="5000"/>
+                  </a:schemeClr>
+                </a:solidFill>
+              </a:rPr>
+              <a:t>1 = kleine kans/laag risico</a:t>
+            </a:r>
+            <a:br>
+              <a:rPr lang="nl-NL" dirty="0">
+                <a:solidFill>
+                  <a:schemeClr val="tx1">
+                    <a:lumMod val="95000"/>
+                    <a:lumOff val="5000"/>
+                  </a:schemeClr>
+                </a:solidFill>
+              </a:rPr>
+            </a:br>
+            <a:r>
+              <a:rPr lang="nl-NL" sz="1600" dirty="0">
+                <a:solidFill>
+                  <a:schemeClr val="tx1">
+                    <a:lumMod val="95000"/>
+                    <a:lumOff val="5000"/>
+                  </a:schemeClr>
+                </a:solidFill>
+              </a:rPr>
+              <a:t>5 = grote kans/groot risico</a:t>
+            </a:r>
+            <a:br>
+              <a:rPr lang="nl-NL" dirty="0"/>
+            </a:br>
+            <a:endParaRPr lang="nl-NL" sz="1400" dirty="0"/>
+          </a:p>
+        </p:txBody>
+      </p:sp>
+      <p:graphicFrame>
+        <p:nvGraphicFramePr>
+          <p:cNvPr id="14" name="Tijdelijke aanduiding voor inhoud 13">
+            <a:extLst>
+              <a:ext uri="{FF2B5EF4-FFF2-40B4-BE49-F238E27FC236}">
+                <a16:creationId xmlns:a16="http://schemas.microsoft.com/office/drawing/2014/main" id="{600011E8-FAF6-D42F-8ED7-46D1BDCFB5ED}"/>
+              </a:ext>
+            </a:extLst>
+          </p:cNvPr>
+          <p:cNvGraphicFramePr>
+            <a:graphicFrameLocks noGrp="1"/>
+          </p:cNvGraphicFramePr>
+          <p:nvPr>
+            <p:ph idx="1"/>
+            <p:extLst>
+              <p:ext uri="{D42A27DB-BD31-4B8C-83A1-F6EECF244321}">
+                <p14:modId xmlns:p14="http://schemas.microsoft.com/office/powerpoint/2010/main" val="430718380"/>
+              </p:ext>
+            </p:extLst>
+          </p:nvPr>
+        </p:nvGraphicFramePr>
+        <p:xfrm>
+          <a:off x="500990" y="1720643"/>
+          <a:ext cx="10855267" cy="4949682"/>
+        </p:xfrm>
+        <a:graphic>
+          <a:graphicData uri="http://schemas.openxmlformats.org/drawingml/2006/table">
+            <a:tbl>
+              <a:tblPr firstRow="1" firstCol="1" bandRow="1"/>
+              <a:tblGrid>
+                <a:gridCol w="1583707">
+                  <a:extLst>
+                    <a:ext uri="{9D8B030D-6E8A-4147-A177-3AD203B41FA5}">
+                      <a16:colId xmlns:a16="http://schemas.microsoft.com/office/drawing/2014/main" val="3251456544"/>
+                    </a:ext>
+                  </a:extLst>
+                </a:gridCol>
+                <a:gridCol w="761873">
+                  <a:extLst>
+                    <a:ext uri="{9D8B030D-6E8A-4147-A177-3AD203B41FA5}">
+                      <a16:colId xmlns:a16="http://schemas.microsoft.com/office/drawing/2014/main" val="1790380332"/>
+                    </a:ext>
+                  </a:extLst>
+                </a:gridCol>
+                <a:gridCol w="825360">
+                  <a:extLst>
+                    <a:ext uri="{9D8B030D-6E8A-4147-A177-3AD203B41FA5}">
+                      <a16:colId xmlns:a16="http://schemas.microsoft.com/office/drawing/2014/main" val="2237206817"/>
+                    </a:ext>
+                  </a:extLst>
+                </a:gridCol>
+                <a:gridCol w="1731144">
+                  <a:extLst>
+                    <a:ext uri="{9D8B030D-6E8A-4147-A177-3AD203B41FA5}">
+                      <a16:colId xmlns:a16="http://schemas.microsoft.com/office/drawing/2014/main" val="841126621"/>
+                    </a:ext>
+                  </a:extLst>
+                </a:gridCol>
+                <a:gridCol w="1633793">
+                  <a:extLst>
+                    <a:ext uri="{9D8B030D-6E8A-4147-A177-3AD203B41FA5}">
+                      <a16:colId xmlns:a16="http://schemas.microsoft.com/office/drawing/2014/main" val="3581734858"/>
+                    </a:ext>
+                  </a:extLst>
+                </a:gridCol>
+                <a:gridCol w="1523744">
+                  <a:extLst>
+                    <a:ext uri="{9D8B030D-6E8A-4147-A177-3AD203B41FA5}">
+                      <a16:colId xmlns:a16="http://schemas.microsoft.com/office/drawing/2014/main" val="217119461"/>
+                    </a:ext>
+                  </a:extLst>
+                </a:gridCol>
+                <a:gridCol w="761873">
+                  <a:extLst>
+                    <a:ext uri="{9D8B030D-6E8A-4147-A177-3AD203B41FA5}">
+                      <a16:colId xmlns:a16="http://schemas.microsoft.com/office/drawing/2014/main" val="1704957896"/>
+                    </a:ext>
+                  </a:extLst>
+                </a:gridCol>
+                <a:gridCol w="791500">
+                  <a:extLst>
+                    <a:ext uri="{9D8B030D-6E8A-4147-A177-3AD203B41FA5}">
+                      <a16:colId xmlns:a16="http://schemas.microsoft.com/office/drawing/2014/main" val="2637517760"/>
+                    </a:ext>
+                  </a:extLst>
+                </a:gridCol>
+                <a:gridCol w="1242273">
+                  <a:extLst>
+                    <a:ext uri="{9D8B030D-6E8A-4147-A177-3AD203B41FA5}">
+                      <a16:colId xmlns:a16="http://schemas.microsoft.com/office/drawing/2014/main" val="4008234438"/>
+                    </a:ext>
+                  </a:extLst>
+                </a:gridCol>
+              </a:tblGrid>
+              <a:tr h="424068">
+                <a:tc>
+                  <a:txBody>
+                    <a:bodyPr/>
+                    <a:lstStyle/>
+                    <a:p>
+                      <a:pPr marL="0" marR="0" algn="ctr">
+                        <a:lnSpc>
+                          <a:spcPct val="107000"/>
+                        </a:lnSpc>
+                        <a:spcAft>
+                          <a:spcPts val="800"/>
+                        </a:spcAft>
+                        <a:buNone/>
+                      </a:pPr>
+                      <a:r>
+                        <a:rPr lang="nl-NL" sz="1200" b="1" kern="100" dirty="0">
+                          <a:effectLst/>
+                          <a:latin typeface="Aptos" panose="020B0004020202020204" pitchFamily="34" charset="0"/>
+                          <a:ea typeface="Aptos" panose="020B0004020202020204" pitchFamily="34" charset="0"/>
+                          <a:cs typeface="Times New Roman" panose="02020603050405020304" pitchFamily="18" charset="0"/>
+                        </a:rPr>
+                        <a:t>Risico</a:t>
+                      </a:r>
+                    </a:p>
+                  </a:txBody>
+                  <a:tcPr marL="56191" marR="56191" marT="0" marB="0">
+                    <a:lnL w="12700" cap="flat" cmpd="sng" algn="ctr">
+                      <a:solidFill>
+                        <a:srgbClr val="000000"/>
+                      </a:solidFill>
+                      <a:prstDash val="solid"/>
+                      <a:round/>
+                      <a:headEnd type="none" w="med" len="med"/>
+                      <a:tailEnd type="none" w="med" len="med"/>
+                    </a:lnL>
+                    <a:lnR w="12700" cap="flat" cmpd="sng" algn="ctr">
+                      <a:solidFill>
+                        <a:srgbClr val="000000"/>
+                      </a:solidFill>
+                      <a:prstDash val="solid"/>
+                      <a:round/>
+                      <a:headEnd type="none" w="med" len="med"/>
+                      <a:tailEnd type="none" w="med" len="med"/>
+                    </a:lnR>
+                    <a:lnT w="12700" cap="flat" cmpd="sng" algn="ctr">
+                      <a:solidFill>
+                        <a:srgbClr val="000000"/>
+                      </a:solidFill>
+                      <a:prstDash val="solid"/>
+                      <a:round/>
+                      <a:headEnd type="none" w="med" len="med"/>
+                      <a:tailEnd type="none" w="med" len="med"/>
+                    </a:lnT>
+                    <a:lnB w="12700" cap="flat" cmpd="sng" algn="ctr">
+                      <a:solidFill>
+                        <a:srgbClr val="000000"/>
+                      </a:solidFill>
+                      <a:prstDash val="solid"/>
+                      <a:round/>
+                      <a:headEnd type="none" w="med" len="med"/>
+                      <a:tailEnd type="none" w="med" len="med"/>
+                    </a:lnB>
+                    <a:noFill/>
+                  </a:tcPr>
+                </a:tc>
+                <a:tc>
+                  <a:txBody>
+                    <a:bodyPr/>
+                    <a:lstStyle/>
+                    <a:p>
+                      <a:pPr marL="0" marR="0" algn="ctr">
+                        <a:lnSpc>
+                          <a:spcPct val="107000"/>
+                        </a:lnSpc>
+                        <a:spcAft>
+                          <a:spcPts val="800"/>
+                        </a:spcAft>
+                        <a:buNone/>
+                      </a:pPr>
+                      <a:r>
+                        <a:rPr lang="nl-NL" sz="1200" b="1" kern="100" dirty="0">
+                          <a:effectLst/>
+                          <a:latin typeface="Aptos" panose="020B0004020202020204" pitchFamily="34" charset="0"/>
+                          <a:ea typeface="Aptos" panose="020B0004020202020204" pitchFamily="34" charset="0"/>
+                          <a:cs typeface="Times New Roman" panose="02020603050405020304" pitchFamily="18" charset="0"/>
+                        </a:rPr>
+                        <a:t>Kans</a:t>
+                      </a:r>
+                    </a:p>
+                  </a:txBody>
+                  <a:tcPr marL="56191" marR="56191" marT="0" marB="0">
+                    <a:lnL w="12700" cap="flat" cmpd="sng" algn="ctr">
+                      <a:solidFill>
+                        <a:srgbClr val="000000"/>
+                      </a:solidFill>
+                      <a:prstDash val="solid"/>
+                      <a:round/>
+                      <a:headEnd type="none" w="med" len="med"/>
+                      <a:tailEnd type="none" w="med" len="med"/>
+                    </a:lnL>
+                    <a:lnR w="12700" cap="flat" cmpd="sng" algn="ctr">
+                      <a:solidFill>
+                        <a:srgbClr val="000000"/>
+                      </a:solidFill>
+                      <a:prstDash val="solid"/>
+                      <a:round/>
+                      <a:headEnd type="none" w="med" len="med"/>
+                      <a:tailEnd type="none" w="med" len="med"/>
+                    </a:lnR>
+                    <a:lnT w="12700" cap="flat" cmpd="sng" algn="ctr">
+                      <a:solidFill>
+                        <a:srgbClr val="000000"/>
+                      </a:solidFill>
+                      <a:prstDash val="solid"/>
+                      <a:round/>
+                      <a:headEnd type="none" w="med" len="med"/>
+                      <a:tailEnd type="none" w="med" len="med"/>
+                    </a:lnT>
+                    <a:lnB w="12700" cap="flat" cmpd="sng" algn="ctr">
+                      <a:solidFill>
+                        <a:srgbClr val="000000"/>
+                      </a:solidFill>
+                      <a:prstDash val="solid"/>
+                      <a:round/>
+                      <a:headEnd type="none" w="med" len="med"/>
+                      <a:tailEnd type="none" w="med" len="med"/>
+                    </a:lnB>
+                    <a:noFill/>
+                  </a:tcPr>
+                </a:tc>
+                <a:tc>
+                  <a:txBody>
+                    <a:bodyPr/>
+                    <a:lstStyle/>
+                    <a:p>
+                      <a:pPr marL="0" marR="0" algn="ctr">
+                        <a:lnSpc>
+                          <a:spcPct val="107000"/>
+                        </a:lnSpc>
+                        <a:spcAft>
+                          <a:spcPts val="800"/>
+                        </a:spcAft>
+                        <a:buNone/>
+                      </a:pPr>
+                      <a:r>
+                        <a:rPr lang="nl-NL" sz="1200" b="1" kern="100" dirty="0">
+                          <a:effectLst/>
+                          <a:latin typeface="Aptos" panose="020B0004020202020204" pitchFamily="34" charset="0"/>
+                          <a:ea typeface="Aptos" panose="020B0004020202020204" pitchFamily="34" charset="0"/>
+                          <a:cs typeface="Times New Roman" panose="02020603050405020304" pitchFamily="18" charset="0"/>
+                        </a:rPr>
+                        <a:t>Impact </a:t>
+                      </a:r>
+                    </a:p>
+                  </a:txBody>
+                  <a:tcPr marL="56191" marR="56191" marT="0" marB="0">
+                    <a:lnL w="12700" cap="flat" cmpd="sng" algn="ctr">
+                      <a:solidFill>
+                        <a:srgbClr val="000000"/>
+                      </a:solidFill>
+                      <a:prstDash val="solid"/>
+                      <a:round/>
+                      <a:headEnd type="none" w="med" len="med"/>
+                      <a:tailEnd type="none" w="med" len="med"/>
+                    </a:lnL>
+                    <a:lnR w="12700" cap="flat" cmpd="sng" algn="ctr">
+                      <a:solidFill>
+                        <a:srgbClr val="000000"/>
+                      </a:solidFill>
+                      <a:prstDash val="solid"/>
+                      <a:round/>
+                      <a:headEnd type="none" w="med" len="med"/>
+                      <a:tailEnd type="none" w="med" len="med"/>
+                    </a:lnR>
+                    <a:lnT w="12700" cap="flat" cmpd="sng" algn="ctr">
+                      <a:solidFill>
+                        <a:srgbClr val="000000"/>
+                      </a:solidFill>
+                      <a:prstDash val="solid"/>
+                      <a:round/>
+                      <a:headEnd type="none" w="med" len="med"/>
+                      <a:tailEnd type="none" w="med" len="med"/>
+                    </a:lnT>
+                    <a:lnB w="12700" cap="flat" cmpd="sng" algn="ctr">
+                      <a:solidFill>
+                        <a:srgbClr val="000000"/>
+                      </a:solidFill>
+                      <a:prstDash val="solid"/>
+                      <a:round/>
+                      <a:headEnd type="none" w="med" len="med"/>
+                      <a:tailEnd type="none" w="med" len="med"/>
+                    </a:lnB>
+                    <a:noFill/>
+                  </a:tcPr>
+                </a:tc>
+                <a:tc>
+                  <a:txBody>
+                    <a:bodyPr/>
+                    <a:lstStyle/>
+                    <a:p>
+                      <a:pPr marL="0" marR="0" algn="ctr">
+                        <a:lnSpc>
+                          <a:spcPct val="107000"/>
+                        </a:lnSpc>
+                        <a:spcAft>
+                          <a:spcPts val="800"/>
+                        </a:spcAft>
+                        <a:buNone/>
+                      </a:pPr>
+                      <a:r>
+                        <a:rPr lang="nl-NL" sz="1200" b="1" kern="100" dirty="0">
+                          <a:effectLst/>
+                          <a:latin typeface="Aptos" panose="020B0004020202020204" pitchFamily="34" charset="0"/>
+                          <a:ea typeface="Aptos" panose="020B0004020202020204" pitchFamily="34" charset="0"/>
+                          <a:cs typeface="Times New Roman" panose="02020603050405020304" pitchFamily="18" charset="0"/>
+                        </a:rPr>
+                        <a:t>Gevolg</a:t>
+                      </a:r>
+                    </a:p>
+                  </a:txBody>
+                  <a:tcPr marL="56191" marR="56191" marT="0" marB="0">
+                    <a:lnL w="12700" cap="flat" cmpd="sng" algn="ctr">
+                      <a:solidFill>
+                        <a:srgbClr val="000000"/>
+                      </a:solidFill>
+                      <a:prstDash val="solid"/>
+                      <a:round/>
+                      <a:headEnd type="none" w="med" len="med"/>
+                      <a:tailEnd type="none" w="med" len="med"/>
+                    </a:lnL>
+                    <a:lnR w="12700" cap="flat" cmpd="sng" algn="ctr">
+                      <a:solidFill>
+                        <a:srgbClr val="000000"/>
+                      </a:solidFill>
+                      <a:prstDash val="solid"/>
+                      <a:round/>
+                      <a:headEnd type="none" w="med" len="med"/>
+                      <a:tailEnd type="none" w="med" len="med"/>
+                    </a:lnR>
+                    <a:lnT w="12700" cap="flat" cmpd="sng" algn="ctr">
+                      <a:solidFill>
+                        <a:srgbClr val="000000"/>
+                      </a:solidFill>
+                      <a:prstDash val="solid"/>
+                      <a:round/>
+                      <a:headEnd type="none" w="med" len="med"/>
+                      <a:tailEnd type="none" w="med" len="med"/>
+                    </a:lnT>
+                    <a:lnB w="12700" cap="flat" cmpd="sng" algn="ctr">
+                      <a:solidFill>
+                        <a:srgbClr val="000000"/>
+                      </a:solidFill>
+                      <a:prstDash val="solid"/>
+                      <a:round/>
+                      <a:headEnd type="none" w="med" len="med"/>
+                      <a:tailEnd type="none" w="med" len="med"/>
+                    </a:lnB>
+                    <a:noFill/>
+                  </a:tcPr>
+                </a:tc>
+                <a:tc>
+                  <a:txBody>
+                    <a:bodyPr/>
+                    <a:lstStyle/>
+                    <a:p>
+                      <a:pPr marL="0" marR="0" algn="ctr">
+                        <a:lnSpc>
+                          <a:spcPct val="107000"/>
+                        </a:lnSpc>
+                        <a:spcAft>
+                          <a:spcPts val="800"/>
+                        </a:spcAft>
+                        <a:buNone/>
+                      </a:pPr>
+                      <a:r>
+                        <a:rPr lang="nl-NL" sz="1200" b="1" kern="100" dirty="0">
+                          <a:effectLst/>
+                          <a:latin typeface="Aptos" panose="020B0004020202020204" pitchFamily="34" charset="0"/>
+                          <a:ea typeface="Aptos" panose="020B0004020202020204" pitchFamily="34" charset="0"/>
+                          <a:cs typeface="Times New Roman" panose="02020603050405020304" pitchFamily="18" charset="0"/>
+                        </a:rPr>
+                        <a:t>Oplossing</a:t>
+                      </a:r>
+                    </a:p>
+                  </a:txBody>
+                  <a:tcPr marL="56191" marR="56191" marT="0" marB="0">
+                    <a:lnL w="12700" cap="flat" cmpd="sng" algn="ctr">
+                      <a:solidFill>
+                        <a:srgbClr val="000000"/>
+                      </a:solidFill>
+                      <a:prstDash val="solid"/>
+                      <a:round/>
+                      <a:headEnd type="none" w="med" len="med"/>
+                      <a:tailEnd type="none" w="med" len="med"/>
+                    </a:lnL>
+                    <a:lnR w="12700" cap="flat" cmpd="sng" algn="ctr">
+                      <a:solidFill>
+                        <a:srgbClr val="000000"/>
+                      </a:solidFill>
+                      <a:prstDash val="solid"/>
+                      <a:round/>
+                      <a:headEnd type="none" w="med" len="med"/>
+                      <a:tailEnd type="none" w="med" len="med"/>
+                    </a:lnR>
+                    <a:lnT w="12700" cap="flat" cmpd="sng" algn="ctr">
+                      <a:solidFill>
+                        <a:srgbClr val="000000"/>
+                      </a:solidFill>
+                      <a:prstDash val="solid"/>
+                      <a:round/>
+                      <a:headEnd type="none" w="med" len="med"/>
+                      <a:tailEnd type="none" w="med" len="med"/>
+                    </a:lnT>
+                    <a:lnB w="12700" cap="flat" cmpd="sng" algn="ctr">
+                      <a:solidFill>
+                        <a:srgbClr val="000000"/>
+                      </a:solidFill>
+                      <a:prstDash val="solid"/>
+                      <a:round/>
+                      <a:headEnd type="none" w="med" len="med"/>
+                      <a:tailEnd type="none" w="med" len="med"/>
+                    </a:lnB>
+                    <a:noFill/>
+                  </a:tcPr>
+                </a:tc>
+                <a:tc>
+                  <a:txBody>
+                    <a:bodyPr/>
+                    <a:lstStyle/>
+                    <a:p>
+                      <a:pPr marL="0" marR="0" algn="ctr">
+                        <a:lnSpc>
+                          <a:spcPct val="107000"/>
+                        </a:lnSpc>
+                        <a:spcAft>
+                          <a:spcPts val="800"/>
+                        </a:spcAft>
+                        <a:buNone/>
+                      </a:pPr>
+                      <a:r>
+                        <a:rPr lang="nl-NL" sz="1200" b="1" kern="100" dirty="0">
+                          <a:effectLst/>
+                          <a:latin typeface="Aptos" panose="020B0004020202020204" pitchFamily="34" charset="0"/>
+                          <a:ea typeface="Aptos" panose="020B0004020202020204" pitchFamily="34" charset="0"/>
+                          <a:cs typeface="Times New Roman" panose="02020603050405020304" pitchFamily="18" charset="0"/>
+                        </a:rPr>
+                        <a:t>Maatregel</a:t>
+                      </a:r>
+                    </a:p>
+                  </a:txBody>
+                  <a:tcPr marL="56191" marR="56191" marT="0" marB="0">
+                    <a:lnL w="12700" cap="flat" cmpd="sng" algn="ctr">
+                      <a:solidFill>
+                        <a:srgbClr val="000000"/>
+                      </a:solidFill>
+                      <a:prstDash val="solid"/>
+                      <a:round/>
+                      <a:headEnd type="none" w="med" len="med"/>
+                      <a:tailEnd type="none" w="med" len="med"/>
+                    </a:lnL>
+                    <a:lnR w="12700" cap="flat" cmpd="sng" algn="ctr">
+                      <a:solidFill>
+                        <a:srgbClr val="000000"/>
+                      </a:solidFill>
+                      <a:prstDash val="solid"/>
+                      <a:round/>
+                      <a:headEnd type="none" w="med" len="med"/>
+                      <a:tailEnd type="none" w="med" len="med"/>
+                    </a:lnR>
+                    <a:lnT w="12700" cap="flat" cmpd="sng" algn="ctr">
+                      <a:solidFill>
+                        <a:srgbClr val="000000"/>
+                      </a:solidFill>
+                      <a:prstDash val="solid"/>
+                      <a:round/>
+                      <a:headEnd type="none" w="med" len="med"/>
+                      <a:tailEnd type="none" w="med" len="med"/>
+                    </a:lnT>
+                    <a:lnB w="12700" cap="flat" cmpd="sng" algn="ctr">
+                      <a:solidFill>
+                        <a:srgbClr val="000000"/>
+                      </a:solidFill>
+                      <a:prstDash val="solid"/>
+                      <a:round/>
+                      <a:headEnd type="none" w="med" len="med"/>
+                      <a:tailEnd type="none" w="med" len="med"/>
+                    </a:lnB>
+                    <a:noFill/>
+                  </a:tcPr>
+                </a:tc>
+                <a:tc>
+                  <a:txBody>
+                    <a:bodyPr/>
+                    <a:lstStyle/>
+                    <a:p>
+                      <a:pPr marL="0" marR="0" algn="ctr">
+                        <a:lnSpc>
+                          <a:spcPct val="107000"/>
+                        </a:lnSpc>
+                        <a:spcAft>
+                          <a:spcPts val="800"/>
+                        </a:spcAft>
+                        <a:buNone/>
+                      </a:pPr>
+                      <a:r>
+                        <a:rPr lang="nl-NL" sz="1200" b="1" kern="100" dirty="0">
+                          <a:effectLst/>
+                          <a:latin typeface="Aptos" panose="020B0004020202020204" pitchFamily="34" charset="0"/>
+                          <a:ea typeface="Aptos" panose="020B0004020202020204" pitchFamily="34" charset="0"/>
+                          <a:cs typeface="Times New Roman" panose="02020603050405020304" pitchFamily="18" charset="0"/>
+                        </a:rPr>
+                        <a:t>Kans (na)</a:t>
+                      </a:r>
+                    </a:p>
+                  </a:txBody>
+                  <a:tcPr marL="56191" marR="56191" marT="0" marB="0">
+                    <a:lnL w="12700" cap="flat" cmpd="sng" algn="ctr">
+                      <a:solidFill>
+                        <a:srgbClr val="000000"/>
+                      </a:solidFill>
+                      <a:prstDash val="solid"/>
+                      <a:round/>
+                      <a:headEnd type="none" w="med" len="med"/>
+                      <a:tailEnd type="none" w="med" len="med"/>
+                    </a:lnL>
+                    <a:lnR w="12700" cap="flat" cmpd="sng" algn="ctr">
+                      <a:solidFill>
+                        <a:srgbClr val="000000"/>
+                      </a:solidFill>
+                      <a:prstDash val="solid"/>
+                      <a:round/>
+                      <a:headEnd type="none" w="med" len="med"/>
+                      <a:tailEnd type="none" w="med" len="med"/>
+                    </a:lnR>
+                    <a:lnT w="12700" cap="flat" cmpd="sng" algn="ctr">
+                      <a:solidFill>
+                        <a:srgbClr val="000000"/>
+                      </a:solidFill>
+                      <a:prstDash val="solid"/>
+                      <a:round/>
+                      <a:headEnd type="none" w="med" len="med"/>
+                      <a:tailEnd type="none" w="med" len="med"/>
+                    </a:lnT>
+                    <a:lnB w="12700" cap="flat" cmpd="sng" algn="ctr">
+                      <a:solidFill>
+                        <a:srgbClr val="000000"/>
+                      </a:solidFill>
+                      <a:prstDash val="solid"/>
+                      <a:round/>
+                      <a:headEnd type="none" w="med" len="med"/>
+                      <a:tailEnd type="none" w="med" len="med"/>
+                    </a:lnB>
+                    <a:noFill/>
+                  </a:tcPr>
+                </a:tc>
+                <a:tc>
+                  <a:txBody>
+                    <a:bodyPr/>
+                    <a:lstStyle/>
+                    <a:p>
+                      <a:pPr marL="0" marR="0" algn="ctr">
+                        <a:lnSpc>
+                          <a:spcPct val="107000"/>
+                        </a:lnSpc>
+                        <a:spcAft>
+                          <a:spcPts val="800"/>
+                        </a:spcAft>
+                        <a:buNone/>
+                      </a:pPr>
+                      <a:r>
+                        <a:rPr lang="nl-NL" sz="1200" b="1" kern="100" dirty="0">
+                          <a:effectLst/>
+                          <a:latin typeface="Aptos" panose="020B0004020202020204" pitchFamily="34" charset="0"/>
+                          <a:ea typeface="Aptos" panose="020B0004020202020204" pitchFamily="34" charset="0"/>
+                          <a:cs typeface="Times New Roman" panose="02020603050405020304" pitchFamily="18" charset="0"/>
+                        </a:rPr>
+                        <a:t>Impact (na)</a:t>
+                      </a:r>
+                    </a:p>
+                  </a:txBody>
+                  <a:tcPr marL="56191" marR="56191" marT="0" marB="0">
+                    <a:lnL w="12700" cap="flat" cmpd="sng" algn="ctr">
+                      <a:solidFill>
+                        <a:srgbClr val="000000"/>
+                      </a:solidFill>
+                      <a:prstDash val="solid"/>
+                      <a:round/>
+                      <a:headEnd type="none" w="med" len="med"/>
+                      <a:tailEnd type="none" w="med" len="med"/>
+                    </a:lnL>
+                    <a:lnR w="12700" cap="flat" cmpd="sng" algn="ctr">
+                      <a:solidFill>
+                        <a:srgbClr val="000000"/>
+                      </a:solidFill>
+                      <a:prstDash val="solid"/>
+                      <a:round/>
+                      <a:headEnd type="none" w="med" len="med"/>
+                      <a:tailEnd type="none" w="med" len="med"/>
+                    </a:lnR>
+                    <a:lnT w="12700" cap="flat" cmpd="sng" algn="ctr">
+                      <a:solidFill>
+                        <a:srgbClr val="000000"/>
+                      </a:solidFill>
+                      <a:prstDash val="solid"/>
+                      <a:round/>
+                      <a:headEnd type="none" w="med" len="med"/>
+                      <a:tailEnd type="none" w="med" len="med"/>
+                    </a:lnT>
+                    <a:lnB w="12700" cap="flat" cmpd="sng" algn="ctr">
+                      <a:solidFill>
+                        <a:srgbClr val="000000"/>
+                      </a:solidFill>
+                      <a:prstDash val="solid"/>
+                      <a:round/>
+                      <a:headEnd type="none" w="med" len="med"/>
+                      <a:tailEnd type="none" w="med" len="med"/>
+                    </a:lnB>
+                    <a:noFill/>
+                  </a:tcPr>
+                </a:tc>
+                <a:tc>
+                  <a:txBody>
+                    <a:bodyPr/>
+                    <a:lstStyle/>
+                    <a:p>
+                      <a:pPr marL="0" marR="0" algn="ctr">
+                        <a:lnSpc>
+                          <a:spcPct val="107000"/>
+                        </a:lnSpc>
+                        <a:spcAft>
+                          <a:spcPts val="800"/>
+                        </a:spcAft>
+                        <a:buNone/>
+                      </a:pPr>
+                      <a:r>
+                        <a:rPr lang="nl-NL" sz="1200" b="1" kern="100" dirty="0">
+                          <a:effectLst/>
+                          <a:latin typeface="Aptos" panose="020B0004020202020204" pitchFamily="34" charset="0"/>
+                          <a:ea typeface="Aptos" panose="020B0004020202020204" pitchFamily="34" charset="0"/>
+                          <a:cs typeface="Times New Roman" panose="02020603050405020304" pitchFamily="18" charset="0"/>
+                        </a:rPr>
+                        <a:t>Oplossing toegepast</a:t>
+                      </a:r>
+                    </a:p>
+                  </a:txBody>
+                  <a:tcPr marL="56191" marR="56191" marT="0" marB="0">
+                    <a:lnL w="12700" cap="flat" cmpd="sng" algn="ctr">
+                      <a:solidFill>
+                        <a:srgbClr val="000000"/>
+                      </a:solidFill>
+                      <a:prstDash val="solid"/>
+                      <a:round/>
+                      <a:headEnd type="none" w="med" len="med"/>
+                      <a:tailEnd type="none" w="med" len="med"/>
+                    </a:lnL>
+                    <a:lnR w="12700" cap="flat" cmpd="sng" algn="ctr">
+                      <a:solidFill>
+                        <a:srgbClr val="000000"/>
+                      </a:solidFill>
+                      <a:prstDash val="solid"/>
+                      <a:round/>
+                      <a:headEnd type="none" w="med" len="med"/>
+                      <a:tailEnd type="none" w="med" len="med"/>
+                    </a:lnR>
+                    <a:lnT w="12700" cap="flat" cmpd="sng" algn="ctr">
+                      <a:solidFill>
+                        <a:srgbClr val="000000"/>
+                      </a:solidFill>
+                      <a:prstDash val="solid"/>
+                      <a:round/>
+                      <a:headEnd type="none" w="med" len="med"/>
+                      <a:tailEnd type="none" w="med" len="med"/>
+                    </a:lnT>
+                    <a:lnB w="12700" cap="flat" cmpd="sng" algn="ctr">
+                      <a:solidFill>
+                        <a:srgbClr val="000000"/>
+                      </a:solidFill>
+                      <a:prstDash val="solid"/>
+                      <a:round/>
+                      <a:headEnd type="none" w="med" len="med"/>
+                      <a:tailEnd type="none" w="med" len="med"/>
+                    </a:lnB>
+                    <a:noFill/>
+                  </a:tcPr>
+                </a:tc>
+                <a:extLst>
+                  <a:ext uri="{0D108BD9-81ED-4DB2-BD59-A6C34878D82A}">
+                    <a16:rowId xmlns:a16="http://schemas.microsoft.com/office/drawing/2014/main" val="2538673721"/>
+                  </a:ext>
+                </a:extLst>
+              </a:tr>
+              <a:tr h="827374">
+                <a:tc>
+                  <a:txBody>
+                    <a:bodyPr/>
+                    <a:lstStyle/>
+                    <a:p>
+                      <a:pPr marL="0" marR="0" algn="ctr">
+                        <a:lnSpc>
+                          <a:spcPct val="107000"/>
+                        </a:lnSpc>
+                        <a:spcAft>
+                          <a:spcPts val="800"/>
+                        </a:spcAft>
+                        <a:buNone/>
+                      </a:pPr>
+                      <a:r>
+                        <a:rPr lang="nl-NL" sz="1200" kern="100" dirty="0">
+                          <a:effectLst/>
+                          <a:latin typeface="Aptos" panose="020B0004020202020204" pitchFamily="34" charset="0"/>
+                          <a:ea typeface="Aptos" panose="020B0004020202020204" pitchFamily="34" charset="0"/>
+                          <a:cs typeface="Times New Roman" panose="02020603050405020304" pitchFamily="18" charset="0"/>
+                        </a:rPr>
+                        <a:t>De windsnelheid sensor gaat kapot en stuurt daardoor geen waardes meer door.</a:t>
+                      </a:r>
+                    </a:p>
+                  </a:txBody>
+                  <a:tcPr marL="56191" marR="56191" marT="0" marB="0">
+                    <a:lnL w="12700" cap="flat" cmpd="sng" algn="ctr">
+                      <a:solidFill>
+                        <a:srgbClr val="000000"/>
+                      </a:solidFill>
+                      <a:prstDash val="solid"/>
+                      <a:round/>
+                      <a:headEnd type="none" w="med" len="med"/>
+                      <a:tailEnd type="none" w="med" len="med"/>
+                    </a:lnL>
+                    <a:lnR w="12700" cap="flat" cmpd="sng" algn="ctr">
+                      <a:solidFill>
+                        <a:srgbClr val="000000"/>
+                      </a:solidFill>
+                      <a:prstDash val="solid"/>
+                      <a:round/>
+                      <a:headEnd type="none" w="med" len="med"/>
+                      <a:tailEnd type="none" w="med" len="med"/>
+                    </a:lnR>
+                    <a:lnT w="12700" cap="flat" cmpd="sng" algn="ctr">
+                      <a:solidFill>
+                        <a:srgbClr val="000000"/>
+                      </a:solidFill>
+                      <a:prstDash val="solid"/>
+                      <a:round/>
+                      <a:headEnd type="none" w="med" len="med"/>
+                      <a:tailEnd type="none" w="med" len="med"/>
+                    </a:lnT>
+                    <a:lnB w="12700" cap="flat" cmpd="sng" algn="ctr">
+                      <a:solidFill>
+                        <a:srgbClr val="000000"/>
+                      </a:solidFill>
+                      <a:prstDash val="solid"/>
+                      <a:round/>
+                      <a:headEnd type="none" w="med" len="med"/>
+                      <a:tailEnd type="none" w="med" len="med"/>
+                    </a:lnB>
+                    <a:noFill/>
+                  </a:tcPr>
+                </a:tc>
+                <a:tc>
+                  <a:txBody>
+                    <a:bodyPr/>
+                    <a:lstStyle/>
+                    <a:p>
+                      <a:pPr marL="0" marR="0" algn="ctr">
+                        <a:lnSpc>
+                          <a:spcPct val="107000"/>
+                        </a:lnSpc>
+                        <a:spcAft>
+                          <a:spcPts val="800"/>
+                        </a:spcAft>
+                        <a:buNone/>
+                      </a:pPr>
+                      <a:r>
+                        <a:rPr lang="nl-NL" sz="1200" kern="100">
+                          <a:solidFill>
+                            <a:srgbClr val="000000"/>
+                          </a:solidFill>
+                          <a:effectLst/>
+                          <a:latin typeface="Aptos" panose="020B0004020202020204" pitchFamily="34" charset="0"/>
+                          <a:ea typeface="Aptos" panose="020B0004020202020204" pitchFamily="34" charset="0"/>
+                          <a:cs typeface="Times New Roman" panose="02020603050405020304" pitchFamily="18" charset="0"/>
+                        </a:rPr>
+                        <a:t>2</a:t>
+                      </a:r>
+                      <a:endParaRPr lang="nl-NL" sz="1200" kern="100">
+                        <a:effectLst/>
+                        <a:latin typeface="Aptos" panose="020B0004020202020204" pitchFamily="34" charset="0"/>
+                        <a:ea typeface="Aptos" panose="020B0004020202020204" pitchFamily="34" charset="0"/>
+                        <a:cs typeface="Times New Roman" panose="02020603050405020304" pitchFamily="18" charset="0"/>
+                      </a:endParaRPr>
+                    </a:p>
+                  </a:txBody>
+                  <a:tcPr marL="56191" marR="56191" marT="0" marB="0">
+                    <a:lnL w="12700" cap="flat" cmpd="sng" algn="ctr">
+                      <a:solidFill>
+                        <a:srgbClr val="000000"/>
+                      </a:solidFill>
+                      <a:prstDash val="solid"/>
+                      <a:round/>
+                      <a:headEnd type="none" w="med" len="med"/>
+                      <a:tailEnd type="none" w="med" len="med"/>
+                    </a:lnL>
+                    <a:lnR w="12700" cap="flat" cmpd="sng" algn="ctr">
+                      <a:solidFill>
+                        <a:srgbClr val="000000"/>
+                      </a:solidFill>
+                      <a:prstDash val="solid"/>
+                      <a:round/>
+                      <a:headEnd type="none" w="med" len="med"/>
+                      <a:tailEnd type="none" w="med" len="med"/>
+                    </a:lnR>
+                    <a:lnT w="12700" cap="flat" cmpd="sng" algn="ctr">
+                      <a:solidFill>
+                        <a:srgbClr val="000000"/>
+                      </a:solidFill>
+                      <a:prstDash val="solid"/>
+                      <a:round/>
+                      <a:headEnd type="none" w="med" len="med"/>
+                      <a:tailEnd type="none" w="med" len="med"/>
+                    </a:lnT>
+                    <a:lnB w="12700" cap="flat" cmpd="sng" algn="ctr">
+                      <a:solidFill>
+                        <a:srgbClr val="000000"/>
+                      </a:solidFill>
+                      <a:prstDash val="solid"/>
+                      <a:round/>
+                      <a:headEnd type="none" w="med" len="med"/>
+                      <a:tailEnd type="none" w="med" len="med"/>
+                    </a:lnB>
+                    <a:solidFill>
+                      <a:srgbClr val="00B050"/>
+                    </a:solidFill>
+                  </a:tcPr>
+                </a:tc>
+                <a:tc>
+                  <a:txBody>
+                    <a:bodyPr/>
+                    <a:lstStyle/>
+                    <a:p>
+                      <a:pPr marL="0" marR="0" algn="ctr">
+                        <a:lnSpc>
+                          <a:spcPct val="107000"/>
+                        </a:lnSpc>
+                        <a:spcAft>
+                          <a:spcPts val="800"/>
+                        </a:spcAft>
+                        <a:buNone/>
+                      </a:pPr>
+                      <a:r>
+                        <a:rPr lang="nl-NL" sz="1200" kern="100">
+                          <a:solidFill>
+                            <a:srgbClr val="000000"/>
+                          </a:solidFill>
+                          <a:effectLst/>
+                          <a:latin typeface="Aptos" panose="020B0004020202020204" pitchFamily="34" charset="0"/>
+                          <a:ea typeface="Aptos" panose="020B0004020202020204" pitchFamily="34" charset="0"/>
+                          <a:cs typeface="Times New Roman" panose="02020603050405020304" pitchFamily="18" charset="0"/>
+                        </a:rPr>
+                        <a:t>5</a:t>
+                      </a:r>
+                      <a:endParaRPr lang="nl-NL" sz="1200" kern="100">
+                        <a:effectLst/>
+                        <a:latin typeface="Aptos" panose="020B0004020202020204" pitchFamily="34" charset="0"/>
+                        <a:ea typeface="Aptos" panose="020B0004020202020204" pitchFamily="34" charset="0"/>
+                        <a:cs typeface="Times New Roman" panose="02020603050405020304" pitchFamily="18" charset="0"/>
+                      </a:endParaRPr>
+                    </a:p>
+                  </a:txBody>
+                  <a:tcPr marL="56191" marR="56191" marT="0" marB="0">
+                    <a:lnL w="12700" cap="flat" cmpd="sng" algn="ctr">
+                      <a:solidFill>
+                        <a:srgbClr val="000000"/>
+                      </a:solidFill>
+                      <a:prstDash val="solid"/>
+                      <a:round/>
+                      <a:headEnd type="none" w="med" len="med"/>
+                      <a:tailEnd type="none" w="med" len="med"/>
+                    </a:lnL>
+                    <a:lnR w="12700" cap="flat" cmpd="sng" algn="ctr">
+                      <a:solidFill>
+                        <a:srgbClr val="000000"/>
+                      </a:solidFill>
+                      <a:prstDash val="solid"/>
+                      <a:round/>
+                      <a:headEnd type="none" w="med" len="med"/>
+                      <a:tailEnd type="none" w="med" len="med"/>
+                    </a:lnR>
+                    <a:lnT w="12700" cap="flat" cmpd="sng" algn="ctr">
+                      <a:solidFill>
+                        <a:srgbClr val="000000"/>
+                      </a:solidFill>
+                      <a:prstDash val="solid"/>
+                      <a:round/>
+                      <a:headEnd type="none" w="med" len="med"/>
+                      <a:tailEnd type="none" w="med" len="med"/>
+                    </a:lnT>
+                    <a:lnB w="12700" cap="flat" cmpd="sng" algn="ctr">
+                      <a:solidFill>
+                        <a:srgbClr val="000000"/>
+                      </a:solidFill>
+                      <a:prstDash val="solid"/>
+                      <a:round/>
+                      <a:headEnd type="none" w="med" len="med"/>
+                      <a:tailEnd type="none" w="med" len="med"/>
+                    </a:lnB>
+                    <a:solidFill>
+                      <a:srgbClr val="FF0000"/>
+                    </a:solidFill>
+                  </a:tcPr>
+                </a:tc>
+                <a:tc>
+                  <a:txBody>
+                    <a:bodyPr/>
+                    <a:lstStyle/>
+                    <a:p>
+                      <a:pPr marL="0" marR="0" algn="ctr">
+                        <a:lnSpc>
+                          <a:spcPct val="107000"/>
+                        </a:lnSpc>
+                        <a:spcAft>
+                          <a:spcPts val="800"/>
+                        </a:spcAft>
+                        <a:buNone/>
+                      </a:pPr>
+                      <a:r>
+                        <a:rPr lang="nl-NL" sz="1200" kern="100" dirty="0">
+                          <a:effectLst/>
+                          <a:latin typeface="Aptos" panose="020B0004020202020204" pitchFamily="34" charset="0"/>
+                          <a:ea typeface="Aptos" panose="020B0004020202020204" pitchFamily="34" charset="0"/>
+                          <a:cs typeface="Times New Roman" panose="02020603050405020304" pitchFamily="18" charset="0"/>
+                        </a:rPr>
+                        <a:t>De motor gaat niet meer draaien aangezien de windsnelheid altijd op    0 m/s gaat staan.</a:t>
+                      </a:r>
+                    </a:p>
+                  </a:txBody>
+                  <a:tcPr marL="56191" marR="56191" marT="0" marB="0">
+                    <a:lnL w="12700" cap="flat" cmpd="sng" algn="ctr">
+                      <a:solidFill>
+                        <a:srgbClr val="000000"/>
+                      </a:solidFill>
+                      <a:prstDash val="solid"/>
+                      <a:round/>
+                      <a:headEnd type="none" w="med" len="med"/>
+                      <a:tailEnd type="none" w="med" len="med"/>
+                    </a:lnL>
+                    <a:lnR w="12700" cap="flat" cmpd="sng" algn="ctr">
+                      <a:solidFill>
+                        <a:srgbClr val="000000"/>
+                      </a:solidFill>
+                      <a:prstDash val="solid"/>
+                      <a:round/>
+                      <a:headEnd type="none" w="med" len="med"/>
+                      <a:tailEnd type="none" w="med" len="med"/>
+                    </a:lnR>
+                    <a:lnT w="12700" cap="flat" cmpd="sng" algn="ctr">
+                      <a:solidFill>
+                        <a:srgbClr val="000000"/>
+                      </a:solidFill>
+                      <a:prstDash val="solid"/>
+                      <a:round/>
+                      <a:headEnd type="none" w="med" len="med"/>
+                      <a:tailEnd type="none" w="med" len="med"/>
+                    </a:lnT>
+                    <a:lnB w="12700" cap="flat" cmpd="sng" algn="ctr">
+                      <a:solidFill>
+                        <a:srgbClr val="000000"/>
+                      </a:solidFill>
+                      <a:prstDash val="solid"/>
+                      <a:round/>
+                      <a:headEnd type="none" w="med" len="med"/>
+                      <a:tailEnd type="none" w="med" len="med"/>
+                    </a:lnB>
+                    <a:noFill/>
+                  </a:tcPr>
+                </a:tc>
+                <a:tc>
+                  <a:txBody>
+                    <a:bodyPr/>
+                    <a:lstStyle/>
+                    <a:p>
+                      <a:pPr marL="0" marR="0" algn="ctr">
+                        <a:lnSpc>
+                          <a:spcPct val="107000"/>
+                        </a:lnSpc>
+                        <a:spcAft>
+                          <a:spcPts val="800"/>
+                        </a:spcAft>
+                        <a:buNone/>
+                      </a:pPr>
+                      <a:r>
+                        <a:rPr lang="nl-NL" sz="1200" kern="100">
+                          <a:effectLst/>
+                          <a:latin typeface="Aptos" panose="020B0004020202020204" pitchFamily="34" charset="0"/>
+                          <a:ea typeface="Aptos" panose="020B0004020202020204" pitchFamily="34" charset="0"/>
+                          <a:cs typeface="Times New Roman" panose="02020603050405020304" pitchFamily="18" charset="0"/>
+                        </a:rPr>
+                        <a:t>Accepteren dat er voor een tijd geen motor draaien en de sensor vervangen.</a:t>
+                      </a:r>
+                    </a:p>
+                  </a:txBody>
+                  <a:tcPr marL="56191" marR="56191" marT="0" marB="0">
+                    <a:lnL w="12700" cap="flat" cmpd="sng" algn="ctr">
+                      <a:solidFill>
+                        <a:srgbClr val="000000"/>
+                      </a:solidFill>
+                      <a:prstDash val="solid"/>
+                      <a:round/>
+                      <a:headEnd type="none" w="med" len="med"/>
+                      <a:tailEnd type="none" w="med" len="med"/>
+                    </a:lnL>
+                    <a:lnR w="12700" cap="flat" cmpd="sng" algn="ctr">
+                      <a:solidFill>
+                        <a:srgbClr val="000000"/>
+                      </a:solidFill>
+                      <a:prstDash val="solid"/>
+                      <a:round/>
+                      <a:headEnd type="none" w="med" len="med"/>
+                      <a:tailEnd type="none" w="med" len="med"/>
+                    </a:lnR>
+                    <a:lnT w="12700" cap="flat" cmpd="sng" algn="ctr">
+                      <a:solidFill>
+                        <a:srgbClr val="000000"/>
+                      </a:solidFill>
+                      <a:prstDash val="solid"/>
+                      <a:round/>
+                      <a:headEnd type="none" w="med" len="med"/>
+                      <a:tailEnd type="none" w="med" len="med"/>
+                    </a:lnT>
+                    <a:lnB w="12700" cap="flat" cmpd="sng" algn="ctr">
+                      <a:solidFill>
+                        <a:srgbClr val="000000"/>
+                      </a:solidFill>
+                      <a:prstDash val="solid"/>
+                      <a:round/>
+                      <a:headEnd type="none" w="med" len="med"/>
+                      <a:tailEnd type="none" w="med" len="med"/>
+                    </a:lnB>
+                    <a:noFill/>
+                  </a:tcPr>
+                </a:tc>
+                <a:tc>
+                  <a:txBody>
+                    <a:bodyPr/>
+                    <a:lstStyle/>
+                    <a:p>
+                      <a:pPr marL="0" marR="0" algn="ctr">
+                        <a:lnSpc>
+                          <a:spcPct val="107000"/>
+                        </a:lnSpc>
+                        <a:spcAft>
+                          <a:spcPts val="800"/>
+                        </a:spcAft>
+                        <a:buNone/>
+                      </a:pPr>
+                      <a:r>
+                        <a:rPr lang="nl-NL" sz="1200" kern="100">
+                          <a:effectLst/>
+                          <a:latin typeface="Aptos" panose="020B0004020202020204" pitchFamily="34" charset="0"/>
+                          <a:ea typeface="Aptos" panose="020B0004020202020204" pitchFamily="34" charset="0"/>
+                          <a:cs typeface="Times New Roman" panose="02020603050405020304" pitchFamily="18" charset="0"/>
+                        </a:rPr>
+                        <a:t> </a:t>
+                      </a:r>
+                    </a:p>
+                  </a:txBody>
+                  <a:tcPr marL="56191" marR="56191" marT="0" marB="0">
+                    <a:lnL w="12700" cap="flat" cmpd="sng" algn="ctr">
+                      <a:solidFill>
+                        <a:srgbClr val="000000"/>
+                      </a:solidFill>
+                      <a:prstDash val="solid"/>
+                      <a:round/>
+                      <a:headEnd type="none" w="med" len="med"/>
+                      <a:tailEnd type="none" w="med" len="med"/>
+                    </a:lnL>
+                    <a:lnR w="12700" cap="flat" cmpd="sng" algn="ctr">
+                      <a:solidFill>
+                        <a:srgbClr val="000000"/>
+                      </a:solidFill>
+                      <a:prstDash val="solid"/>
+                      <a:round/>
+                      <a:headEnd type="none" w="med" len="med"/>
+                      <a:tailEnd type="none" w="med" len="med"/>
+                    </a:lnR>
+                    <a:lnT w="12700" cap="flat" cmpd="sng" algn="ctr">
+                      <a:solidFill>
+                        <a:srgbClr val="000000"/>
+                      </a:solidFill>
+                      <a:prstDash val="solid"/>
+                      <a:round/>
+                      <a:headEnd type="none" w="med" len="med"/>
+                      <a:tailEnd type="none" w="med" len="med"/>
+                    </a:lnT>
+                    <a:lnB w="12700" cap="flat" cmpd="sng" algn="ctr">
+                      <a:solidFill>
+                        <a:srgbClr val="000000"/>
+                      </a:solidFill>
+                      <a:prstDash val="solid"/>
+                      <a:round/>
+                      <a:headEnd type="none" w="med" len="med"/>
+                      <a:tailEnd type="none" w="med" len="med"/>
+                    </a:lnB>
+                    <a:noFill/>
+                  </a:tcPr>
+                </a:tc>
+                <a:tc>
+                  <a:txBody>
+                    <a:bodyPr/>
+                    <a:lstStyle/>
+                    <a:p>
+                      <a:pPr marL="0" marR="0" algn="ctr">
+                        <a:lnSpc>
+                          <a:spcPct val="107000"/>
+                        </a:lnSpc>
+                        <a:spcAft>
+                          <a:spcPts val="800"/>
+                        </a:spcAft>
+                        <a:buNone/>
+                      </a:pPr>
+                      <a:r>
+                        <a:rPr lang="nl-NL" sz="1200" kern="100">
+                          <a:effectLst/>
+                          <a:latin typeface="Aptos" panose="020B0004020202020204" pitchFamily="34" charset="0"/>
+                          <a:ea typeface="Aptos" panose="020B0004020202020204" pitchFamily="34" charset="0"/>
+                          <a:cs typeface="Times New Roman" panose="02020603050405020304" pitchFamily="18" charset="0"/>
+                        </a:rPr>
+                        <a:t> </a:t>
+                      </a:r>
+                    </a:p>
+                  </a:txBody>
+                  <a:tcPr marL="56191" marR="56191" marT="0" marB="0">
+                    <a:lnL w="12700" cap="flat" cmpd="sng" algn="ctr">
+                      <a:solidFill>
+                        <a:srgbClr val="000000"/>
+                      </a:solidFill>
+                      <a:prstDash val="solid"/>
+                      <a:round/>
+                      <a:headEnd type="none" w="med" len="med"/>
+                      <a:tailEnd type="none" w="med" len="med"/>
+                    </a:lnL>
+                    <a:lnR w="12700" cap="flat" cmpd="sng" algn="ctr">
+                      <a:solidFill>
+                        <a:srgbClr val="000000"/>
+                      </a:solidFill>
+                      <a:prstDash val="solid"/>
+                      <a:round/>
+                      <a:headEnd type="none" w="med" len="med"/>
+                      <a:tailEnd type="none" w="med" len="med"/>
+                    </a:lnR>
+                    <a:lnT w="12700" cap="flat" cmpd="sng" algn="ctr">
+                      <a:solidFill>
+                        <a:srgbClr val="000000"/>
+                      </a:solidFill>
+                      <a:prstDash val="solid"/>
+                      <a:round/>
+                      <a:headEnd type="none" w="med" len="med"/>
+                      <a:tailEnd type="none" w="med" len="med"/>
+                    </a:lnT>
+                    <a:lnB w="12700" cap="flat" cmpd="sng" algn="ctr">
+                      <a:solidFill>
+                        <a:srgbClr val="000000"/>
+                      </a:solidFill>
+                      <a:prstDash val="solid"/>
+                      <a:round/>
+                      <a:headEnd type="none" w="med" len="med"/>
+                      <a:tailEnd type="none" w="med" len="med"/>
+                    </a:lnB>
+                    <a:noFill/>
+                  </a:tcPr>
+                </a:tc>
+                <a:tc>
+                  <a:txBody>
+                    <a:bodyPr/>
+                    <a:lstStyle/>
+                    <a:p>
+                      <a:pPr marL="0" marR="0" algn="ctr">
+                        <a:lnSpc>
+                          <a:spcPct val="107000"/>
+                        </a:lnSpc>
+                        <a:spcAft>
+                          <a:spcPts val="800"/>
+                        </a:spcAft>
+                        <a:buNone/>
+                      </a:pPr>
+                      <a:r>
+                        <a:rPr lang="nl-NL" sz="1200" kern="100">
+                          <a:effectLst/>
+                          <a:latin typeface="Aptos" panose="020B0004020202020204" pitchFamily="34" charset="0"/>
+                          <a:ea typeface="Aptos" panose="020B0004020202020204" pitchFamily="34" charset="0"/>
+                          <a:cs typeface="Times New Roman" panose="02020603050405020304" pitchFamily="18" charset="0"/>
+                        </a:rPr>
+                        <a:t> </a:t>
+                      </a:r>
+                    </a:p>
+                  </a:txBody>
+                  <a:tcPr marL="56191" marR="56191" marT="0" marB="0">
+                    <a:lnL w="12700" cap="flat" cmpd="sng" algn="ctr">
+                      <a:solidFill>
+                        <a:srgbClr val="000000"/>
+                      </a:solidFill>
+                      <a:prstDash val="solid"/>
+                      <a:round/>
+                      <a:headEnd type="none" w="med" len="med"/>
+                      <a:tailEnd type="none" w="med" len="med"/>
+                    </a:lnL>
+                    <a:lnR w="12700" cap="flat" cmpd="sng" algn="ctr">
+                      <a:solidFill>
+                        <a:srgbClr val="000000"/>
+                      </a:solidFill>
+                      <a:prstDash val="solid"/>
+                      <a:round/>
+                      <a:headEnd type="none" w="med" len="med"/>
+                      <a:tailEnd type="none" w="med" len="med"/>
+                    </a:lnR>
+                    <a:lnT w="12700" cap="flat" cmpd="sng" algn="ctr">
+                      <a:solidFill>
+                        <a:srgbClr val="000000"/>
+                      </a:solidFill>
+                      <a:prstDash val="solid"/>
+                      <a:round/>
+                      <a:headEnd type="none" w="med" len="med"/>
+                      <a:tailEnd type="none" w="med" len="med"/>
+                    </a:lnT>
+                    <a:lnB w="12700" cap="flat" cmpd="sng" algn="ctr">
+                      <a:solidFill>
+                        <a:srgbClr val="000000"/>
+                      </a:solidFill>
+                      <a:prstDash val="solid"/>
+                      <a:round/>
+                      <a:headEnd type="none" w="med" len="med"/>
+                      <a:tailEnd type="none" w="med" len="med"/>
+                    </a:lnB>
+                    <a:noFill/>
+                  </a:tcPr>
+                </a:tc>
+                <a:tc>
+                  <a:txBody>
+                    <a:bodyPr/>
+                    <a:lstStyle/>
+                    <a:p>
+                      <a:pPr marL="0" marR="0" algn="ctr">
+                        <a:lnSpc>
+                          <a:spcPct val="107000"/>
+                        </a:lnSpc>
+                        <a:spcAft>
+                          <a:spcPts val="800"/>
+                        </a:spcAft>
+                        <a:buNone/>
+                      </a:pPr>
+                      <a:r>
+                        <a:rPr lang="nl-NL" sz="1200" kern="100">
+                          <a:effectLst/>
+                          <a:latin typeface="Aptos" panose="020B0004020202020204" pitchFamily="34" charset="0"/>
+                          <a:ea typeface="Aptos" panose="020B0004020202020204" pitchFamily="34" charset="0"/>
+                          <a:cs typeface="Times New Roman" panose="02020603050405020304" pitchFamily="18" charset="0"/>
+                        </a:rPr>
+                        <a:t>Nvt.</a:t>
+                      </a:r>
+                    </a:p>
+                  </a:txBody>
+                  <a:tcPr marL="56191" marR="56191" marT="0" marB="0">
+                    <a:lnL w="12700" cap="flat" cmpd="sng" algn="ctr">
+                      <a:solidFill>
+                        <a:srgbClr val="000000"/>
+                      </a:solidFill>
+                      <a:prstDash val="solid"/>
+                      <a:round/>
+                      <a:headEnd type="none" w="med" len="med"/>
+                      <a:tailEnd type="none" w="med" len="med"/>
+                    </a:lnL>
+                    <a:lnR w="12700" cap="flat" cmpd="sng" algn="ctr">
+                      <a:solidFill>
+                        <a:srgbClr val="000000"/>
+                      </a:solidFill>
+                      <a:prstDash val="solid"/>
+                      <a:round/>
+                      <a:headEnd type="none" w="med" len="med"/>
+                      <a:tailEnd type="none" w="med" len="med"/>
+                    </a:lnR>
+                    <a:lnT w="12700" cap="flat" cmpd="sng" algn="ctr">
+                      <a:solidFill>
+                        <a:srgbClr val="000000"/>
+                      </a:solidFill>
+                      <a:prstDash val="solid"/>
+                      <a:round/>
+                      <a:headEnd type="none" w="med" len="med"/>
+                      <a:tailEnd type="none" w="med" len="med"/>
+                    </a:lnT>
+                    <a:lnB w="12700" cap="flat" cmpd="sng" algn="ctr">
+                      <a:solidFill>
+                        <a:srgbClr val="000000"/>
+                      </a:solidFill>
+                      <a:prstDash val="solid"/>
+                      <a:round/>
+                      <a:headEnd type="none" w="med" len="med"/>
+                      <a:tailEnd type="none" w="med" len="med"/>
+                    </a:lnB>
+                    <a:noFill/>
+                  </a:tcPr>
+                </a:tc>
+                <a:extLst>
+                  <a:ext uri="{0D108BD9-81ED-4DB2-BD59-A6C34878D82A}">
+                    <a16:rowId xmlns:a16="http://schemas.microsoft.com/office/drawing/2014/main" val="579768597"/>
+                  </a:ext>
+                </a:extLst>
+              </a:tr>
+              <a:tr h="1160612">
+                <a:tc>
+                  <a:txBody>
+                    <a:bodyPr/>
+                    <a:lstStyle/>
+                    <a:p>
+                      <a:pPr marL="0" marR="0" algn="ctr">
+                        <a:lnSpc>
+                          <a:spcPct val="107000"/>
+                        </a:lnSpc>
+                        <a:spcAft>
+                          <a:spcPts val="800"/>
+                        </a:spcAft>
+                        <a:buNone/>
+                      </a:pPr>
+                      <a:r>
+                        <a:rPr lang="nl-NL" sz="1200" kern="100" dirty="0">
+                          <a:effectLst/>
+                          <a:latin typeface="Aptos" panose="020B0004020202020204" pitchFamily="34" charset="0"/>
+                          <a:ea typeface="Aptos" panose="020B0004020202020204" pitchFamily="34" charset="0"/>
+                          <a:cs typeface="Times New Roman" panose="02020603050405020304" pitchFamily="18" charset="0"/>
+                        </a:rPr>
+                        <a:t>De windrichting sensor gaat kapot en stuurt daardoor geen waardes meer door.</a:t>
+                      </a:r>
+                    </a:p>
+                  </a:txBody>
+                  <a:tcPr marL="56191" marR="56191" marT="0" marB="0">
+                    <a:lnL w="12700" cap="flat" cmpd="sng" algn="ctr">
+                      <a:solidFill>
+                        <a:srgbClr val="000000"/>
+                      </a:solidFill>
+                      <a:prstDash val="solid"/>
+                      <a:round/>
+                      <a:headEnd type="none" w="med" len="med"/>
+                      <a:tailEnd type="none" w="med" len="med"/>
+                    </a:lnL>
+                    <a:lnR w="12700" cap="flat" cmpd="sng" algn="ctr">
+                      <a:solidFill>
+                        <a:srgbClr val="000000"/>
+                      </a:solidFill>
+                      <a:prstDash val="solid"/>
+                      <a:round/>
+                      <a:headEnd type="none" w="med" len="med"/>
+                      <a:tailEnd type="none" w="med" len="med"/>
+                    </a:lnR>
+                    <a:lnT w="12700" cap="flat" cmpd="sng" algn="ctr">
+                      <a:solidFill>
+                        <a:srgbClr val="000000"/>
+                      </a:solidFill>
+                      <a:prstDash val="solid"/>
+                      <a:round/>
+                      <a:headEnd type="none" w="med" len="med"/>
+                      <a:tailEnd type="none" w="med" len="med"/>
+                    </a:lnT>
+                    <a:lnB w="12700" cap="flat" cmpd="sng" algn="ctr">
+                      <a:solidFill>
+                        <a:srgbClr val="000000"/>
+                      </a:solidFill>
+                      <a:prstDash val="solid"/>
+                      <a:round/>
+                      <a:headEnd type="none" w="med" len="med"/>
+                      <a:tailEnd type="none" w="med" len="med"/>
+                    </a:lnB>
+                    <a:noFill/>
+                  </a:tcPr>
+                </a:tc>
+                <a:tc>
+                  <a:txBody>
+                    <a:bodyPr/>
+                    <a:lstStyle/>
+                    <a:p>
+                      <a:pPr marL="0" marR="0" algn="ctr">
+                        <a:lnSpc>
+                          <a:spcPct val="107000"/>
+                        </a:lnSpc>
+                        <a:spcAft>
+                          <a:spcPts val="800"/>
+                        </a:spcAft>
+                        <a:buNone/>
+                      </a:pPr>
+                      <a:r>
+                        <a:rPr lang="nl-NL" sz="1200" kern="100">
+                          <a:solidFill>
+                            <a:srgbClr val="000000"/>
+                          </a:solidFill>
+                          <a:effectLst/>
+                          <a:latin typeface="Aptos" panose="020B0004020202020204" pitchFamily="34" charset="0"/>
+                          <a:ea typeface="Aptos" panose="020B0004020202020204" pitchFamily="34" charset="0"/>
+                          <a:cs typeface="Times New Roman" panose="02020603050405020304" pitchFamily="18" charset="0"/>
+                        </a:rPr>
+                        <a:t>2</a:t>
+                      </a:r>
+                      <a:endParaRPr lang="nl-NL" sz="1200" kern="100">
+                        <a:effectLst/>
+                        <a:latin typeface="Aptos" panose="020B0004020202020204" pitchFamily="34" charset="0"/>
+                        <a:ea typeface="Aptos" panose="020B0004020202020204" pitchFamily="34" charset="0"/>
+                        <a:cs typeface="Times New Roman" panose="02020603050405020304" pitchFamily="18" charset="0"/>
+                      </a:endParaRPr>
+                    </a:p>
+                  </a:txBody>
+                  <a:tcPr marL="56191" marR="56191" marT="0" marB="0">
+                    <a:lnL w="12700" cap="flat" cmpd="sng" algn="ctr">
+                      <a:solidFill>
+                        <a:srgbClr val="000000"/>
+                      </a:solidFill>
+                      <a:prstDash val="solid"/>
+                      <a:round/>
+                      <a:headEnd type="none" w="med" len="med"/>
+                      <a:tailEnd type="none" w="med" len="med"/>
+                    </a:lnL>
+                    <a:lnR w="12700" cap="flat" cmpd="sng" algn="ctr">
+                      <a:solidFill>
+                        <a:srgbClr val="000000"/>
+                      </a:solidFill>
+                      <a:prstDash val="solid"/>
+                      <a:round/>
+                      <a:headEnd type="none" w="med" len="med"/>
+                      <a:tailEnd type="none" w="med" len="med"/>
+                    </a:lnR>
+                    <a:lnT w="12700" cap="flat" cmpd="sng" algn="ctr">
+                      <a:solidFill>
+                        <a:srgbClr val="000000"/>
+                      </a:solidFill>
+                      <a:prstDash val="solid"/>
+                      <a:round/>
+                      <a:headEnd type="none" w="med" len="med"/>
+                      <a:tailEnd type="none" w="med" len="med"/>
+                    </a:lnT>
+                    <a:lnB w="12700" cap="flat" cmpd="sng" algn="ctr">
+                      <a:solidFill>
+                        <a:srgbClr val="000000"/>
+                      </a:solidFill>
+                      <a:prstDash val="solid"/>
+                      <a:round/>
+                      <a:headEnd type="none" w="med" len="med"/>
+                      <a:tailEnd type="none" w="med" len="med"/>
+                    </a:lnB>
+                    <a:solidFill>
+                      <a:srgbClr val="00B050"/>
+                    </a:solidFill>
+                  </a:tcPr>
+                </a:tc>
+                <a:tc>
+                  <a:txBody>
+                    <a:bodyPr/>
+                    <a:lstStyle/>
+                    <a:p>
+                      <a:pPr marL="0" marR="0" algn="ctr">
+                        <a:lnSpc>
+                          <a:spcPct val="107000"/>
+                        </a:lnSpc>
+                        <a:spcAft>
+                          <a:spcPts val="800"/>
+                        </a:spcAft>
+                        <a:buNone/>
+                      </a:pPr>
+                      <a:r>
+                        <a:rPr lang="nl-NL" sz="1200" kern="100">
+                          <a:solidFill>
+                            <a:srgbClr val="000000"/>
+                          </a:solidFill>
+                          <a:effectLst/>
+                          <a:latin typeface="Aptos" panose="020B0004020202020204" pitchFamily="34" charset="0"/>
+                          <a:ea typeface="Aptos" panose="020B0004020202020204" pitchFamily="34" charset="0"/>
+                          <a:cs typeface="Times New Roman" panose="02020603050405020304" pitchFamily="18" charset="0"/>
+                        </a:rPr>
+                        <a:t>3</a:t>
+                      </a:r>
+                      <a:endParaRPr lang="nl-NL" sz="1200" kern="100">
+                        <a:effectLst/>
+                        <a:latin typeface="Aptos" panose="020B0004020202020204" pitchFamily="34" charset="0"/>
+                        <a:ea typeface="Aptos" panose="020B0004020202020204" pitchFamily="34" charset="0"/>
+                        <a:cs typeface="Times New Roman" panose="02020603050405020304" pitchFamily="18" charset="0"/>
+                      </a:endParaRPr>
+                    </a:p>
+                  </a:txBody>
+                  <a:tcPr marL="56191" marR="56191" marT="0" marB="0">
+                    <a:lnL w="12700" cap="flat" cmpd="sng" algn="ctr">
+                      <a:solidFill>
+                        <a:srgbClr val="000000"/>
+                      </a:solidFill>
+                      <a:prstDash val="solid"/>
+                      <a:round/>
+                      <a:headEnd type="none" w="med" len="med"/>
+                      <a:tailEnd type="none" w="med" len="med"/>
+                    </a:lnL>
+                    <a:lnR w="12700" cap="flat" cmpd="sng" algn="ctr">
+                      <a:solidFill>
+                        <a:srgbClr val="000000"/>
+                      </a:solidFill>
+                      <a:prstDash val="solid"/>
+                      <a:round/>
+                      <a:headEnd type="none" w="med" len="med"/>
+                      <a:tailEnd type="none" w="med" len="med"/>
+                    </a:lnR>
+                    <a:lnT w="12700" cap="flat" cmpd="sng" algn="ctr">
+                      <a:solidFill>
+                        <a:srgbClr val="000000"/>
+                      </a:solidFill>
+                      <a:prstDash val="solid"/>
+                      <a:round/>
+                      <a:headEnd type="none" w="med" len="med"/>
+                      <a:tailEnd type="none" w="med" len="med"/>
+                    </a:lnT>
+                    <a:lnB w="12700" cap="flat" cmpd="sng" algn="ctr">
+                      <a:solidFill>
+                        <a:srgbClr val="000000"/>
+                      </a:solidFill>
+                      <a:prstDash val="solid"/>
+                      <a:round/>
+                      <a:headEnd type="none" w="med" len="med"/>
+                      <a:tailEnd type="none" w="med" len="med"/>
+                    </a:lnB>
+                    <a:solidFill>
+                      <a:srgbClr val="F38915"/>
+                    </a:solidFill>
+                  </a:tcPr>
+                </a:tc>
+                <a:tc>
+                  <a:txBody>
+                    <a:bodyPr/>
+                    <a:lstStyle/>
+                    <a:p>
+                      <a:pPr marL="0" marR="0" algn="ctr">
+                        <a:lnSpc>
+                          <a:spcPct val="107000"/>
+                        </a:lnSpc>
+                        <a:spcAft>
+                          <a:spcPts val="800"/>
+                        </a:spcAft>
+                        <a:buNone/>
+                      </a:pPr>
+                      <a:r>
+                        <a:rPr lang="nl-NL" sz="1200" kern="100">
+                          <a:effectLst/>
+                          <a:latin typeface="Aptos" panose="020B0004020202020204" pitchFamily="34" charset="0"/>
+                          <a:ea typeface="Aptos" panose="020B0004020202020204" pitchFamily="34" charset="0"/>
+                          <a:cs typeface="Times New Roman" panose="02020603050405020304" pitchFamily="18" charset="0"/>
+                        </a:rPr>
+                        <a:t>De motor gaat altijd draaien op de gegevens van de windsnelheid, ook op momenten dat die niet zou moeten draaien, en daardoor energie verspillen.</a:t>
+                      </a:r>
+                    </a:p>
+                  </a:txBody>
+                  <a:tcPr marL="56191" marR="56191" marT="0" marB="0">
+                    <a:lnL w="12700" cap="flat" cmpd="sng" algn="ctr">
+                      <a:solidFill>
+                        <a:srgbClr val="000000"/>
+                      </a:solidFill>
+                      <a:prstDash val="solid"/>
+                      <a:round/>
+                      <a:headEnd type="none" w="med" len="med"/>
+                      <a:tailEnd type="none" w="med" len="med"/>
+                    </a:lnL>
+                    <a:lnR w="12700" cap="flat" cmpd="sng" algn="ctr">
+                      <a:solidFill>
+                        <a:srgbClr val="000000"/>
+                      </a:solidFill>
+                      <a:prstDash val="solid"/>
+                      <a:round/>
+                      <a:headEnd type="none" w="med" len="med"/>
+                      <a:tailEnd type="none" w="med" len="med"/>
+                    </a:lnR>
+                    <a:lnT w="12700" cap="flat" cmpd="sng" algn="ctr">
+                      <a:solidFill>
+                        <a:srgbClr val="000000"/>
+                      </a:solidFill>
+                      <a:prstDash val="solid"/>
+                      <a:round/>
+                      <a:headEnd type="none" w="med" len="med"/>
+                      <a:tailEnd type="none" w="med" len="med"/>
+                    </a:lnT>
+                    <a:lnB w="12700" cap="flat" cmpd="sng" algn="ctr">
+                      <a:solidFill>
+                        <a:srgbClr val="000000"/>
+                      </a:solidFill>
+                      <a:prstDash val="solid"/>
+                      <a:round/>
+                      <a:headEnd type="none" w="med" len="med"/>
+                      <a:tailEnd type="none" w="med" len="med"/>
+                    </a:lnB>
+                    <a:noFill/>
+                  </a:tcPr>
+                </a:tc>
+                <a:tc>
+                  <a:txBody>
+                    <a:bodyPr/>
+                    <a:lstStyle/>
+                    <a:p>
+                      <a:pPr marL="0" marR="0" algn="ctr">
+                        <a:lnSpc>
+                          <a:spcPct val="107000"/>
+                        </a:lnSpc>
+                        <a:spcAft>
+                          <a:spcPts val="800"/>
+                        </a:spcAft>
+                        <a:buNone/>
+                      </a:pPr>
+                      <a:r>
+                        <a:rPr lang="nl-NL" sz="1200" kern="100">
+                          <a:effectLst/>
+                          <a:latin typeface="Aptos" panose="020B0004020202020204" pitchFamily="34" charset="0"/>
+                          <a:ea typeface="Aptos" panose="020B0004020202020204" pitchFamily="34" charset="0"/>
+                          <a:cs typeface="Times New Roman" panose="02020603050405020304" pitchFamily="18" charset="0"/>
+                        </a:rPr>
+                        <a:t>Accepteren dat de motor voor een tijd niet optimaal draait en de sensor vervangen.</a:t>
+                      </a:r>
+                    </a:p>
+                  </a:txBody>
+                  <a:tcPr marL="56191" marR="56191" marT="0" marB="0">
+                    <a:lnL w="12700" cap="flat" cmpd="sng" algn="ctr">
+                      <a:solidFill>
+                        <a:srgbClr val="000000"/>
+                      </a:solidFill>
+                      <a:prstDash val="solid"/>
+                      <a:round/>
+                      <a:headEnd type="none" w="med" len="med"/>
+                      <a:tailEnd type="none" w="med" len="med"/>
+                    </a:lnL>
+                    <a:lnR w="12700" cap="flat" cmpd="sng" algn="ctr">
+                      <a:solidFill>
+                        <a:srgbClr val="000000"/>
+                      </a:solidFill>
+                      <a:prstDash val="solid"/>
+                      <a:round/>
+                      <a:headEnd type="none" w="med" len="med"/>
+                      <a:tailEnd type="none" w="med" len="med"/>
+                    </a:lnR>
+                    <a:lnT w="12700" cap="flat" cmpd="sng" algn="ctr">
+                      <a:solidFill>
+                        <a:srgbClr val="000000"/>
+                      </a:solidFill>
+                      <a:prstDash val="solid"/>
+                      <a:round/>
+                      <a:headEnd type="none" w="med" len="med"/>
+                      <a:tailEnd type="none" w="med" len="med"/>
+                    </a:lnT>
+                    <a:lnB w="12700" cap="flat" cmpd="sng" algn="ctr">
+                      <a:solidFill>
+                        <a:srgbClr val="000000"/>
+                      </a:solidFill>
+                      <a:prstDash val="solid"/>
+                      <a:round/>
+                      <a:headEnd type="none" w="med" len="med"/>
+                      <a:tailEnd type="none" w="med" len="med"/>
+                    </a:lnB>
+                    <a:noFill/>
+                  </a:tcPr>
+                </a:tc>
+                <a:tc>
+                  <a:txBody>
+                    <a:bodyPr/>
+                    <a:lstStyle/>
+                    <a:p>
+                      <a:pPr marL="0" marR="0" algn="ctr">
+                        <a:lnSpc>
+                          <a:spcPct val="107000"/>
+                        </a:lnSpc>
+                        <a:spcAft>
+                          <a:spcPts val="800"/>
+                        </a:spcAft>
+                        <a:buNone/>
+                      </a:pPr>
+                      <a:r>
+                        <a:rPr lang="nl-NL" sz="1200" kern="100">
+                          <a:effectLst/>
+                          <a:latin typeface="Aptos" panose="020B0004020202020204" pitchFamily="34" charset="0"/>
+                          <a:ea typeface="Aptos" panose="020B0004020202020204" pitchFamily="34" charset="0"/>
+                          <a:cs typeface="Times New Roman" panose="02020603050405020304" pitchFamily="18" charset="0"/>
+                        </a:rPr>
+                        <a:t> </a:t>
+                      </a:r>
+                    </a:p>
+                  </a:txBody>
+                  <a:tcPr marL="56191" marR="56191" marT="0" marB="0">
+                    <a:lnL w="12700" cap="flat" cmpd="sng" algn="ctr">
+                      <a:solidFill>
+                        <a:srgbClr val="000000"/>
+                      </a:solidFill>
+                      <a:prstDash val="solid"/>
+                      <a:round/>
+                      <a:headEnd type="none" w="med" len="med"/>
+                      <a:tailEnd type="none" w="med" len="med"/>
+                    </a:lnL>
+                    <a:lnR w="12700" cap="flat" cmpd="sng" algn="ctr">
+                      <a:solidFill>
+                        <a:srgbClr val="000000"/>
+                      </a:solidFill>
+                      <a:prstDash val="solid"/>
+                      <a:round/>
+                      <a:headEnd type="none" w="med" len="med"/>
+                      <a:tailEnd type="none" w="med" len="med"/>
+                    </a:lnR>
+                    <a:lnT w="12700" cap="flat" cmpd="sng" algn="ctr">
+                      <a:solidFill>
+                        <a:srgbClr val="000000"/>
+                      </a:solidFill>
+                      <a:prstDash val="solid"/>
+                      <a:round/>
+                      <a:headEnd type="none" w="med" len="med"/>
+                      <a:tailEnd type="none" w="med" len="med"/>
+                    </a:lnT>
+                    <a:lnB w="12700" cap="flat" cmpd="sng" algn="ctr">
+                      <a:solidFill>
+                        <a:srgbClr val="000000"/>
+                      </a:solidFill>
+                      <a:prstDash val="solid"/>
+                      <a:round/>
+                      <a:headEnd type="none" w="med" len="med"/>
+                      <a:tailEnd type="none" w="med" len="med"/>
+                    </a:lnB>
+                    <a:noFill/>
+                  </a:tcPr>
+                </a:tc>
+                <a:tc>
+                  <a:txBody>
+                    <a:bodyPr/>
+                    <a:lstStyle/>
+                    <a:p>
+                      <a:pPr marL="0" marR="0" algn="ctr">
+                        <a:lnSpc>
+                          <a:spcPct val="107000"/>
+                        </a:lnSpc>
+                        <a:spcAft>
+                          <a:spcPts val="800"/>
+                        </a:spcAft>
+                        <a:buNone/>
+                      </a:pPr>
+                      <a:r>
+                        <a:rPr lang="nl-NL" sz="1200" kern="100">
+                          <a:effectLst/>
+                          <a:latin typeface="Aptos" panose="020B0004020202020204" pitchFamily="34" charset="0"/>
+                          <a:ea typeface="Aptos" panose="020B0004020202020204" pitchFamily="34" charset="0"/>
+                          <a:cs typeface="Times New Roman" panose="02020603050405020304" pitchFamily="18" charset="0"/>
+                        </a:rPr>
+                        <a:t> </a:t>
+                      </a:r>
+                    </a:p>
+                  </a:txBody>
+                  <a:tcPr marL="56191" marR="56191" marT="0" marB="0">
+                    <a:lnL w="12700" cap="flat" cmpd="sng" algn="ctr">
+                      <a:solidFill>
+                        <a:srgbClr val="000000"/>
+                      </a:solidFill>
+                      <a:prstDash val="solid"/>
+                      <a:round/>
+                      <a:headEnd type="none" w="med" len="med"/>
+                      <a:tailEnd type="none" w="med" len="med"/>
+                    </a:lnL>
+                    <a:lnR w="12700" cap="flat" cmpd="sng" algn="ctr">
+                      <a:solidFill>
+                        <a:srgbClr val="000000"/>
+                      </a:solidFill>
+                      <a:prstDash val="solid"/>
+                      <a:round/>
+                      <a:headEnd type="none" w="med" len="med"/>
+                      <a:tailEnd type="none" w="med" len="med"/>
+                    </a:lnR>
+                    <a:lnT w="12700" cap="flat" cmpd="sng" algn="ctr">
+                      <a:solidFill>
+                        <a:srgbClr val="000000"/>
+                      </a:solidFill>
+                      <a:prstDash val="solid"/>
+                      <a:round/>
+                      <a:headEnd type="none" w="med" len="med"/>
+                      <a:tailEnd type="none" w="med" len="med"/>
+                    </a:lnT>
+                    <a:lnB w="12700" cap="flat" cmpd="sng" algn="ctr">
+                      <a:solidFill>
+                        <a:srgbClr val="000000"/>
+                      </a:solidFill>
+                      <a:prstDash val="solid"/>
+                      <a:round/>
+                      <a:headEnd type="none" w="med" len="med"/>
+                      <a:tailEnd type="none" w="med" len="med"/>
+                    </a:lnB>
+                    <a:noFill/>
+                  </a:tcPr>
+                </a:tc>
+                <a:tc>
+                  <a:txBody>
+                    <a:bodyPr/>
+                    <a:lstStyle/>
+                    <a:p>
+                      <a:pPr marL="0" marR="0" algn="ctr">
+                        <a:lnSpc>
+                          <a:spcPct val="107000"/>
+                        </a:lnSpc>
+                        <a:spcAft>
+                          <a:spcPts val="800"/>
+                        </a:spcAft>
+                        <a:buNone/>
+                      </a:pPr>
+                      <a:r>
+                        <a:rPr lang="nl-NL" sz="1200" kern="100">
+                          <a:effectLst/>
+                          <a:latin typeface="Aptos" panose="020B0004020202020204" pitchFamily="34" charset="0"/>
+                          <a:ea typeface="Aptos" panose="020B0004020202020204" pitchFamily="34" charset="0"/>
+                          <a:cs typeface="Times New Roman" panose="02020603050405020304" pitchFamily="18" charset="0"/>
+                        </a:rPr>
+                        <a:t> </a:t>
+                      </a:r>
+                    </a:p>
+                  </a:txBody>
+                  <a:tcPr marL="56191" marR="56191" marT="0" marB="0">
+                    <a:lnL w="12700" cap="flat" cmpd="sng" algn="ctr">
+                      <a:solidFill>
+                        <a:srgbClr val="000000"/>
+                      </a:solidFill>
+                      <a:prstDash val="solid"/>
+                      <a:round/>
+                      <a:headEnd type="none" w="med" len="med"/>
+                      <a:tailEnd type="none" w="med" len="med"/>
+                    </a:lnL>
+                    <a:lnR w="12700" cap="flat" cmpd="sng" algn="ctr">
+                      <a:solidFill>
+                        <a:srgbClr val="000000"/>
+                      </a:solidFill>
+                      <a:prstDash val="solid"/>
+                      <a:round/>
+                      <a:headEnd type="none" w="med" len="med"/>
+                      <a:tailEnd type="none" w="med" len="med"/>
+                    </a:lnR>
+                    <a:lnT w="12700" cap="flat" cmpd="sng" algn="ctr">
+                      <a:solidFill>
+                        <a:srgbClr val="000000"/>
+                      </a:solidFill>
+                      <a:prstDash val="solid"/>
+                      <a:round/>
+                      <a:headEnd type="none" w="med" len="med"/>
+                      <a:tailEnd type="none" w="med" len="med"/>
+                    </a:lnT>
+                    <a:lnB w="12700" cap="flat" cmpd="sng" algn="ctr">
+                      <a:solidFill>
+                        <a:srgbClr val="000000"/>
+                      </a:solidFill>
+                      <a:prstDash val="solid"/>
+                      <a:round/>
+                      <a:headEnd type="none" w="med" len="med"/>
+                      <a:tailEnd type="none" w="med" len="med"/>
+                    </a:lnB>
+                    <a:noFill/>
+                  </a:tcPr>
+                </a:tc>
+                <a:tc>
+                  <a:txBody>
+                    <a:bodyPr/>
+                    <a:lstStyle/>
+                    <a:p>
+                      <a:pPr marL="0" marR="0" algn="ctr">
+                        <a:lnSpc>
+                          <a:spcPct val="107000"/>
+                        </a:lnSpc>
+                        <a:spcAft>
+                          <a:spcPts val="800"/>
+                        </a:spcAft>
+                        <a:buNone/>
+                      </a:pPr>
+                      <a:r>
+                        <a:rPr lang="nl-NL" sz="1200" kern="100">
+                          <a:effectLst/>
+                          <a:latin typeface="Aptos" panose="020B0004020202020204" pitchFamily="34" charset="0"/>
+                          <a:ea typeface="Aptos" panose="020B0004020202020204" pitchFamily="34" charset="0"/>
+                          <a:cs typeface="Times New Roman" panose="02020603050405020304" pitchFamily="18" charset="0"/>
+                        </a:rPr>
+                        <a:t>Nvt.</a:t>
+                      </a:r>
+                    </a:p>
+                  </a:txBody>
+                  <a:tcPr marL="56191" marR="56191" marT="0" marB="0">
+                    <a:lnL w="12700" cap="flat" cmpd="sng" algn="ctr">
+                      <a:solidFill>
+                        <a:srgbClr val="000000"/>
+                      </a:solidFill>
+                      <a:prstDash val="solid"/>
+                      <a:round/>
+                      <a:headEnd type="none" w="med" len="med"/>
+                      <a:tailEnd type="none" w="med" len="med"/>
+                    </a:lnL>
+                    <a:lnR w="12700" cap="flat" cmpd="sng" algn="ctr">
+                      <a:solidFill>
+                        <a:srgbClr val="000000"/>
+                      </a:solidFill>
+                      <a:prstDash val="solid"/>
+                      <a:round/>
+                      <a:headEnd type="none" w="med" len="med"/>
+                      <a:tailEnd type="none" w="med" len="med"/>
+                    </a:lnR>
+                    <a:lnT w="12700" cap="flat" cmpd="sng" algn="ctr">
+                      <a:solidFill>
+                        <a:srgbClr val="000000"/>
+                      </a:solidFill>
+                      <a:prstDash val="solid"/>
+                      <a:round/>
+                      <a:headEnd type="none" w="med" len="med"/>
+                      <a:tailEnd type="none" w="med" len="med"/>
+                    </a:lnT>
+                    <a:lnB w="12700" cap="flat" cmpd="sng" algn="ctr">
+                      <a:solidFill>
+                        <a:srgbClr val="000000"/>
+                      </a:solidFill>
+                      <a:prstDash val="solid"/>
+                      <a:round/>
+                      <a:headEnd type="none" w="med" len="med"/>
+                      <a:tailEnd type="none" w="med" len="med"/>
+                    </a:lnB>
+                    <a:noFill/>
+                  </a:tcPr>
+                </a:tc>
+                <a:extLst>
+                  <a:ext uri="{0D108BD9-81ED-4DB2-BD59-A6C34878D82A}">
+                    <a16:rowId xmlns:a16="http://schemas.microsoft.com/office/drawing/2014/main" val="1507164314"/>
+                  </a:ext>
+                </a:extLst>
+              </a:tr>
+              <a:tr h="1160612">
+                <a:tc>
+                  <a:txBody>
+                    <a:bodyPr/>
+                    <a:lstStyle/>
+                    <a:p>
+                      <a:pPr marL="0" marR="0" algn="ctr">
+                        <a:lnSpc>
+                          <a:spcPct val="107000"/>
+                        </a:lnSpc>
+                        <a:spcAft>
+                          <a:spcPts val="800"/>
+                        </a:spcAft>
+                        <a:buNone/>
+                      </a:pPr>
+                      <a:r>
+                        <a:rPr lang="nl-NL" sz="1200" kern="100">
+                          <a:effectLst/>
+                          <a:latin typeface="Aptos" panose="020B0004020202020204" pitchFamily="34" charset="0"/>
+                          <a:ea typeface="Aptos" panose="020B0004020202020204" pitchFamily="34" charset="0"/>
+                          <a:cs typeface="Times New Roman" panose="02020603050405020304" pitchFamily="18" charset="0"/>
+                        </a:rPr>
+                        <a:t>De behuizing raakt beschadigt door wind of water/regen.</a:t>
+                      </a:r>
+                    </a:p>
+                  </a:txBody>
+                  <a:tcPr marL="56191" marR="56191" marT="0" marB="0">
+                    <a:lnL w="12700" cap="flat" cmpd="sng" algn="ctr">
+                      <a:solidFill>
+                        <a:srgbClr val="000000"/>
+                      </a:solidFill>
+                      <a:prstDash val="solid"/>
+                      <a:round/>
+                      <a:headEnd type="none" w="med" len="med"/>
+                      <a:tailEnd type="none" w="med" len="med"/>
+                    </a:lnL>
+                    <a:lnR w="12700" cap="flat" cmpd="sng" algn="ctr">
+                      <a:solidFill>
+                        <a:srgbClr val="000000"/>
+                      </a:solidFill>
+                      <a:prstDash val="solid"/>
+                      <a:round/>
+                      <a:headEnd type="none" w="med" len="med"/>
+                      <a:tailEnd type="none" w="med" len="med"/>
+                    </a:lnR>
+                    <a:lnT w="12700" cap="flat" cmpd="sng" algn="ctr">
+                      <a:solidFill>
+                        <a:srgbClr val="000000"/>
+                      </a:solidFill>
+                      <a:prstDash val="solid"/>
+                      <a:round/>
+                      <a:headEnd type="none" w="med" len="med"/>
+                      <a:tailEnd type="none" w="med" len="med"/>
+                    </a:lnT>
+                    <a:lnB w="12700" cap="flat" cmpd="sng" algn="ctr">
+                      <a:solidFill>
+                        <a:srgbClr val="000000"/>
+                      </a:solidFill>
+                      <a:prstDash val="solid"/>
+                      <a:round/>
+                      <a:headEnd type="none" w="med" len="med"/>
+                      <a:tailEnd type="none" w="med" len="med"/>
+                    </a:lnB>
+                    <a:noFill/>
+                  </a:tcPr>
+                </a:tc>
+                <a:tc>
+                  <a:txBody>
+                    <a:bodyPr/>
+                    <a:lstStyle/>
+                    <a:p>
+                      <a:pPr marL="0" marR="0" algn="ctr">
+                        <a:lnSpc>
+                          <a:spcPct val="107000"/>
+                        </a:lnSpc>
+                        <a:spcAft>
+                          <a:spcPts val="800"/>
+                        </a:spcAft>
+                        <a:buNone/>
+                      </a:pPr>
+                      <a:r>
+                        <a:rPr lang="nl-NL" sz="1200" kern="100">
+                          <a:solidFill>
+                            <a:srgbClr val="000000"/>
+                          </a:solidFill>
+                          <a:effectLst/>
+                          <a:latin typeface="Aptos" panose="020B0004020202020204" pitchFamily="34" charset="0"/>
+                          <a:ea typeface="Aptos" panose="020B0004020202020204" pitchFamily="34" charset="0"/>
+                          <a:cs typeface="Times New Roman" panose="02020603050405020304" pitchFamily="18" charset="0"/>
+                        </a:rPr>
+                        <a:t>3</a:t>
+                      </a:r>
+                      <a:endParaRPr lang="nl-NL" sz="1200" kern="100">
+                        <a:effectLst/>
+                        <a:latin typeface="Aptos" panose="020B0004020202020204" pitchFamily="34" charset="0"/>
+                        <a:ea typeface="Aptos" panose="020B0004020202020204" pitchFamily="34" charset="0"/>
+                        <a:cs typeface="Times New Roman" panose="02020603050405020304" pitchFamily="18" charset="0"/>
+                      </a:endParaRPr>
+                    </a:p>
+                  </a:txBody>
+                  <a:tcPr marL="56191" marR="56191" marT="0" marB="0">
+                    <a:lnL w="12700" cap="flat" cmpd="sng" algn="ctr">
+                      <a:solidFill>
+                        <a:srgbClr val="000000"/>
+                      </a:solidFill>
+                      <a:prstDash val="solid"/>
+                      <a:round/>
+                      <a:headEnd type="none" w="med" len="med"/>
+                      <a:tailEnd type="none" w="med" len="med"/>
+                    </a:lnL>
+                    <a:lnR w="12700" cap="flat" cmpd="sng" algn="ctr">
+                      <a:solidFill>
+                        <a:srgbClr val="000000"/>
+                      </a:solidFill>
+                      <a:prstDash val="solid"/>
+                      <a:round/>
+                      <a:headEnd type="none" w="med" len="med"/>
+                      <a:tailEnd type="none" w="med" len="med"/>
+                    </a:lnR>
+                    <a:lnT w="12700" cap="flat" cmpd="sng" algn="ctr">
+                      <a:solidFill>
+                        <a:srgbClr val="000000"/>
+                      </a:solidFill>
+                      <a:prstDash val="solid"/>
+                      <a:round/>
+                      <a:headEnd type="none" w="med" len="med"/>
+                      <a:tailEnd type="none" w="med" len="med"/>
+                    </a:lnT>
+                    <a:lnB w="12700" cap="flat" cmpd="sng" algn="ctr">
+                      <a:solidFill>
+                        <a:srgbClr val="000000"/>
+                      </a:solidFill>
+                      <a:prstDash val="solid"/>
+                      <a:round/>
+                      <a:headEnd type="none" w="med" len="med"/>
+                      <a:tailEnd type="none" w="med" len="med"/>
+                    </a:lnB>
+                    <a:solidFill>
+                      <a:srgbClr val="F38915"/>
+                    </a:solidFill>
+                  </a:tcPr>
+                </a:tc>
+                <a:tc>
+                  <a:txBody>
+                    <a:bodyPr/>
+                    <a:lstStyle/>
+                    <a:p>
+                      <a:pPr marL="0" marR="0" algn="ctr">
+                        <a:lnSpc>
+                          <a:spcPct val="107000"/>
+                        </a:lnSpc>
+                        <a:spcAft>
+                          <a:spcPts val="800"/>
+                        </a:spcAft>
+                        <a:buNone/>
+                      </a:pPr>
+                      <a:r>
+                        <a:rPr lang="nl-NL" sz="1200" kern="100">
+                          <a:solidFill>
+                            <a:srgbClr val="000000"/>
+                          </a:solidFill>
+                          <a:effectLst/>
+                          <a:latin typeface="Aptos" panose="020B0004020202020204" pitchFamily="34" charset="0"/>
+                          <a:ea typeface="Aptos" panose="020B0004020202020204" pitchFamily="34" charset="0"/>
+                          <a:cs typeface="Times New Roman" panose="02020603050405020304" pitchFamily="18" charset="0"/>
+                        </a:rPr>
+                        <a:t>5</a:t>
+                      </a:r>
+                      <a:endParaRPr lang="nl-NL" sz="1200" kern="100">
+                        <a:effectLst/>
+                        <a:latin typeface="Aptos" panose="020B0004020202020204" pitchFamily="34" charset="0"/>
+                        <a:ea typeface="Aptos" panose="020B0004020202020204" pitchFamily="34" charset="0"/>
+                        <a:cs typeface="Times New Roman" panose="02020603050405020304" pitchFamily="18" charset="0"/>
+                      </a:endParaRPr>
+                    </a:p>
+                  </a:txBody>
+                  <a:tcPr marL="56191" marR="56191" marT="0" marB="0">
+                    <a:lnL w="12700" cap="flat" cmpd="sng" algn="ctr">
+                      <a:solidFill>
+                        <a:srgbClr val="000000"/>
+                      </a:solidFill>
+                      <a:prstDash val="solid"/>
+                      <a:round/>
+                      <a:headEnd type="none" w="med" len="med"/>
+                      <a:tailEnd type="none" w="med" len="med"/>
+                    </a:lnL>
+                    <a:lnR w="12700" cap="flat" cmpd="sng" algn="ctr">
+                      <a:solidFill>
+                        <a:srgbClr val="000000"/>
+                      </a:solidFill>
+                      <a:prstDash val="solid"/>
+                      <a:round/>
+                      <a:headEnd type="none" w="med" len="med"/>
+                      <a:tailEnd type="none" w="med" len="med"/>
+                    </a:lnR>
+                    <a:lnT w="12700" cap="flat" cmpd="sng" algn="ctr">
+                      <a:solidFill>
+                        <a:srgbClr val="000000"/>
+                      </a:solidFill>
+                      <a:prstDash val="solid"/>
+                      <a:round/>
+                      <a:headEnd type="none" w="med" len="med"/>
+                      <a:tailEnd type="none" w="med" len="med"/>
+                    </a:lnT>
+                    <a:lnB w="12700" cap="flat" cmpd="sng" algn="ctr">
+                      <a:solidFill>
+                        <a:srgbClr val="000000"/>
+                      </a:solidFill>
+                      <a:prstDash val="solid"/>
+                      <a:round/>
+                      <a:headEnd type="none" w="med" len="med"/>
+                      <a:tailEnd type="none" w="med" len="med"/>
+                    </a:lnB>
+                    <a:solidFill>
+                      <a:srgbClr val="FF0000"/>
+                    </a:solidFill>
+                  </a:tcPr>
+                </a:tc>
+                <a:tc>
+                  <a:txBody>
+                    <a:bodyPr/>
+                    <a:lstStyle/>
+                    <a:p>
+                      <a:pPr marL="0" marR="0" algn="ctr">
+                        <a:lnSpc>
+                          <a:spcPct val="107000"/>
+                        </a:lnSpc>
+                        <a:spcAft>
+                          <a:spcPts val="800"/>
+                        </a:spcAft>
+                        <a:buNone/>
+                      </a:pPr>
+                      <a:r>
+                        <a:rPr lang="nl-NL" sz="1200" kern="100">
+                          <a:effectLst/>
+                          <a:latin typeface="Aptos" panose="020B0004020202020204" pitchFamily="34" charset="0"/>
+                          <a:ea typeface="Aptos" panose="020B0004020202020204" pitchFamily="34" charset="0"/>
+                          <a:cs typeface="Times New Roman" panose="02020603050405020304" pitchFamily="18" charset="0"/>
+                        </a:rPr>
+                        <a:t>De sensoren en micro controller in de behuizing gaan kapot door water schade.</a:t>
+                      </a:r>
+                    </a:p>
+                  </a:txBody>
+                  <a:tcPr marL="56191" marR="56191" marT="0" marB="0">
+                    <a:lnL w="12700" cap="flat" cmpd="sng" algn="ctr">
+                      <a:solidFill>
+                        <a:srgbClr val="000000"/>
+                      </a:solidFill>
+                      <a:prstDash val="solid"/>
+                      <a:round/>
+                      <a:headEnd type="none" w="med" len="med"/>
+                      <a:tailEnd type="none" w="med" len="med"/>
+                    </a:lnL>
+                    <a:lnR w="12700" cap="flat" cmpd="sng" algn="ctr">
+                      <a:solidFill>
+                        <a:srgbClr val="000000"/>
+                      </a:solidFill>
+                      <a:prstDash val="solid"/>
+                      <a:round/>
+                      <a:headEnd type="none" w="med" len="med"/>
+                      <a:tailEnd type="none" w="med" len="med"/>
+                    </a:lnR>
+                    <a:lnT w="12700" cap="flat" cmpd="sng" algn="ctr">
+                      <a:solidFill>
+                        <a:srgbClr val="000000"/>
+                      </a:solidFill>
+                      <a:prstDash val="solid"/>
+                      <a:round/>
+                      <a:headEnd type="none" w="med" len="med"/>
+                      <a:tailEnd type="none" w="med" len="med"/>
+                    </a:lnT>
+                    <a:lnB w="12700" cap="flat" cmpd="sng" algn="ctr">
+                      <a:solidFill>
+                        <a:srgbClr val="000000"/>
+                      </a:solidFill>
+                      <a:prstDash val="solid"/>
+                      <a:round/>
+                      <a:headEnd type="none" w="med" len="med"/>
+                      <a:tailEnd type="none" w="med" len="med"/>
+                    </a:lnB>
+                    <a:noFill/>
+                  </a:tcPr>
+                </a:tc>
+                <a:tc>
+                  <a:txBody>
+                    <a:bodyPr/>
+                    <a:lstStyle/>
+                    <a:p>
+                      <a:pPr marL="0" marR="0" algn="ctr">
+                        <a:lnSpc>
+                          <a:spcPct val="107000"/>
+                        </a:lnSpc>
+                        <a:spcAft>
+                          <a:spcPts val="800"/>
+                        </a:spcAft>
+                        <a:buNone/>
+                      </a:pPr>
+                      <a:r>
+                        <a:rPr lang="nl-NL" sz="1200" kern="100">
+                          <a:effectLst/>
+                          <a:latin typeface="Aptos" panose="020B0004020202020204" pitchFamily="34" charset="0"/>
+                          <a:ea typeface="Aptos" panose="020B0004020202020204" pitchFamily="34" charset="0"/>
+                          <a:cs typeface="Times New Roman" panose="02020603050405020304" pitchFamily="18" charset="0"/>
+                        </a:rPr>
+                        <a:t>Overdragen aan de PO. Wij hebben geen toegang tot goede stevige manieren om de behuizing te maken.</a:t>
+                      </a:r>
+                    </a:p>
+                  </a:txBody>
+                  <a:tcPr marL="56191" marR="56191" marT="0" marB="0">
+                    <a:lnL w="12700" cap="flat" cmpd="sng" algn="ctr">
+                      <a:solidFill>
+                        <a:srgbClr val="000000"/>
+                      </a:solidFill>
+                      <a:prstDash val="solid"/>
+                      <a:round/>
+                      <a:headEnd type="none" w="med" len="med"/>
+                      <a:tailEnd type="none" w="med" len="med"/>
+                    </a:lnL>
+                    <a:lnR w="12700" cap="flat" cmpd="sng" algn="ctr">
+                      <a:solidFill>
+                        <a:srgbClr val="000000"/>
+                      </a:solidFill>
+                      <a:prstDash val="solid"/>
+                      <a:round/>
+                      <a:headEnd type="none" w="med" len="med"/>
+                      <a:tailEnd type="none" w="med" len="med"/>
+                    </a:lnR>
+                    <a:lnT w="12700" cap="flat" cmpd="sng" algn="ctr">
+                      <a:solidFill>
+                        <a:srgbClr val="000000"/>
+                      </a:solidFill>
+                      <a:prstDash val="solid"/>
+                      <a:round/>
+                      <a:headEnd type="none" w="med" len="med"/>
+                      <a:tailEnd type="none" w="med" len="med"/>
+                    </a:lnT>
+                    <a:lnB w="12700" cap="flat" cmpd="sng" algn="ctr">
+                      <a:solidFill>
+                        <a:srgbClr val="000000"/>
+                      </a:solidFill>
+                      <a:prstDash val="solid"/>
+                      <a:round/>
+                      <a:headEnd type="none" w="med" len="med"/>
+                      <a:tailEnd type="none" w="med" len="med"/>
+                    </a:lnB>
+                    <a:noFill/>
+                  </a:tcPr>
+                </a:tc>
+                <a:tc>
+                  <a:txBody>
+                    <a:bodyPr/>
+                    <a:lstStyle/>
+                    <a:p>
+                      <a:pPr marL="0" marR="0" algn="ctr">
+                        <a:lnSpc>
+                          <a:spcPct val="107000"/>
+                        </a:lnSpc>
+                        <a:spcAft>
+                          <a:spcPts val="800"/>
+                        </a:spcAft>
+                        <a:buNone/>
+                      </a:pPr>
+                      <a:r>
+                        <a:rPr lang="nl-NL" sz="1200" kern="100" dirty="0">
+                          <a:effectLst/>
+                          <a:latin typeface="Aptos" panose="020B0004020202020204" pitchFamily="34" charset="0"/>
+                          <a:ea typeface="Aptos" panose="020B0004020202020204" pitchFamily="34" charset="0"/>
+                          <a:cs typeface="Times New Roman" panose="02020603050405020304" pitchFamily="18" charset="0"/>
+                        </a:rPr>
+                        <a:t>Wij maken en tijdelijke behuizing en wij dragen het ontwerp over aan de PO zodat hij er een stevige versie van kan maken.</a:t>
+                      </a:r>
+                    </a:p>
+                  </a:txBody>
+                  <a:tcPr marL="56191" marR="56191" marT="0" marB="0">
+                    <a:lnL w="12700" cap="flat" cmpd="sng" algn="ctr">
+                      <a:solidFill>
+                        <a:srgbClr val="000000"/>
+                      </a:solidFill>
+                      <a:prstDash val="solid"/>
+                      <a:round/>
+                      <a:headEnd type="none" w="med" len="med"/>
+                      <a:tailEnd type="none" w="med" len="med"/>
+                    </a:lnL>
+                    <a:lnR w="12700" cap="flat" cmpd="sng" algn="ctr">
+                      <a:solidFill>
+                        <a:srgbClr val="000000"/>
+                      </a:solidFill>
+                      <a:prstDash val="solid"/>
+                      <a:round/>
+                      <a:headEnd type="none" w="med" len="med"/>
+                      <a:tailEnd type="none" w="med" len="med"/>
+                    </a:lnR>
+                    <a:lnT w="12700" cap="flat" cmpd="sng" algn="ctr">
+                      <a:solidFill>
+                        <a:srgbClr val="000000"/>
+                      </a:solidFill>
+                      <a:prstDash val="solid"/>
+                      <a:round/>
+                      <a:headEnd type="none" w="med" len="med"/>
+                      <a:tailEnd type="none" w="med" len="med"/>
+                    </a:lnT>
+                    <a:lnB w="12700" cap="flat" cmpd="sng" algn="ctr">
+                      <a:solidFill>
+                        <a:srgbClr val="000000"/>
+                      </a:solidFill>
+                      <a:prstDash val="solid"/>
+                      <a:round/>
+                      <a:headEnd type="none" w="med" len="med"/>
+                      <a:tailEnd type="none" w="med" len="med"/>
+                    </a:lnB>
+                    <a:noFill/>
+                  </a:tcPr>
+                </a:tc>
+                <a:tc>
+                  <a:txBody>
+                    <a:bodyPr/>
+                    <a:lstStyle/>
+                    <a:p>
+                      <a:pPr marL="0" marR="0" algn="ctr">
+                        <a:lnSpc>
+                          <a:spcPct val="107000"/>
+                        </a:lnSpc>
+                        <a:spcAft>
+                          <a:spcPts val="800"/>
+                        </a:spcAft>
+                        <a:buNone/>
+                      </a:pPr>
+                      <a:r>
+                        <a:rPr lang="nl-NL" sz="1200" kern="100">
+                          <a:effectLst/>
+                          <a:latin typeface="Aptos" panose="020B0004020202020204" pitchFamily="34" charset="0"/>
+                          <a:ea typeface="Aptos" panose="020B0004020202020204" pitchFamily="34" charset="0"/>
+                          <a:cs typeface="Times New Roman" panose="02020603050405020304" pitchFamily="18" charset="0"/>
+                        </a:rPr>
+                        <a:t> </a:t>
+                      </a:r>
+                    </a:p>
+                  </a:txBody>
+                  <a:tcPr marL="56191" marR="56191" marT="0" marB="0">
+                    <a:lnL w="12700" cap="flat" cmpd="sng" algn="ctr">
+                      <a:solidFill>
+                        <a:srgbClr val="000000"/>
+                      </a:solidFill>
+                      <a:prstDash val="solid"/>
+                      <a:round/>
+                      <a:headEnd type="none" w="med" len="med"/>
+                      <a:tailEnd type="none" w="med" len="med"/>
+                    </a:lnL>
+                    <a:lnR w="12700" cap="flat" cmpd="sng" algn="ctr">
+                      <a:solidFill>
+                        <a:srgbClr val="000000"/>
+                      </a:solidFill>
+                      <a:prstDash val="solid"/>
+                      <a:round/>
+                      <a:headEnd type="none" w="med" len="med"/>
+                      <a:tailEnd type="none" w="med" len="med"/>
+                    </a:lnR>
+                    <a:lnT w="12700" cap="flat" cmpd="sng" algn="ctr">
+                      <a:solidFill>
+                        <a:srgbClr val="000000"/>
+                      </a:solidFill>
+                      <a:prstDash val="solid"/>
+                      <a:round/>
+                      <a:headEnd type="none" w="med" len="med"/>
+                      <a:tailEnd type="none" w="med" len="med"/>
+                    </a:lnT>
+                    <a:lnB w="12700" cap="flat" cmpd="sng" algn="ctr">
+                      <a:solidFill>
+                        <a:srgbClr val="000000"/>
+                      </a:solidFill>
+                      <a:prstDash val="solid"/>
+                      <a:round/>
+                      <a:headEnd type="none" w="med" len="med"/>
+                      <a:tailEnd type="none" w="med" len="med"/>
+                    </a:lnB>
+                    <a:noFill/>
+                  </a:tcPr>
+                </a:tc>
+                <a:tc>
+                  <a:txBody>
+                    <a:bodyPr/>
+                    <a:lstStyle/>
+                    <a:p>
+                      <a:pPr marL="0" marR="0" algn="ctr">
+                        <a:lnSpc>
+                          <a:spcPct val="107000"/>
+                        </a:lnSpc>
+                        <a:spcAft>
+                          <a:spcPts val="800"/>
+                        </a:spcAft>
+                        <a:buNone/>
+                      </a:pPr>
+                      <a:r>
+                        <a:rPr lang="nl-NL" sz="1200" kern="100">
+                          <a:effectLst/>
+                          <a:latin typeface="Aptos" panose="020B0004020202020204" pitchFamily="34" charset="0"/>
+                          <a:ea typeface="Aptos" panose="020B0004020202020204" pitchFamily="34" charset="0"/>
+                          <a:cs typeface="Times New Roman" panose="02020603050405020304" pitchFamily="18" charset="0"/>
+                        </a:rPr>
+                        <a:t> </a:t>
+                      </a:r>
+                    </a:p>
+                  </a:txBody>
+                  <a:tcPr marL="56191" marR="56191" marT="0" marB="0">
+                    <a:lnL w="12700" cap="flat" cmpd="sng" algn="ctr">
+                      <a:solidFill>
+                        <a:srgbClr val="000000"/>
+                      </a:solidFill>
+                      <a:prstDash val="solid"/>
+                      <a:round/>
+                      <a:headEnd type="none" w="med" len="med"/>
+                      <a:tailEnd type="none" w="med" len="med"/>
+                    </a:lnL>
+                    <a:lnR w="12700" cap="flat" cmpd="sng" algn="ctr">
+                      <a:solidFill>
+                        <a:srgbClr val="000000"/>
+                      </a:solidFill>
+                      <a:prstDash val="solid"/>
+                      <a:round/>
+                      <a:headEnd type="none" w="med" len="med"/>
+                      <a:tailEnd type="none" w="med" len="med"/>
+                    </a:lnR>
+                    <a:lnT w="12700" cap="flat" cmpd="sng" algn="ctr">
+                      <a:solidFill>
+                        <a:srgbClr val="000000"/>
+                      </a:solidFill>
+                      <a:prstDash val="solid"/>
+                      <a:round/>
+                      <a:headEnd type="none" w="med" len="med"/>
+                      <a:tailEnd type="none" w="med" len="med"/>
+                    </a:lnT>
+                    <a:lnB w="12700" cap="flat" cmpd="sng" algn="ctr">
+                      <a:solidFill>
+                        <a:srgbClr val="000000"/>
+                      </a:solidFill>
+                      <a:prstDash val="solid"/>
+                      <a:round/>
+                      <a:headEnd type="none" w="med" len="med"/>
+                      <a:tailEnd type="none" w="med" len="med"/>
+                    </a:lnB>
+                    <a:noFill/>
+                  </a:tcPr>
+                </a:tc>
+                <a:tc>
+                  <a:txBody>
+                    <a:bodyPr/>
+                    <a:lstStyle/>
+                    <a:p>
+                      <a:pPr marL="0" marR="0" algn="ctr">
+                        <a:lnSpc>
+                          <a:spcPct val="107000"/>
+                        </a:lnSpc>
+                        <a:spcAft>
+                          <a:spcPts val="800"/>
+                        </a:spcAft>
+                        <a:buNone/>
+                      </a:pPr>
+                      <a:r>
+                        <a:rPr lang="nl-NL" sz="1200" kern="100">
+                          <a:effectLst/>
+                          <a:latin typeface="Aptos" panose="020B0004020202020204" pitchFamily="34" charset="0"/>
+                          <a:ea typeface="Aptos" panose="020B0004020202020204" pitchFamily="34" charset="0"/>
+                          <a:cs typeface="Times New Roman" panose="02020603050405020304" pitchFamily="18" charset="0"/>
+                        </a:rPr>
+                        <a:t>Nog niet</a:t>
+                      </a:r>
+                    </a:p>
+                  </a:txBody>
+                  <a:tcPr marL="56191" marR="56191" marT="0" marB="0">
+                    <a:lnL w="12700" cap="flat" cmpd="sng" algn="ctr">
+                      <a:solidFill>
+                        <a:srgbClr val="000000"/>
+                      </a:solidFill>
+                      <a:prstDash val="solid"/>
+                      <a:round/>
+                      <a:headEnd type="none" w="med" len="med"/>
+                      <a:tailEnd type="none" w="med" len="med"/>
+                    </a:lnL>
+                    <a:lnR w="12700" cap="flat" cmpd="sng" algn="ctr">
+                      <a:solidFill>
+                        <a:srgbClr val="000000"/>
+                      </a:solidFill>
+                      <a:prstDash val="solid"/>
+                      <a:round/>
+                      <a:headEnd type="none" w="med" len="med"/>
+                      <a:tailEnd type="none" w="med" len="med"/>
+                    </a:lnR>
+                    <a:lnT w="12700" cap="flat" cmpd="sng" algn="ctr">
+                      <a:solidFill>
+                        <a:srgbClr val="000000"/>
+                      </a:solidFill>
+                      <a:prstDash val="solid"/>
+                      <a:round/>
+                      <a:headEnd type="none" w="med" len="med"/>
+                      <a:tailEnd type="none" w="med" len="med"/>
+                    </a:lnT>
+                    <a:lnB w="12700" cap="flat" cmpd="sng" algn="ctr">
+                      <a:solidFill>
+                        <a:srgbClr val="000000"/>
+                      </a:solidFill>
+                      <a:prstDash val="solid"/>
+                      <a:round/>
+                      <a:headEnd type="none" w="med" len="med"/>
+                      <a:tailEnd type="none" w="med" len="med"/>
+                    </a:lnB>
+                    <a:noFill/>
+                  </a:tcPr>
+                </a:tc>
+                <a:extLst>
+                  <a:ext uri="{0D108BD9-81ED-4DB2-BD59-A6C34878D82A}">
+                    <a16:rowId xmlns:a16="http://schemas.microsoft.com/office/drawing/2014/main" val="1402032512"/>
+                  </a:ext>
+                </a:extLst>
+              </a:tr>
+              <a:tr h="827374">
+                <a:tc>
+                  <a:txBody>
+                    <a:bodyPr/>
+                    <a:lstStyle/>
+                    <a:p>
+                      <a:pPr marL="0" marR="0" algn="ctr">
+                        <a:lnSpc>
+                          <a:spcPct val="107000"/>
+                        </a:lnSpc>
+                        <a:spcAft>
+                          <a:spcPts val="800"/>
+                        </a:spcAft>
+                        <a:buNone/>
+                      </a:pPr>
+                      <a:r>
+                        <a:rPr lang="nl-NL" sz="1200" kern="100" dirty="0">
+                          <a:effectLst/>
+                          <a:latin typeface="Aptos" panose="020B0004020202020204" pitchFamily="34" charset="0"/>
+                          <a:ea typeface="Aptos" panose="020B0004020202020204" pitchFamily="34" charset="0"/>
+                          <a:cs typeface="Times New Roman" panose="02020603050405020304" pitchFamily="18" charset="0"/>
+                        </a:rPr>
+                        <a:t>De hardware wordt gesloopt door buitenstaanders.</a:t>
+                      </a:r>
+                    </a:p>
+                  </a:txBody>
+                  <a:tcPr marL="56191" marR="56191" marT="0" marB="0">
+                    <a:lnL w="12700" cap="flat" cmpd="sng" algn="ctr">
+                      <a:solidFill>
+                        <a:srgbClr val="000000"/>
+                      </a:solidFill>
+                      <a:prstDash val="solid"/>
+                      <a:round/>
+                      <a:headEnd type="none" w="med" len="med"/>
+                      <a:tailEnd type="none" w="med" len="med"/>
+                    </a:lnL>
+                    <a:lnR w="12700" cap="flat" cmpd="sng" algn="ctr">
+                      <a:solidFill>
+                        <a:srgbClr val="000000"/>
+                      </a:solidFill>
+                      <a:prstDash val="solid"/>
+                      <a:round/>
+                      <a:headEnd type="none" w="med" len="med"/>
+                      <a:tailEnd type="none" w="med" len="med"/>
+                    </a:lnR>
+                    <a:lnT w="12700" cap="flat" cmpd="sng" algn="ctr">
+                      <a:solidFill>
+                        <a:srgbClr val="000000"/>
+                      </a:solidFill>
+                      <a:prstDash val="solid"/>
+                      <a:round/>
+                      <a:headEnd type="none" w="med" len="med"/>
+                      <a:tailEnd type="none" w="med" len="med"/>
+                    </a:lnT>
+                    <a:lnB w="12700" cap="flat" cmpd="sng" algn="ctr">
+                      <a:solidFill>
+                        <a:srgbClr val="000000"/>
+                      </a:solidFill>
+                      <a:prstDash val="solid"/>
+                      <a:round/>
+                      <a:headEnd type="none" w="med" len="med"/>
+                      <a:tailEnd type="none" w="med" len="med"/>
+                    </a:lnB>
+                    <a:noFill/>
+                  </a:tcPr>
+                </a:tc>
+                <a:tc>
+                  <a:txBody>
+                    <a:bodyPr/>
+                    <a:lstStyle/>
+                    <a:p>
+                      <a:pPr marL="0" marR="0" algn="ctr">
+                        <a:lnSpc>
+                          <a:spcPct val="107000"/>
+                        </a:lnSpc>
+                        <a:spcAft>
+                          <a:spcPts val="800"/>
+                        </a:spcAft>
+                        <a:buNone/>
+                      </a:pPr>
+                      <a:r>
+                        <a:rPr lang="nl-NL" sz="1200" kern="100">
+                          <a:solidFill>
+                            <a:srgbClr val="000000"/>
+                          </a:solidFill>
+                          <a:effectLst/>
+                          <a:latin typeface="Aptos" panose="020B0004020202020204" pitchFamily="34" charset="0"/>
+                          <a:ea typeface="Aptos" panose="020B0004020202020204" pitchFamily="34" charset="0"/>
+                          <a:cs typeface="Times New Roman" panose="02020603050405020304" pitchFamily="18" charset="0"/>
+                        </a:rPr>
+                        <a:t>1</a:t>
+                      </a:r>
+                      <a:endParaRPr lang="nl-NL" sz="1200" kern="100">
+                        <a:effectLst/>
+                        <a:latin typeface="Aptos" panose="020B0004020202020204" pitchFamily="34" charset="0"/>
+                        <a:ea typeface="Aptos" panose="020B0004020202020204" pitchFamily="34" charset="0"/>
+                        <a:cs typeface="Times New Roman" panose="02020603050405020304" pitchFamily="18" charset="0"/>
+                      </a:endParaRPr>
+                    </a:p>
+                  </a:txBody>
+                  <a:tcPr marL="56191" marR="56191" marT="0" marB="0">
+                    <a:lnL w="12700" cap="flat" cmpd="sng" algn="ctr">
+                      <a:solidFill>
+                        <a:srgbClr val="000000"/>
+                      </a:solidFill>
+                      <a:prstDash val="solid"/>
+                      <a:round/>
+                      <a:headEnd type="none" w="med" len="med"/>
+                      <a:tailEnd type="none" w="med" len="med"/>
+                    </a:lnL>
+                    <a:lnR w="12700" cap="flat" cmpd="sng" algn="ctr">
+                      <a:solidFill>
+                        <a:srgbClr val="000000"/>
+                      </a:solidFill>
+                      <a:prstDash val="solid"/>
+                      <a:round/>
+                      <a:headEnd type="none" w="med" len="med"/>
+                      <a:tailEnd type="none" w="med" len="med"/>
+                    </a:lnR>
+                    <a:lnT w="12700" cap="flat" cmpd="sng" algn="ctr">
+                      <a:solidFill>
+                        <a:srgbClr val="000000"/>
+                      </a:solidFill>
+                      <a:prstDash val="solid"/>
+                      <a:round/>
+                      <a:headEnd type="none" w="med" len="med"/>
+                      <a:tailEnd type="none" w="med" len="med"/>
+                    </a:lnT>
+                    <a:lnB w="12700" cap="flat" cmpd="sng" algn="ctr">
+                      <a:solidFill>
+                        <a:srgbClr val="000000"/>
+                      </a:solidFill>
+                      <a:prstDash val="solid"/>
+                      <a:round/>
+                      <a:headEnd type="none" w="med" len="med"/>
+                      <a:tailEnd type="none" w="med" len="med"/>
+                    </a:lnB>
+                    <a:solidFill>
+                      <a:srgbClr val="00B050"/>
+                    </a:solidFill>
+                  </a:tcPr>
+                </a:tc>
+                <a:tc>
+                  <a:txBody>
+                    <a:bodyPr/>
+                    <a:lstStyle/>
+                    <a:p>
+                      <a:pPr marL="0" marR="0" algn="ctr">
+                        <a:lnSpc>
+                          <a:spcPct val="107000"/>
+                        </a:lnSpc>
+                        <a:spcAft>
+                          <a:spcPts val="800"/>
+                        </a:spcAft>
+                        <a:buNone/>
+                      </a:pPr>
+                      <a:r>
+                        <a:rPr lang="nl-NL" sz="1200" kern="100">
+                          <a:solidFill>
+                            <a:srgbClr val="000000"/>
+                          </a:solidFill>
+                          <a:effectLst/>
+                          <a:latin typeface="Aptos" panose="020B0004020202020204" pitchFamily="34" charset="0"/>
+                          <a:ea typeface="Aptos" panose="020B0004020202020204" pitchFamily="34" charset="0"/>
+                          <a:cs typeface="Times New Roman" panose="02020603050405020304" pitchFamily="18" charset="0"/>
+                        </a:rPr>
+                        <a:t>5</a:t>
+                      </a:r>
+                      <a:endParaRPr lang="nl-NL" sz="1200" kern="100">
+                        <a:effectLst/>
+                        <a:latin typeface="Aptos" panose="020B0004020202020204" pitchFamily="34" charset="0"/>
+                        <a:ea typeface="Aptos" panose="020B0004020202020204" pitchFamily="34" charset="0"/>
+                        <a:cs typeface="Times New Roman" panose="02020603050405020304" pitchFamily="18" charset="0"/>
+                      </a:endParaRPr>
+                    </a:p>
+                  </a:txBody>
+                  <a:tcPr marL="56191" marR="56191" marT="0" marB="0">
+                    <a:lnL w="12700" cap="flat" cmpd="sng" algn="ctr">
+                      <a:solidFill>
+                        <a:srgbClr val="000000"/>
+                      </a:solidFill>
+                      <a:prstDash val="solid"/>
+                      <a:round/>
+                      <a:headEnd type="none" w="med" len="med"/>
+                      <a:tailEnd type="none" w="med" len="med"/>
+                    </a:lnL>
+                    <a:lnR w="12700" cap="flat" cmpd="sng" algn="ctr">
+                      <a:solidFill>
+                        <a:srgbClr val="000000"/>
+                      </a:solidFill>
+                      <a:prstDash val="solid"/>
+                      <a:round/>
+                      <a:headEnd type="none" w="med" len="med"/>
+                      <a:tailEnd type="none" w="med" len="med"/>
+                    </a:lnR>
+                    <a:lnT w="12700" cap="flat" cmpd="sng" algn="ctr">
+                      <a:solidFill>
+                        <a:srgbClr val="000000"/>
+                      </a:solidFill>
+                      <a:prstDash val="solid"/>
+                      <a:round/>
+                      <a:headEnd type="none" w="med" len="med"/>
+                      <a:tailEnd type="none" w="med" len="med"/>
+                    </a:lnT>
+                    <a:lnB w="12700" cap="flat" cmpd="sng" algn="ctr">
+                      <a:solidFill>
+                        <a:srgbClr val="000000"/>
+                      </a:solidFill>
+                      <a:prstDash val="solid"/>
+                      <a:round/>
+                      <a:headEnd type="none" w="med" len="med"/>
+                      <a:tailEnd type="none" w="med" len="med"/>
+                    </a:lnB>
+                    <a:solidFill>
+                      <a:srgbClr val="FF0000"/>
+                    </a:solidFill>
+                  </a:tcPr>
+                </a:tc>
+                <a:tc>
+                  <a:txBody>
+                    <a:bodyPr/>
+                    <a:lstStyle/>
+                    <a:p>
+                      <a:pPr marL="0" marR="0" algn="ctr">
+                        <a:lnSpc>
+                          <a:spcPct val="107000"/>
+                        </a:lnSpc>
+                        <a:spcAft>
+                          <a:spcPts val="800"/>
+                        </a:spcAft>
+                        <a:buNone/>
+                      </a:pPr>
+                      <a:r>
+                        <a:rPr lang="nl-NL" sz="1200" kern="100">
+                          <a:effectLst/>
+                          <a:latin typeface="Aptos" panose="020B0004020202020204" pitchFamily="34" charset="0"/>
+                          <a:ea typeface="Aptos" panose="020B0004020202020204" pitchFamily="34" charset="0"/>
+                          <a:cs typeface="Times New Roman" panose="02020603050405020304" pitchFamily="18" charset="0"/>
+                        </a:rPr>
+                        <a:t>de motor zal niet meer draaien aangezien die niet meer aangestuurd gaat worden.</a:t>
+                      </a:r>
+                    </a:p>
+                  </a:txBody>
+                  <a:tcPr marL="56191" marR="56191" marT="0" marB="0">
+                    <a:lnL w="12700" cap="flat" cmpd="sng" algn="ctr">
+                      <a:solidFill>
+                        <a:srgbClr val="000000"/>
+                      </a:solidFill>
+                      <a:prstDash val="solid"/>
+                      <a:round/>
+                      <a:headEnd type="none" w="med" len="med"/>
+                      <a:tailEnd type="none" w="med" len="med"/>
+                    </a:lnL>
+                    <a:lnR w="12700" cap="flat" cmpd="sng" algn="ctr">
+                      <a:solidFill>
+                        <a:srgbClr val="000000"/>
+                      </a:solidFill>
+                      <a:prstDash val="solid"/>
+                      <a:round/>
+                      <a:headEnd type="none" w="med" len="med"/>
+                      <a:tailEnd type="none" w="med" len="med"/>
+                    </a:lnR>
+                    <a:lnT w="12700" cap="flat" cmpd="sng" algn="ctr">
+                      <a:solidFill>
+                        <a:srgbClr val="000000"/>
+                      </a:solidFill>
+                      <a:prstDash val="solid"/>
+                      <a:round/>
+                      <a:headEnd type="none" w="med" len="med"/>
+                      <a:tailEnd type="none" w="med" len="med"/>
+                    </a:lnT>
+                    <a:lnB w="12700" cap="flat" cmpd="sng" algn="ctr">
+                      <a:solidFill>
+                        <a:srgbClr val="000000"/>
+                      </a:solidFill>
+                      <a:prstDash val="solid"/>
+                      <a:round/>
+                      <a:headEnd type="none" w="med" len="med"/>
+                      <a:tailEnd type="none" w="med" len="med"/>
+                    </a:lnB>
+                    <a:noFill/>
+                  </a:tcPr>
+                </a:tc>
+                <a:tc>
+                  <a:txBody>
+                    <a:bodyPr/>
+                    <a:lstStyle/>
+                    <a:p>
+                      <a:pPr marL="0" marR="0" algn="ctr">
+                        <a:lnSpc>
+                          <a:spcPct val="107000"/>
+                        </a:lnSpc>
+                        <a:spcAft>
+                          <a:spcPts val="800"/>
+                        </a:spcAft>
+                        <a:buNone/>
+                      </a:pPr>
+                      <a:r>
+                        <a:rPr lang="nl-NL" sz="1200" kern="100" dirty="0">
+                          <a:effectLst/>
+                          <a:latin typeface="Aptos" panose="020B0004020202020204" pitchFamily="34" charset="0"/>
+                          <a:ea typeface="Aptos" panose="020B0004020202020204" pitchFamily="34" charset="0"/>
+                          <a:cs typeface="Times New Roman" panose="02020603050405020304" pitchFamily="18" charset="0"/>
+                        </a:rPr>
+                        <a:t>Overdragen aan de PO. Het weerstation staat op hun vlot waar iedereen op zou kunnen gaan.</a:t>
+                      </a:r>
+                    </a:p>
+                  </a:txBody>
+                  <a:tcPr marL="56191" marR="56191" marT="0" marB="0">
+                    <a:lnL w="12700" cap="flat" cmpd="sng" algn="ctr">
+                      <a:solidFill>
+                        <a:srgbClr val="000000"/>
+                      </a:solidFill>
+                      <a:prstDash val="solid"/>
+                      <a:round/>
+                      <a:headEnd type="none" w="med" len="med"/>
+                      <a:tailEnd type="none" w="med" len="med"/>
+                    </a:lnL>
+                    <a:lnR w="12700" cap="flat" cmpd="sng" algn="ctr">
+                      <a:solidFill>
+                        <a:srgbClr val="000000"/>
+                      </a:solidFill>
+                      <a:prstDash val="solid"/>
+                      <a:round/>
+                      <a:headEnd type="none" w="med" len="med"/>
+                      <a:tailEnd type="none" w="med" len="med"/>
+                    </a:lnR>
+                    <a:lnT w="12700" cap="flat" cmpd="sng" algn="ctr">
+                      <a:solidFill>
+                        <a:srgbClr val="000000"/>
+                      </a:solidFill>
+                      <a:prstDash val="solid"/>
+                      <a:round/>
+                      <a:headEnd type="none" w="med" len="med"/>
+                      <a:tailEnd type="none" w="med" len="med"/>
+                    </a:lnT>
+                    <a:lnB w="12700" cap="flat" cmpd="sng" algn="ctr">
+                      <a:solidFill>
+                        <a:srgbClr val="000000"/>
+                      </a:solidFill>
+                      <a:prstDash val="solid"/>
+                      <a:round/>
+                      <a:headEnd type="none" w="med" len="med"/>
+                      <a:tailEnd type="none" w="med" len="med"/>
+                    </a:lnB>
+                    <a:noFill/>
+                  </a:tcPr>
+                </a:tc>
+                <a:tc>
+                  <a:txBody>
+                    <a:bodyPr/>
+                    <a:lstStyle/>
+                    <a:p>
+                      <a:pPr marL="0" marR="0" algn="ctr">
+                        <a:lnSpc>
+                          <a:spcPct val="107000"/>
+                        </a:lnSpc>
+                        <a:spcAft>
+                          <a:spcPts val="800"/>
+                        </a:spcAft>
+                        <a:buNone/>
+                      </a:pPr>
+                      <a:r>
+                        <a:rPr lang="nl-NL" sz="1200" kern="100">
+                          <a:effectLst/>
+                          <a:latin typeface="Aptos" panose="020B0004020202020204" pitchFamily="34" charset="0"/>
+                          <a:ea typeface="Aptos" panose="020B0004020202020204" pitchFamily="34" charset="0"/>
+                          <a:cs typeface="Times New Roman" panose="02020603050405020304" pitchFamily="18" charset="0"/>
+                        </a:rPr>
+                        <a:t> </a:t>
+                      </a:r>
+                    </a:p>
+                  </a:txBody>
+                  <a:tcPr marL="56191" marR="56191" marT="0" marB="0">
+                    <a:lnL w="12700" cap="flat" cmpd="sng" algn="ctr">
+                      <a:solidFill>
+                        <a:srgbClr val="000000"/>
+                      </a:solidFill>
+                      <a:prstDash val="solid"/>
+                      <a:round/>
+                      <a:headEnd type="none" w="med" len="med"/>
+                      <a:tailEnd type="none" w="med" len="med"/>
+                    </a:lnL>
+                    <a:lnR w="12700" cap="flat" cmpd="sng" algn="ctr">
+                      <a:solidFill>
+                        <a:srgbClr val="000000"/>
+                      </a:solidFill>
+                      <a:prstDash val="solid"/>
+                      <a:round/>
+                      <a:headEnd type="none" w="med" len="med"/>
+                      <a:tailEnd type="none" w="med" len="med"/>
+                    </a:lnR>
+                    <a:lnT w="12700" cap="flat" cmpd="sng" algn="ctr">
+                      <a:solidFill>
+                        <a:srgbClr val="000000"/>
+                      </a:solidFill>
+                      <a:prstDash val="solid"/>
+                      <a:round/>
+                      <a:headEnd type="none" w="med" len="med"/>
+                      <a:tailEnd type="none" w="med" len="med"/>
+                    </a:lnT>
+                    <a:lnB w="12700" cap="flat" cmpd="sng" algn="ctr">
+                      <a:solidFill>
+                        <a:srgbClr val="000000"/>
+                      </a:solidFill>
+                      <a:prstDash val="solid"/>
+                      <a:round/>
+                      <a:headEnd type="none" w="med" len="med"/>
+                      <a:tailEnd type="none" w="med" len="med"/>
+                    </a:lnB>
+                    <a:noFill/>
+                  </a:tcPr>
+                </a:tc>
+                <a:tc>
+                  <a:txBody>
+                    <a:bodyPr/>
+                    <a:lstStyle/>
+                    <a:p>
+                      <a:pPr marL="0" marR="0" algn="ctr">
+                        <a:lnSpc>
+                          <a:spcPct val="107000"/>
+                        </a:lnSpc>
+                        <a:spcAft>
+                          <a:spcPts val="800"/>
+                        </a:spcAft>
+                        <a:buNone/>
+                      </a:pPr>
+                      <a:r>
+                        <a:rPr lang="nl-NL" sz="1200" kern="100">
+                          <a:effectLst/>
+                          <a:latin typeface="Aptos" panose="020B0004020202020204" pitchFamily="34" charset="0"/>
+                          <a:ea typeface="Aptos" panose="020B0004020202020204" pitchFamily="34" charset="0"/>
+                          <a:cs typeface="Times New Roman" panose="02020603050405020304" pitchFamily="18" charset="0"/>
+                        </a:rPr>
+                        <a:t> </a:t>
+                      </a:r>
+                    </a:p>
+                  </a:txBody>
+                  <a:tcPr marL="56191" marR="56191" marT="0" marB="0">
+                    <a:lnL w="12700" cap="flat" cmpd="sng" algn="ctr">
+                      <a:solidFill>
+                        <a:srgbClr val="000000"/>
+                      </a:solidFill>
+                      <a:prstDash val="solid"/>
+                      <a:round/>
+                      <a:headEnd type="none" w="med" len="med"/>
+                      <a:tailEnd type="none" w="med" len="med"/>
+                    </a:lnL>
+                    <a:lnR w="12700" cap="flat" cmpd="sng" algn="ctr">
+                      <a:solidFill>
+                        <a:srgbClr val="000000"/>
+                      </a:solidFill>
+                      <a:prstDash val="solid"/>
+                      <a:round/>
+                      <a:headEnd type="none" w="med" len="med"/>
+                      <a:tailEnd type="none" w="med" len="med"/>
+                    </a:lnR>
+                    <a:lnT w="12700" cap="flat" cmpd="sng" algn="ctr">
+                      <a:solidFill>
+                        <a:srgbClr val="000000"/>
+                      </a:solidFill>
+                      <a:prstDash val="solid"/>
+                      <a:round/>
+                      <a:headEnd type="none" w="med" len="med"/>
+                      <a:tailEnd type="none" w="med" len="med"/>
+                    </a:lnT>
+                    <a:lnB w="12700" cap="flat" cmpd="sng" algn="ctr">
+                      <a:solidFill>
+                        <a:srgbClr val="000000"/>
+                      </a:solidFill>
+                      <a:prstDash val="solid"/>
+                      <a:round/>
+                      <a:headEnd type="none" w="med" len="med"/>
+                      <a:tailEnd type="none" w="med" len="med"/>
+                    </a:lnB>
+                    <a:noFill/>
+                  </a:tcPr>
+                </a:tc>
+                <a:tc>
+                  <a:txBody>
+                    <a:bodyPr/>
+                    <a:lstStyle/>
+                    <a:p>
+                      <a:pPr marL="0" marR="0" algn="ctr">
+                        <a:lnSpc>
+                          <a:spcPct val="107000"/>
+                        </a:lnSpc>
+                        <a:spcAft>
+                          <a:spcPts val="800"/>
+                        </a:spcAft>
+                        <a:buNone/>
+                      </a:pPr>
+                      <a:r>
+                        <a:rPr lang="nl-NL" sz="1200" kern="100">
+                          <a:effectLst/>
+                          <a:latin typeface="Aptos" panose="020B0004020202020204" pitchFamily="34" charset="0"/>
+                          <a:ea typeface="Aptos" panose="020B0004020202020204" pitchFamily="34" charset="0"/>
+                          <a:cs typeface="Times New Roman" panose="02020603050405020304" pitchFamily="18" charset="0"/>
+                        </a:rPr>
+                        <a:t> </a:t>
+                      </a:r>
+                    </a:p>
+                  </a:txBody>
+                  <a:tcPr marL="56191" marR="56191" marT="0" marB="0">
+                    <a:lnL w="12700" cap="flat" cmpd="sng" algn="ctr">
+                      <a:solidFill>
+                        <a:srgbClr val="000000"/>
+                      </a:solidFill>
+                      <a:prstDash val="solid"/>
+                      <a:round/>
+                      <a:headEnd type="none" w="med" len="med"/>
+                      <a:tailEnd type="none" w="med" len="med"/>
+                    </a:lnL>
+                    <a:lnR w="12700" cap="flat" cmpd="sng" algn="ctr">
+                      <a:solidFill>
+                        <a:srgbClr val="000000"/>
+                      </a:solidFill>
+                      <a:prstDash val="solid"/>
+                      <a:round/>
+                      <a:headEnd type="none" w="med" len="med"/>
+                      <a:tailEnd type="none" w="med" len="med"/>
+                    </a:lnR>
+                    <a:lnT w="12700" cap="flat" cmpd="sng" algn="ctr">
+                      <a:solidFill>
+                        <a:srgbClr val="000000"/>
+                      </a:solidFill>
+                      <a:prstDash val="solid"/>
+                      <a:round/>
+                      <a:headEnd type="none" w="med" len="med"/>
+                      <a:tailEnd type="none" w="med" len="med"/>
+                    </a:lnT>
+                    <a:lnB w="12700" cap="flat" cmpd="sng" algn="ctr">
+                      <a:solidFill>
+                        <a:srgbClr val="000000"/>
+                      </a:solidFill>
+                      <a:prstDash val="solid"/>
+                      <a:round/>
+                      <a:headEnd type="none" w="med" len="med"/>
+                      <a:tailEnd type="none" w="med" len="med"/>
+                    </a:lnB>
+                    <a:noFill/>
+                  </a:tcPr>
+                </a:tc>
+                <a:tc>
+                  <a:txBody>
+                    <a:bodyPr/>
+                    <a:lstStyle/>
+                    <a:p>
+                      <a:pPr marL="0" marR="0" algn="ctr">
+                        <a:lnSpc>
+                          <a:spcPct val="107000"/>
+                        </a:lnSpc>
+                        <a:spcAft>
+                          <a:spcPts val="800"/>
+                        </a:spcAft>
+                        <a:buNone/>
+                      </a:pPr>
+                      <a:r>
+                        <a:rPr lang="nl-NL" sz="1200" kern="100" dirty="0">
+                          <a:effectLst/>
+                          <a:latin typeface="Aptos" panose="020B0004020202020204" pitchFamily="34" charset="0"/>
+                          <a:ea typeface="Aptos" panose="020B0004020202020204" pitchFamily="34" charset="0"/>
+                          <a:cs typeface="Times New Roman" panose="02020603050405020304" pitchFamily="18" charset="0"/>
+                        </a:rPr>
+                        <a:t> </a:t>
+                      </a:r>
+                    </a:p>
+                  </a:txBody>
+                  <a:tcPr marL="56191" marR="56191" marT="0" marB="0">
+                    <a:lnL w="12700" cap="flat" cmpd="sng" algn="ctr">
+                      <a:solidFill>
+                        <a:srgbClr val="000000"/>
+                      </a:solidFill>
+                      <a:prstDash val="solid"/>
+                      <a:round/>
+                      <a:headEnd type="none" w="med" len="med"/>
+                      <a:tailEnd type="none" w="med" len="med"/>
+                    </a:lnL>
+                    <a:lnR w="12700" cap="flat" cmpd="sng" algn="ctr">
+                      <a:solidFill>
+                        <a:srgbClr val="000000"/>
+                      </a:solidFill>
+                      <a:prstDash val="solid"/>
+                      <a:round/>
+                      <a:headEnd type="none" w="med" len="med"/>
+                      <a:tailEnd type="none" w="med" len="med"/>
+                    </a:lnR>
+                    <a:lnT w="12700" cap="flat" cmpd="sng" algn="ctr">
+                      <a:solidFill>
+                        <a:srgbClr val="000000"/>
+                      </a:solidFill>
+                      <a:prstDash val="solid"/>
+                      <a:round/>
+                      <a:headEnd type="none" w="med" len="med"/>
+                      <a:tailEnd type="none" w="med" len="med"/>
+                    </a:lnT>
+                    <a:lnB w="12700" cap="flat" cmpd="sng" algn="ctr">
+                      <a:solidFill>
+                        <a:srgbClr val="000000"/>
+                      </a:solidFill>
+                      <a:prstDash val="solid"/>
+                      <a:round/>
+                      <a:headEnd type="none" w="med" len="med"/>
+                      <a:tailEnd type="none" w="med" len="med"/>
+                    </a:lnB>
+                    <a:noFill/>
+                  </a:tcPr>
+                </a:tc>
+                <a:extLst>
+                  <a:ext uri="{0D108BD9-81ED-4DB2-BD59-A6C34878D82A}">
+                    <a16:rowId xmlns:a16="http://schemas.microsoft.com/office/drawing/2014/main" val="4064980900"/>
+                  </a:ext>
+                </a:extLst>
+              </a:tr>
+            </a:tbl>
+          </a:graphicData>
+        </a:graphic>
+      </p:graphicFrame>
+    </p:spTree>
+    <p:extLst>
+      <p:ext uri="{BB962C8B-B14F-4D97-AF65-F5344CB8AC3E}">
+        <p14:creationId xmlns:p14="http://schemas.microsoft.com/office/powerpoint/2010/main" val="711020833"/>
+      </p:ext>
+    </p:extLst>
+  </p:cSld>
+  <p:clrMapOvr>
+    <a:masterClrMapping/>
+  </p:clrMapOvr>
+</p:sld>
+</file>
+
+<file path=ppt/slides/slide9.xml><?xml version="1.0" encoding="utf-8"?>
 <p:sld xmlns:a="http://schemas.openxmlformats.org/drawingml/2006/main" xmlns:r="http://schemas.openxmlformats.org/officeDocument/2006/relationships" xmlns:p="http://schemas.openxmlformats.org/presentationml/2006/main">
   <p:cSld>
     <p:spTree>
@@ -7306,7 +11310,7 @@
           <a:bodyPr/>
           <a:lstStyle/>
           <a:p>
-            <a:endParaRPr lang="nl-NL"/>
+            <a:endParaRPr lang="nl-NL" dirty="0"/>
           </a:p>
         </p:txBody>
       </p:sp>
@@ -7314,95 +11318,6 @@
     <p:extLst>
       <p:ext uri="{BB962C8B-B14F-4D97-AF65-F5344CB8AC3E}">
         <p14:creationId xmlns:p14="http://schemas.microsoft.com/office/powerpoint/2010/main" val="2447380084"/>
-      </p:ext>
-    </p:extLst>
-  </p:cSld>
-  <p:clrMapOvr>
-    <a:masterClrMapping/>
-  </p:clrMapOvr>
-</p:sld>
-</file>
-
-<file path=ppt/slides/slide8.xml><?xml version="1.0" encoding="utf-8"?>
-<p:sld xmlns:a="http://schemas.openxmlformats.org/drawingml/2006/main" xmlns:r="http://schemas.openxmlformats.org/officeDocument/2006/relationships" xmlns:p="http://schemas.openxmlformats.org/presentationml/2006/main">
-  <p:cSld>
-    <p:spTree>
-      <p:nvGrpSpPr>
-        <p:cNvPr id="1" name=""/>
-        <p:cNvGrpSpPr/>
-        <p:nvPr/>
-      </p:nvGrpSpPr>
-      <p:grpSpPr>
-        <a:xfrm>
-          <a:off x="0" y="0"/>
-          <a:ext cx="0" cy="0"/>
-          <a:chOff x="0" y="0"/>
-          <a:chExt cx="0" cy="0"/>
-        </a:xfrm>
-      </p:grpSpPr>
-      <p:sp>
-        <p:nvSpPr>
-          <p:cNvPr id="2" name="Titel 1">
-            <a:extLst>
-              <a:ext uri="{FF2B5EF4-FFF2-40B4-BE49-F238E27FC236}">
-                <a16:creationId xmlns:a16="http://schemas.microsoft.com/office/drawing/2014/main" id="{11429E17-1B97-C831-7225-46CA6E30D6C1}"/>
-              </a:ext>
-            </a:extLst>
-          </p:cNvPr>
-          <p:cNvSpPr>
-            <a:spLocks noGrp="1"/>
-          </p:cNvSpPr>
-          <p:nvPr>
-            <p:ph type="title"/>
-          </p:nvPr>
-        </p:nvSpPr>
-        <p:spPr/>
-        <p:txBody>
-          <a:bodyPr/>
-          <a:lstStyle/>
-          <a:p>
-            <a:r>
-              <a:rPr lang="nl-NL" dirty="0"/>
-              <a:t>Retrospectieve</a:t>
-            </a:r>
-          </a:p>
-        </p:txBody>
-      </p:sp>
-      <p:sp>
-        <p:nvSpPr>
-          <p:cNvPr id="3" name="Tijdelijke aanduiding voor inhoud 2">
-            <a:extLst>
-              <a:ext uri="{FF2B5EF4-FFF2-40B4-BE49-F238E27FC236}">
-                <a16:creationId xmlns:a16="http://schemas.microsoft.com/office/drawing/2014/main" id="{642C2D7A-ABAA-CE8B-7D60-1D743C7E7AD8}"/>
-              </a:ext>
-            </a:extLst>
-          </p:cNvPr>
-          <p:cNvSpPr>
-            <a:spLocks noGrp="1"/>
-          </p:cNvSpPr>
-          <p:nvPr>
-            <p:ph idx="1"/>
-          </p:nvPr>
-        </p:nvSpPr>
-        <p:spPr/>
-        <p:txBody>
-          <a:bodyPr/>
-          <a:lstStyle/>
-          <a:p>
-            <a:r>
-              <a:rPr lang="nl-NL" dirty="0"/>
-              <a:t>50% presentatie</a:t>
-            </a:r>
-          </a:p>
-          <a:p>
-            <a:endParaRPr lang="nl-NL" dirty="0"/>
-          </a:p>
-        </p:txBody>
-      </p:sp>
-    </p:spTree>
-    <p:extLst>
-      <p:ext uri="{BB962C8B-B14F-4D97-AF65-F5344CB8AC3E}">
-        <p14:creationId xmlns:p14="http://schemas.microsoft.com/office/powerpoint/2010/main" val="112861411"/>
       </p:ext>
     </p:extLst>
   </p:cSld>

--- a/documentatie/scrum presentaties/sprint 4.pptx
+++ b/documentatie/scrum presentaties/sprint 4.pptx
@@ -866,7 +866,7 @@
           <a:p>
             <a:fld id="{64FC25CC-EE5A-4361-84C3-61943080B292}" type="datetimeFigureOut">
               <a:rPr lang="nl-NL" smtClean="0"/>
-              <a:t>21-11-2025</a:t>
+              <a:t>25-11-2025</a:t>
             </a:fld>
             <a:endParaRPr lang="nl-NL"/>
           </a:p>
@@ -908,7 +908,7 @@
           <a:p>
             <a:fld id="{156C544E-C080-4996-8A78-47A8B0C5938F}" type="slidenum">
               <a:rPr lang="nl-NL" smtClean="0"/>
-              <a:t>‹nr.›</a:t>
+              <a:t>‹#›</a:t>
             </a:fld>
             <a:endParaRPr lang="nl-NL"/>
           </a:p>
@@ -1117,7 +1117,7 @@
           <a:p>
             <a:fld id="{64FC25CC-EE5A-4361-84C3-61943080B292}" type="datetimeFigureOut">
               <a:rPr lang="nl-NL" smtClean="0"/>
-              <a:t>21-11-2025</a:t>
+              <a:t>25-11-2025</a:t>
             </a:fld>
             <a:endParaRPr lang="nl-NL"/>
           </a:p>
@@ -1159,7 +1159,7 @@
           <a:p>
             <a:fld id="{156C544E-C080-4996-8A78-47A8B0C5938F}" type="slidenum">
               <a:rPr lang="nl-NL" smtClean="0"/>
-              <a:t>‹nr.›</a:t>
+              <a:t>‹#›</a:t>
             </a:fld>
             <a:endParaRPr lang="nl-NL"/>
           </a:p>
@@ -1431,7 +1431,7 @@
           <a:p>
             <a:fld id="{64FC25CC-EE5A-4361-84C3-61943080B292}" type="datetimeFigureOut">
               <a:rPr lang="nl-NL" smtClean="0"/>
-              <a:t>21-11-2025</a:t>
+              <a:t>25-11-2025</a:t>
             </a:fld>
             <a:endParaRPr lang="nl-NL"/>
           </a:p>
@@ -1473,7 +1473,7 @@
           <a:p>
             <a:fld id="{156C544E-C080-4996-8A78-47A8B0C5938F}" type="slidenum">
               <a:rPr lang="nl-NL" smtClean="0"/>
-              <a:t>‹nr.›</a:t>
+              <a:t>‹#›</a:t>
             </a:fld>
             <a:endParaRPr lang="nl-NL"/>
           </a:p>
@@ -1764,7 +1764,7 @@
           <a:p>
             <a:fld id="{64FC25CC-EE5A-4361-84C3-61943080B292}" type="datetimeFigureOut">
               <a:rPr lang="nl-NL" smtClean="0"/>
-              <a:t>21-11-2025</a:t>
+              <a:t>25-11-2025</a:t>
             </a:fld>
             <a:endParaRPr lang="nl-NL"/>
           </a:p>
@@ -1806,7 +1806,7 @@
           <a:p>
             <a:fld id="{156C544E-C080-4996-8A78-47A8B0C5938F}" type="slidenum">
               <a:rPr lang="nl-NL" smtClean="0"/>
-              <a:t>‹nr.›</a:t>
+              <a:t>‹#›</a:t>
             </a:fld>
             <a:endParaRPr lang="nl-NL"/>
           </a:p>
@@ -2078,7 +2078,7 @@
           <a:p>
             <a:fld id="{64FC25CC-EE5A-4361-84C3-61943080B292}" type="datetimeFigureOut">
               <a:rPr lang="nl-NL" smtClean="0"/>
-              <a:t>21-11-2025</a:t>
+              <a:t>25-11-2025</a:t>
             </a:fld>
             <a:endParaRPr lang="nl-NL"/>
           </a:p>
@@ -2120,7 +2120,7 @@
           <a:p>
             <a:fld id="{156C544E-C080-4996-8A78-47A8B0C5938F}" type="slidenum">
               <a:rPr lang="nl-NL" smtClean="0"/>
-              <a:t>‹nr.›</a:t>
+              <a:t>‹#›</a:t>
             </a:fld>
             <a:endParaRPr lang="nl-NL"/>
           </a:p>
@@ -2471,7 +2471,7 @@
           <a:p>
             <a:fld id="{64FC25CC-EE5A-4361-84C3-61943080B292}" type="datetimeFigureOut">
               <a:rPr lang="nl-NL" smtClean="0"/>
-              <a:t>21-11-2025</a:t>
+              <a:t>25-11-2025</a:t>
             </a:fld>
             <a:endParaRPr lang="nl-NL"/>
           </a:p>
@@ -2513,7 +2513,7 @@
           <a:p>
             <a:fld id="{156C544E-C080-4996-8A78-47A8B0C5938F}" type="slidenum">
               <a:rPr lang="nl-NL" smtClean="0"/>
-              <a:t>‹nr.›</a:t>
+              <a:t>‹#›</a:t>
             </a:fld>
             <a:endParaRPr lang="nl-NL"/>
           </a:p>
@@ -2641,7 +2641,7 @@
           <a:p>
             <a:fld id="{64FC25CC-EE5A-4361-84C3-61943080B292}" type="datetimeFigureOut">
               <a:rPr lang="nl-NL" smtClean="0"/>
-              <a:t>21-11-2025</a:t>
+              <a:t>25-11-2025</a:t>
             </a:fld>
             <a:endParaRPr lang="nl-NL"/>
           </a:p>
@@ -2683,7 +2683,7 @@
           <a:p>
             <a:fld id="{156C544E-C080-4996-8A78-47A8B0C5938F}" type="slidenum">
               <a:rPr lang="nl-NL" smtClean="0"/>
-              <a:t>‹nr.›</a:t>
+              <a:t>‹#›</a:t>
             </a:fld>
             <a:endParaRPr lang="nl-NL"/>
           </a:p>
@@ -2821,7 +2821,7 @@
           <a:p>
             <a:fld id="{64FC25CC-EE5A-4361-84C3-61943080B292}" type="datetimeFigureOut">
               <a:rPr lang="nl-NL" smtClean="0"/>
-              <a:t>21-11-2025</a:t>
+              <a:t>25-11-2025</a:t>
             </a:fld>
             <a:endParaRPr lang="nl-NL"/>
           </a:p>
@@ -2863,7 +2863,7 @@
           <a:p>
             <a:fld id="{156C544E-C080-4996-8A78-47A8B0C5938F}" type="slidenum">
               <a:rPr lang="nl-NL" smtClean="0"/>
-              <a:t>‹nr.›</a:t>
+              <a:t>‹#›</a:t>
             </a:fld>
             <a:endParaRPr lang="nl-NL"/>
           </a:p>
@@ -2991,7 +2991,7 @@
           <a:p>
             <a:fld id="{64FC25CC-EE5A-4361-84C3-61943080B292}" type="datetimeFigureOut">
               <a:rPr lang="nl-NL" smtClean="0"/>
-              <a:t>21-11-2025</a:t>
+              <a:t>25-11-2025</a:t>
             </a:fld>
             <a:endParaRPr lang="nl-NL"/>
           </a:p>
@@ -3033,7 +3033,7 @@
           <a:p>
             <a:fld id="{156C544E-C080-4996-8A78-47A8B0C5938F}" type="slidenum">
               <a:rPr lang="nl-NL" smtClean="0"/>
-              <a:t>‹nr.›</a:t>
+              <a:t>‹#›</a:t>
             </a:fld>
             <a:endParaRPr lang="nl-NL"/>
           </a:p>
@@ -3238,7 +3238,7 @@
           <a:p>
             <a:fld id="{64FC25CC-EE5A-4361-84C3-61943080B292}" type="datetimeFigureOut">
               <a:rPr lang="nl-NL" smtClean="0"/>
-              <a:t>21-11-2025</a:t>
+              <a:t>25-11-2025</a:t>
             </a:fld>
             <a:endParaRPr lang="nl-NL"/>
           </a:p>
@@ -3280,7 +3280,7 @@
           <a:p>
             <a:fld id="{156C544E-C080-4996-8A78-47A8B0C5938F}" type="slidenum">
               <a:rPr lang="nl-NL" smtClean="0"/>
-              <a:t>‹nr.›</a:t>
+              <a:t>‹#›</a:t>
             </a:fld>
             <a:endParaRPr lang="nl-NL"/>
           </a:p>
@@ -3470,7 +3470,7 @@
           <a:p>
             <a:fld id="{64FC25CC-EE5A-4361-84C3-61943080B292}" type="datetimeFigureOut">
               <a:rPr lang="nl-NL" smtClean="0"/>
-              <a:t>21-11-2025</a:t>
+              <a:t>25-11-2025</a:t>
             </a:fld>
             <a:endParaRPr lang="nl-NL"/>
           </a:p>
@@ -3512,7 +3512,7 @@
           <a:p>
             <a:fld id="{156C544E-C080-4996-8A78-47A8B0C5938F}" type="slidenum">
               <a:rPr lang="nl-NL" smtClean="0"/>
-              <a:t>‹nr.›</a:t>
+              <a:t>‹#›</a:t>
             </a:fld>
             <a:endParaRPr lang="nl-NL"/>
           </a:p>
@@ -3844,7 +3844,7 @@
           <a:p>
             <a:fld id="{64FC25CC-EE5A-4361-84C3-61943080B292}" type="datetimeFigureOut">
               <a:rPr lang="nl-NL" smtClean="0"/>
-              <a:t>21-11-2025</a:t>
+              <a:t>25-11-2025</a:t>
             </a:fld>
             <a:endParaRPr lang="nl-NL"/>
           </a:p>
@@ -3886,7 +3886,7 @@
           <a:p>
             <a:fld id="{156C544E-C080-4996-8A78-47A8B0C5938F}" type="slidenum">
               <a:rPr lang="nl-NL" smtClean="0"/>
-              <a:t>‹nr.›</a:t>
+              <a:t>‹#›</a:t>
             </a:fld>
             <a:endParaRPr lang="nl-NL"/>
           </a:p>
@@ -3967,7 +3967,7 @@
           <a:p>
             <a:fld id="{64FC25CC-EE5A-4361-84C3-61943080B292}" type="datetimeFigureOut">
               <a:rPr lang="nl-NL" smtClean="0"/>
-              <a:t>21-11-2025</a:t>
+              <a:t>25-11-2025</a:t>
             </a:fld>
             <a:endParaRPr lang="nl-NL"/>
           </a:p>
@@ -4009,7 +4009,7 @@
           <a:p>
             <a:fld id="{156C544E-C080-4996-8A78-47A8B0C5938F}" type="slidenum">
               <a:rPr lang="nl-NL" smtClean="0"/>
-              <a:t>‹nr.›</a:t>
+              <a:t>‹#›</a:t>
             </a:fld>
             <a:endParaRPr lang="nl-NL"/>
           </a:p>
@@ -4062,7 +4062,7 @@
           <a:p>
             <a:fld id="{64FC25CC-EE5A-4361-84C3-61943080B292}" type="datetimeFigureOut">
               <a:rPr lang="nl-NL" smtClean="0"/>
-              <a:t>21-11-2025</a:t>
+              <a:t>25-11-2025</a:t>
             </a:fld>
             <a:endParaRPr lang="nl-NL"/>
           </a:p>
@@ -4104,7 +4104,7 @@
           <a:p>
             <a:fld id="{156C544E-C080-4996-8A78-47A8B0C5938F}" type="slidenum">
               <a:rPr lang="nl-NL" smtClean="0"/>
-              <a:t>‹nr.›</a:t>
+              <a:t>‹#›</a:t>
             </a:fld>
             <a:endParaRPr lang="nl-NL"/>
           </a:p>
@@ -4317,7 +4317,7 @@
           <a:p>
             <a:fld id="{64FC25CC-EE5A-4361-84C3-61943080B292}" type="datetimeFigureOut">
               <a:rPr lang="nl-NL" smtClean="0"/>
-              <a:t>21-11-2025</a:t>
+              <a:t>25-11-2025</a:t>
             </a:fld>
             <a:endParaRPr lang="nl-NL"/>
           </a:p>
@@ -4359,7 +4359,7 @@
           <a:p>
             <a:fld id="{156C544E-C080-4996-8A78-47A8B0C5938F}" type="slidenum">
               <a:rPr lang="nl-NL" smtClean="0"/>
-              <a:t>‹nr.›</a:t>
+              <a:t>‹#›</a:t>
             </a:fld>
             <a:endParaRPr lang="nl-NL"/>
           </a:p>
@@ -4599,7 +4599,7 @@
           <a:p>
             <a:fld id="{156C544E-C080-4996-8A78-47A8B0C5938F}" type="slidenum">
               <a:rPr lang="nl-NL" smtClean="0"/>
-              <a:t>‹nr.›</a:t>
+              <a:t>‹#›</a:t>
             </a:fld>
             <a:endParaRPr lang="nl-NL"/>
           </a:p>
@@ -4622,7 +4622,7 @@
           <a:p>
             <a:fld id="{64FC25CC-EE5A-4361-84C3-61943080B292}" type="datetimeFigureOut">
               <a:rPr lang="nl-NL" smtClean="0"/>
-              <a:t>21-11-2025</a:t>
+              <a:t>25-11-2025</a:t>
             </a:fld>
             <a:endParaRPr lang="nl-NL"/>
           </a:p>
@@ -5324,7 +5324,7 @@
           <a:p>
             <a:fld id="{64FC25CC-EE5A-4361-84C3-61943080B292}" type="datetimeFigureOut">
               <a:rPr lang="nl-NL" smtClean="0"/>
-              <a:t>21-11-2025</a:t>
+              <a:t>25-11-2025</a:t>
             </a:fld>
             <a:endParaRPr lang="nl-NL"/>
           </a:p>
@@ -5400,7 +5400,7 @@
           <a:p>
             <a:fld id="{156C544E-C080-4996-8A78-47A8B0C5938F}" type="slidenum">
               <a:rPr lang="nl-NL" smtClean="0"/>
-              <a:t>‹nr.›</a:t>
+              <a:t>‹#›</a:t>
             </a:fld>
             <a:endParaRPr lang="nl-NL"/>
           </a:p>
@@ -5921,13 +5921,8 @@
             <a:pPr algn="l"/>
             <a:r>
               <a:rPr lang="en-US" dirty="0"/>
-              <a:t>Pavlo </a:t>
+              <a:t>Pavlo Petrashkevych</a:t>
             </a:r>
-            <a:r>
-              <a:rPr lang="en-US" dirty="0" err="1"/>
-              <a:t>Petraschkevych</a:t>
-            </a:r>
-            <a:endParaRPr lang="en-US" dirty="0"/>
           </a:p>
           <a:p>
             <a:pPr algn="l"/>
@@ -6033,6 +6028,12 @@
             </a:r>
           </a:p>
           <a:p>
+            <a:pPr marL="0" indent="0">
+              <a:buNone/>
+            </a:pPr>
+            <a:endParaRPr lang="nl-NL" dirty="0"/>
+          </a:p>
+          <a:p>
             <a:endParaRPr lang="nl-NL" dirty="0"/>
           </a:p>
         </p:txBody>
@@ -6279,7 +6280,7 @@
           <p:nvPr>
             <p:extLst>
               <p:ext uri="{D42A27DB-BD31-4B8C-83A1-F6EECF244321}">
-                <p14:modId xmlns:p14="http://schemas.microsoft.com/office/powerpoint/2010/main" val="804694571"/>
+                <p14:modId xmlns:p14="http://schemas.microsoft.com/office/powerpoint/2010/main" val="1666340511"/>
               </p:ext>
             </p:extLst>
           </p:nvPr>
@@ -6331,8 +6332,8 @@
                     <a:lstStyle/>
                     <a:p>
                       <a:r>
-                        <a:rPr lang="en-US" dirty="0" err="1"/>
-                        <a:t>taak</a:t>
+                        <a:rPr lang="en-US" dirty="0"/>
+                        <a:t>Taak</a:t>
                       </a:r>
                       <a:endParaRPr lang="nl-NL" dirty="0"/>
                     </a:p>
@@ -6505,7 +6506,7 @@
                           <a:ea typeface="+mn-ea"/>
                           <a:cs typeface="Arial" panose="020B0604020202020204" pitchFamily="34" charset="0"/>
                         </a:rPr>
-                        <a:t> sensor met de micro controller.</a:t>
+                        <a:t> sensor met de microcontroller.</a:t>
                       </a:r>
                     </a:p>
                     <a:p>
@@ -6671,7 +6672,7 @@
                           <a:ea typeface="+mn-ea"/>
                           <a:cs typeface="Arial" panose="020B0604020202020204" pitchFamily="34" charset="0"/>
                         </a:rPr>
-                        <a:t>2.2 ik wil dat de windrichting gemeten word vanuit het weerstation.</a:t>
+                        <a:t>2.2 Ik wil dat de windrichting gemeten word vanuit het weerstation.</a:t>
                       </a:r>
                       <a:endParaRPr lang="nl-NL" sz="1400" b="0" dirty="0">
                         <a:latin typeface="Arial" panose="020B0604020202020204" pitchFamily="34" charset="0"/>
@@ -6696,7 +6697,7 @@
                           <a:ea typeface="+mn-ea"/>
                           <a:cs typeface="Arial" panose="020B0604020202020204" pitchFamily="34" charset="0"/>
                         </a:rPr>
-                        <a:t>2.2.1 Integreer de windrichting sensor met de micro controller.</a:t>
+                        <a:t>2.2.1 Integreer de windrichting sensor met de microcontroller.</a:t>
                       </a:r>
                     </a:p>
                     <a:p>
@@ -6865,41 +6866,103 @@
           <a:lstStyle/>
           <a:p>
             <a:r>
-              <a:rPr lang="nl-NL" dirty="0" err="1"/>
-              <a:t>Raspberry</a:t>
+              <a:rPr lang="nl-NL"/>
+              <a:t>Raspberry pi 4</a:t>
             </a:r>
-            <a:r>
-              <a:rPr lang="nl-NL" dirty="0"/>
-              <a:t> pi 4</a:t>
-            </a:r>
+            <a:endParaRPr lang="nl-NL" dirty="0"/>
           </a:p>
         </p:txBody>
       </p:sp>
       <p:sp>
         <p:nvSpPr>
-          <p:cNvPr id="3" name="Tijdelijke aanduiding voor inhoud 2">
+          <p:cNvPr id="5" name="AutoShape 4">
             <a:extLst>
               <a:ext uri="{FF2B5EF4-FFF2-40B4-BE49-F238E27FC236}">
-                <a16:creationId xmlns:a16="http://schemas.microsoft.com/office/drawing/2014/main" id="{261043D1-F29E-CE2D-3E0F-11B1F4575234}"/>
+                <a16:creationId xmlns:a16="http://schemas.microsoft.com/office/drawing/2014/main" id="{E21118A1-A199-CB3E-5694-0609231EAC0C}"/>
               </a:ext>
             </a:extLst>
           </p:cNvPr>
           <p:cNvSpPr>
-            <a:spLocks noGrp="1"/>
+            <a:spLocks noGrp="1" noChangeAspect="1" noChangeArrowheads="1"/>
           </p:cNvSpPr>
           <p:nvPr>
             <p:ph idx="1"/>
           </p:nvPr>
         </p:nvSpPr>
-        <p:spPr/>
+        <p:spPr bwMode="auto">
+          <a:prstGeom prst="rect">
+            <a:avLst/>
+          </a:prstGeom>
+          <a:noFill/>
+          <a:extLst>
+            <a:ext uri="{909E8E84-426E-40DD-AFC4-6F175D3DCCD1}">
+              <a14:hiddenFill xmlns:a14="http://schemas.microsoft.com/office/drawing/2010/main">
+                <a:solidFill>
+                  <a:srgbClr val="FFFFFF"/>
+                </a:solidFill>
+              </a14:hiddenFill>
+            </a:ext>
+          </a:extLst>
+        </p:spPr>
         <p:txBody>
-          <a:bodyPr/>
+          <a:bodyPr vert="horz" wrap="square" lIns="91440" tIns="45720" rIns="91440" bIns="45720" numCol="1" anchor="t" anchorCtr="0" compatLnSpc="1">
+            <a:prstTxWarp prst="textNoShape">
+              <a:avLst/>
+            </a:prstTxWarp>
+          </a:bodyPr>
           <a:lstStyle/>
           <a:p>
-            <a:endParaRPr lang="nl-NL" dirty="0"/>
+            <a:endParaRPr lang="en-NL" dirty="0"/>
           </a:p>
         </p:txBody>
       </p:sp>
+      <p:pic>
+        <p:nvPicPr>
+          <p:cNvPr id="3082" name="Picture 10" descr="Raspberry Pi 4 B 8GB Computerbord - RobotShop">
+            <a:extLst>
+              <a:ext uri="{FF2B5EF4-FFF2-40B4-BE49-F238E27FC236}">
+                <a16:creationId xmlns:a16="http://schemas.microsoft.com/office/drawing/2014/main" id="{DD2B4A28-C741-633F-389E-251DEFC3C7F2}"/>
+              </a:ext>
+            </a:extLst>
+          </p:cNvPr>
+          <p:cNvPicPr>
+            <a:picLocks noChangeAspect="1" noChangeArrowheads="1"/>
+          </p:cNvPicPr>
+          <p:nvPr/>
+        </p:nvPicPr>
+        <p:blipFill>
+          <a:blip r:embed="rId2">
+            <a:extLst>
+              <a:ext uri="{28A0092B-C50C-407E-A947-70E740481C1C}">
+                <a14:useLocalDpi xmlns:a14="http://schemas.microsoft.com/office/drawing/2010/main" val="0"/>
+              </a:ext>
+            </a:extLst>
+          </a:blip>
+          <a:srcRect/>
+          <a:stretch>
+            <a:fillRect/>
+          </a:stretch>
+        </p:blipFill>
+        <p:spPr bwMode="auto">
+          <a:xfrm>
+            <a:off x="570548" y="2055430"/>
+            <a:ext cx="3600049" cy="2365375"/>
+          </a:xfrm>
+          <a:prstGeom prst="rect">
+            <a:avLst/>
+          </a:prstGeom>
+          <a:noFill/>
+          <a:extLst>
+            <a:ext uri="{909E8E84-426E-40DD-AFC4-6F175D3DCCD1}">
+              <a14:hiddenFill xmlns:a14="http://schemas.microsoft.com/office/drawing/2010/main">
+                <a:solidFill>
+                  <a:srgbClr val="FFFFFF"/>
+                </a:solidFill>
+              </a14:hiddenFill>
+            </a:ext>
+          </a:extLst>
+        </p:spPr>
+      </p:pic>
     </p:spTree>
     <p:extLst>
       <p:ext uri="{BB962C8B-B14F-4D97-AF65-F5344CB8AC3E}">
@@ -6981,11 +7044,70 @@
           <a:p>
             <a:r>
               <a:rPr lang="nl-NL" dirty="0"/>
+              <a:t>Werkend gekregen</a:t>
+            </a:r>
+          </a:p>
+          <a:p>
+            <a:r>
+              <a:rPr lang="nl-NL" dirty="0"/>
               <a:t>Onderdeel bestellen</a:t>
             </a:r>
           </a:p>
+          <a:p>
+            <a:endParaRPr lang="nl-NL" dirty="0"/>
+          </a:p>
+          <a:p>
+            <a:endParaRPr lang="nl-NL" dirty="0"/>
+          </a:p>
         </p:txBody>
       </p:sp>
+      <p:pic>
+        <p:nvPicPr>
+          <p:cNvPr id="1032" name="Picture 8" descr="Raspberry Pi Analog Input ADS1115 16-Bit ADC Module - 4-Channel With  Programmable Gain Amplifier For Arduino &amp; Raspberry Pi 4-channel I2C ADC  Breakout Board">
+            <a:extLst>
+              <a:ext uri="{FF2B5EF4-FFF2-40B4-BE49-F238E27FC236}">
+                <a16:creationId xmlns:a16="http://schemas.microsoft.com/office/drawing/2014/main" id="{655AACB0-6443-2B03-F7B0-B170829E7186}"/>
+              </a:ext>
+            </a:extLst>
+          </p:cNvPr>
+          <p:cNvPicPr>
+            <a:picLocks noChangeAspect="1" noChangeArrowheads="1"/>
+          </p:cNvPicPr>
+          <p:nvPr/>
+        </p:nvPicPr>
+        <p:blipFill>
+          <a:blip r:embed="rId2">
+            <a:extLst>
+              <a:ext uri="{28A0092B-C50C-407E-A947-70E740481C1C}">
+                <a14:useLocalDpi xmlns:a14="http://schemas.microsoft.com/office/drawing/2010/main" val="0"/>
+              </a:ext>
+            </a:extLst>
+          </a:blip>
+          <a:srcRect/>
+          <a:stretch>
+            <a:fillRect/>
+          </a:stretch>
+        </p:blipFill>
+        <p:spPr bwMode="auto">
+          <a:xfrm>
+            <a:off x="774873" y="3898237"/>
+            <a:ext cx="2143125" cy="2143125"/>
+          </a:xfrm>
+          <a:prstGeom prst="rect">
+            <a:avLst/>
+          </a:prstGeom>
+          <a:noFill/>
+          <a:extLst>
+            <a:ext uri="{909E8E84-426E-40DD-AFC4-6F175D3DCCD1}">
+              <a14:hiddenFill xmlns:a14="http://schemas.microsoft.com/office/drawing/2010/main">
+                <a:solidFill>
+                  <a:srgbClr val="FFFFFF"/>
+                </a:solidFill>
+              </a14:hiddenFill>
+            </a:ext>
+          </a:extLst>
+        </p:spPr>
+      </p:pic>
     </p:spTree>
     <p:extLst>
       <p:ext uri="{BB962C8B-B14F-4D97-AF65-F5344CB8AC3E}">
@@ -7078,6 +7200,36 @@
           </a:p>
         </p:txBody>
       </p:sp>
+      <p:pic>
+        <p:nvPicPr>
+          <p:cNvPr id="6" name="Picture 5">
+            <a:extLst>
+              <a:ext uri="{FF2B5EF4-FFF2-40B4-BE49-F238E27FC236}">
+                <a16:creationId xmlns:a16="http://schemas.microsoft.com/office/drawing/2014/main" id="{EDEE8532-B1ED-1F55-3DFF-65E5B188B1DD}"/>
+              </a:ext>
+            </a:extLst>
+          </p:cNvPr>
+          <p:cNvPicPr>
+            <a:picLocks noChangeAspect="1"/>
+          </p:cNvPicPr>
+          <p:nvPr/>
+        </p:nvPicPr>
+        <p:blipFill>
+          <a:blip r:embed="rId2"/>
+          <a:stretch>
+            <a:fillRect/>
+          </a:stretch>
+        </p:blipFill>
+        <p:spPr>
+          <a:xfrm>
+            <a:off x="1080494" y="4242589"/>
+            <a:ext cx="7529213" cy="2615411"/>
+          </a:xfrm>
+          <a:prstGeom prst="rect">
+            <a:avLst/>
+          </a:prstGeom>
+        </p:spPr>
+      </p:pic>
     </p:spTree>
     <p:extLst>
       <p:ext uri="{BB962C8B-B14F-4D97-AF65-F5344CB8AC3E}">
